--- a/Load balancing.pptx
+++ b/Load balancing.pptx
@@ -8,12 +8,15 @@
     <p:sldId id="256" r:id="rId2"/>
     <p:sldId id="257" r:id="rId3"/>
     <p:sldId id="258" r:id="rId4"/>
-    <p:sldId id="259" r:id="rId5"/>
-    <p:sldId id="260" r:id="rId6"/>
-    <p:sldId id="261" r:id="rId7"/>
-    <p:sldId id="262" r:id="rId8"/>
-    <p:sldId id="263" r:id="rId9"/>
-    <p:sldId id="265" r:id="rId10"/>
+    <p:sldId id="267" r:id="rId5"/>
+    <p:sldId id="266" r:id="rId6"/>
+    <p:sldId id="268" r:id="rId7"/>
+    <p:sldId id="269" r:id="rId8"/>
+    <p:sldId id="259" r:id="rId9"/>
+    <p:sldId id="270" r:id="rId10"/>
+    <p:sldId id="271" r:id="rId11"/>
+    <p:sldId id="272" r:id="rId12"/>
+    <p:sldId id="265" r:id="rId13"/>
   </p:sldIdLst>
   <p:sldSz cx="12192000" cy="6858000"/>
   <p:notesSz cx="6858000" cy="9144000"/>
@@ -112,6 +115,11 @@
       </a:defRPr>
     </a:lvl9pPr>
   </p:defaultTextStyle>
+  <p:extLst>
+    <p:ext uri="{EFAFB233-063F-42B5-8137-9DF3F51BA10A}">
+      <p15:sldGuideLst xmlns:p15="http://schemas.microsoft.com/office/powerpoint/2012/main"/>
+    </p:ext>
+  </p:extLst>
 </p:presentation>
 </file>
 
@@ -3815,7 +3823,7 @@
         </p:nvSpPr>
         <p:spPr>
           <a:xfrm>
-            <a:off x="1857462" y="2208796"/>
+            <a:off x="1865700" y="2291174"/>
             <a:ext cx="8361229" cy="1538897"/>
           </a:xfrm>
         </p:spPr>
@@ -3824,7 +3832,7 @@
           <a:lstStyle/>
           <a:p>
             <a:r>
-              <a:rPr lang="en-US" sz="5400" dirty="0"/>
+              <a:rPr lang="en-US" dirty="0"/>
               <a:t>Load balancing</a:t>
             </a:r>
           </a:p>
@@ -3842,12 +3850,14 @@
         </p:nvSpPr>
         <p:spPr>
           <a:xfrm>
-            <a:off x="4154480" y="974181"/>
-            <a:ext cx="6831673" cy="1086237"/>
+            <a:off x="3767302" y="731423"/>
+            <a:ext cx="4725909" cy="479539"/>
           </a:xfrm>
         </p:spPr>
         <p:txBody>
-          <a:bodyPr/>
+          <a:bodyPr>
+            <a:normAutofit lnSpcReduction="10000"/>
+          </a:bodyPr>
           <a:lstStyle/>
           <a:p>
             <a:r>
@@ -3916,7 +3926,7 @@
         </p:nvSpPr>
         <p:spPr>
           <a:xfrm>
-            <a:off x="1061172" y="5434970"/>
+            <a:off x="2928603" y="5624440"/>
             <a:ext cx="6831673" cy="1086237"/>
           </a:xfrm>
           <a:prstGeom prst="rect">
@@ -4134,10 +4144,2749 @@
           </a:p>
         </p:txBody>
       </p:sp>
+      <p:sp>
+        <p:nvSpPr>
+          <p:cNvPr id="5" name="Subtitle 2"/>
+          <p:cNvSpPr txBox="1">
+            <a:spLocks/>
+          </p:cNvSpPr>
+          <p:nvPr/>
+        </p:nvSpPr>
+        <p:spPr>
+          <a:xfrm>
+            <a:off x="2454668" y="1226193"/>
+            <a:ext cx="4725909" cy="479539"/>
+          </a:xfrm>
+          <a:prstGeom prst="rect">
+            <a:avLst/>
+          </a:prstGeom>
+        </p:spPr>
+        <p:txBody>
+          <a:bodyPr vert="horz" lIns="91440" tIns="45720" rIns="91440" bIns="45720" rtlCol="0">
+            <a:normAutofit lnSpcReduction="10000"/>
+          </a:bodyPr>
+          <a:lstStyle>
+            <a:lvl1pPr marL="0" indent="0" algn="ctr" defTabSz="914400" rtl="0" eaLnBrk="1" latinLnBrk="0" hangingPunct="1">
+              <a:lnSpc>
+                <a:spcPct val="112000"/>
+              </a:lnSpc>
+              <a:spcBef>
+                <a:spcPts val="0"/>
+              </a:spcBef>
+              <a:spcAft>
+                <a:spcPts val="0"/>
+              </a:spcAft>
+              <a:buFont typeface="Franklin Gothic Book" panose="020B0503020102020204" pitchFamily="34" charset="0"/>
+              <a:buNone/>
+              <a:defRPr sz="2300" kern="1200" baseline="0">
+                <a:solidFill>
+                  <a:schemeClr val="tx2"/>
+                </a:solidFill>
+                <a:latin typeface="+mn-lt"/>
+                <a:ea typeface="+mn-ea"/>
+                <a:cs typeface="+mn-cs"/>
+              </a:defRPr>
+            </a:lvl1pPr>
+            <a:lvl2pPr marL="457200" indent="0" algn="ctr" defTabSz="914400" rtl="0" eaLnBrk="1" latinLnBrk="0" hangingPunct="1">
+              <a:lnSpc>
+                <a:spcPct val="94000"/>
+              </a:lnSpc>
+              <a:spcBef>
+                <a:spcPts val="500"/>
+              </a:spcBef>
+              <a:spcAft>
+                <a:spcPts val="200"/>
+              </a:spcAft>
+              <a:buFont typeface="Franklin Gothic Book" panose="020B0503020102020204" pitchFamily="34" charset="0"/>
+              <a:buNone/>
+              <a:defRPr sz="2000" i="1" kern="1200" baseline="0">
+                <a:solidFill>
+                  <a:schemeClr val="tx2"/>
+                </a:solidFill>
+                <a:latin typeface="+mn-lt"/>
+                <a:ea typeface="+mn-ea"/>
+                <a:cs typeface="+mn-cs"/>
+              </a:defRPr>
+            </a:lvl2pPr>
+            <a:lvl3pPr marL="914400" indent="0" algn="ctr" defTabSz="914400" rtl="0" eaLnBrk="1" latinLnBrk="0" hangingPunct="1">
+              <a:lnSpc>
+                <a:spcPct val="94000"/>
+              </a:lnSpc>
+              <a:spcBef>
+                <a:spcPts val="500"/>
+              </a:spcBef>
+              <a:spcAft>
+                <a:spcPts val="200"/>
+              </a:spcAft>
+              <a:buFont typeface="Franklin Gothic Book" panose="020B0503020102020204" pitchFamily="34" charset="0"/>
+              <a:buNone/>
+              <a:defRPr sz="1800" kern="1200" baseline="0">
+                <a:solidFill>
+                  <a:schemeClr val="tx2"/>
+                </a:solidFill>
+                <a:latin typeface="+mn-lt"/>
+                <a:ea typeface="+mn-ea"/>
+                <a:cs typeface="+mn-cs"/>
+              </a:defRPr>
+            </a:lvl3pPr>
+            <a:lvl4pPr marL="1371600" indent="0" algn="ctr" defTabSz="914400" rtl="0" eaLnBrk="1" latinLnBrk="0" hangingPunct="1">
+              <a:lnSpc>
+                <a:spcPct val="94000"/>
+              </a:lnSpc>
+              <a:spcBef>
+                <a:spcPts val="500"/>
+              </a:spcBef>
+              <a:spcAft>
+                <a:spcPts val="200"/>
+              </a:spcAft>
+              <a:buFont typeface="Franklin Gothic Book" panose="020B0503020102020204" pitchFamily="34" charset="0"/>
+              <a:buNone/>
+              <a:defRPr sz="1600" i="1" kern="1200" baseline="0">
+                <a:solidFill>
+                  <a:schemeClr val="tx2"/>
+                </a:solidFill>
+                <a:latin typeface="+mn-lt"/>
+                <a:ea typeface="+mn-ea"/>
+                <a:cs typeface="+mn-cs"/>
+              </a:defRPr>
+            </a:lvl4pPr>
+            <a:lvl5pPr marL="1828800" indent="0" algn="ctr" defTabSz="914400" rtl="0" eaLnBrk="1" latinLnBrk="0" hangingPunct="1">
+              <a:lnSpc>
+                <a:spcPct val="94000"/>
+              </a:lnSpc>
+              <a:spcBef>
+                <a:spcPts val="500"/>
+              </a:spcBef>
+              <a:spcAft>
+                <a:spcPts val="200"/>
+              </a:spcAft>
+              <a:buFont typeface="Franklin Gothic Book" panose="020B0503020102020204" pitchFamily="34" charset="0"/>
+              <a:buNone/>
+              <a:defRPr sz="1600" kern="1200" baseline="0">
+                <a:solidFill>
+                  <a:schemeClr val="tx2"/>
+                </a:solidFill>
+                <a:latin typeface="+mn-lt"/>
+                <a:ea typeface="+mn-ea"/>
+                <a:cs typeface="+mn-cs"/>
+              </a:defRPr>
+            </a:lvl5pPr>
+            <a:lvl6pPr marL="2286000" indent="0" algn="ctr" defTabSz="914400" rtl="0" eaLnBrk="1" latinLnBrk="0" hangingPunct="1">
+              <a:lnSpc>
+                <a:spcPct val="94000"/>
+              </a:lnSpc>
+              <a:spcBef>
+                <a:spcPts val="500"/>
+              </a:spcBef>
+              <a:spcAft>
+                <a:spcPts val="200"/>
+              </a:spcAft>
+              <a:buFont typeface="Franklin Gothic Book" panose="020B0503020102020204" pitchFamily="34" charset="0"/>
+              <a:buNone/>
+              <a:defRPr sz="1600" i="1" kern="1200" baseline="0">
+                <a:solidFill>
+                  <a:schemeClr val="tx2"/>
+                </a:solidFill>
+                <a:latin typeface="+mn-lt"/>
+                <a:ea typeface="+mn-ea"/>
+                <a:cs typeface="+mn-cs"/>
+              </a:defRPr>
+            </a:lvl6pPr>
+            <a:lvl7pPr marL="2743200" indent="0" algn="ctr" defTabSz="914400" rtl="0" eaLnBrk="1" latinLnBrk="0" hangingPunct="1">
+              <a:lnSpc>
+                <a:spcPct val="94000"/>
+              </a:lnSpc>
+              <a:spcBef>
+                <a:spcPts val="500"/>
+              </a:spcBef>
+              <a:spcAft>
+                <a:spcPts val="200"/>
+              </a:spcAft>
+              <a:buFont typeface="Franklin Gothic Book" panose="020B0503020102020204" pitchFamily="34" charset="0"/>
+              <a:buNone/>
+              <a:defRPr sz="1600" kern="1200" baseline="0">
+                <a:solidFill>
+                  <a:schemeClr val="tx2"/>
+                </a:solidFill>
+                <a:latin typeface="+mn-lt"/>
+                <a:ea typeface="+mn-ea"/>
+                <a:cs typeface="+mn-cs"/>
+              </a:defRPr>
+            </a:lvl7pPr>
+            <a:lvl8pPr marL="3200400" indent="0" algn="ctr" defTabSz="914400" rtl="0" eaLnBrk="1" latinLnBrk="0" hangingPunct="1">
+              <a:lnSpc>
+                <a:spcPct val="94000"/>
+              </a:lnSpc>
+              <a:spcBef>
+                <a:spcPts val="500"/>
+              </a:spcBef>
+              <a:spcAft>
+                <a:spcPts val="200"/>
+              </a:spcAft>
+              <a:buFont typeface="Franklin Gothic Book" panose="020B0503020102020204" pitchFamily="34" charset="0"/>
+              <a:buNone/>
+              <a:defRPr sz="1600" i="1" kern="1200" baseline="0">
+                <a:solidFill>
+                  <a:schemeClr val="tx2"/>
+                </a:solidFill>
+                <a:latin typeface="+mn-lt"/>
+                <a:ea typeface="+mn-ea"/>
+                <a:cs typeface="+mn-cs"/>
+              </a:defRPr>
+            </a:lvl8pPr>
+            <a:lvl9pPr marL="3657600" indent="0" algn="ctr" defTabSz="914400" rtl="0" eaLnBrk="1" latinLnBrk="0" hangingPunct="1">
+              <a:lnSpc>
+                <a:spcPct val="94000"/>
+              </a:lnSpc>
+              <a:spcBef>
+                <a:spcPts val="500"/>
+              </a:spcBef>
+              <a:spcAft>
+                <a:spcPts val="200"/>
+              </a:spcAft>
+              <a:buFont typeface="Franklin Gothic Book" panose="020B0503020102020204" pitchFamily="34" charset="0"/>
+              <a:buNone/>
+              <a:defRPr sz="1600" kern="1200" baseline="0">
+                <a:solidFill>
+                  <a:schemeClr val="tx2"/>
+                </a:solidFill>
+                <a:latin typeface="+mn-lt"/>
+                <a:ea typeface="+mn-ea"/>
+                <a:cs typeface="+mn-cs"/>
+              </a:defRPr>
+            </a:lvl9pPr>
+          </a:lstStyle>
+          <a:p>
+            <a:r>
+              <a:rPr lang="en-US" dirty="0"/>
+              <a:t>                NT106.H21.ANTN</a:t>
+            </a:r>
+          </a:p>
+        </p:txBody>
+      </p:sp>
     </p:spTree>
     <p:extLst>
       <p:ext uri="{BB962C8B-B14F-4D97-AF65-F5344CB8AC3E}">
         <p14:creationId xmlns:p14="http://schemas.microsoft.com/office/powerpoint/2010/main" val="3047036840"/>
+      </p:ext>
+    </p:extLst>
+  </p:cSld>
+  <p:clrMapOvr>
+    <a:masterClrMapping/>
+  </p:clrMapOvr>
+</p:sld>
+</file>
+
+<file path=ppt/slides/slide10.xml><?xml version="1.0" encoding="utf-8"?>
+<p:sld xmlns:a="http://schemas.openxmlformats.org/drawingml/2006/main" xmlns:r="http://schemas.openxmlformats.org/officeDocument/2006/relationships" xmlns:p="http://schemas.openxmlformats.org/presentationml/2006/main">
+  <p:cSld>
+    <p:spTree>
+      <p:nvGrpSpPr>
+        <p:cNvPr id="1" name=""/>
+        <p:cNvGrpSpPr/>
+        <p:nvPr/>
+      </p:nvGrpSpPr>
+      <p:grpSpPr>
+        <a:xfrm>
+          <a:off x="0" y="0"/>
+          <a:ext cx="0" cy="0"/>
+          <a:chOff x="0" y="0"/>
+          <a:chExt cx="0" cy="0"/>
+        </a:xfrm>
+      </p:grpSpPr>
+      <p:sp>
+        <p:nvSpPr>
+          <p:cNvPr id="2" name="Title 1"/>
+          <p:cNvSpPr>
+            <a:spLocks noGrp="1"/>
+          </p:cNvSpPr>
+          <p:nvPr>
+            <p:ph type="title"/>
+          </p:nvPr>
+        </p:nvSpPr>
+        <p:spPr>
+          <a:xfrm>
+            <a:off x="1371600" y="685800"/>
+            <a:ext cx="5828270" cy="656341"/>
+          </a:xfrm>
+        </p:spPr>
+        <p:txBody>
+          <a:bodyPr>
+            <a:normAutofit fontScale="90000"/>
+          </a:bodyPr>
+          <a:lstStyle/>
+          <a:p>
+            <a:r>
+              <a:rPr lang="en-US" dirty="0" err="1"/>
+              <a:t>Khi</a:t>
+            </a:r>
+            <a:r>
+              <a:rPr lang="en-US" dirty="0"/>
+              <a:t> </a:t>
+            </a:r>
+            <a:r>
+              <a:rPr lang="en-US" dirty="0" err="1"/>
+              <a:t>bị</a:t>
+            </a:r>
+            <a:r>
+              <a:rPr lang="en-US" dirty="0"/>
+              <a:t> </a:t>
+            </a:r>
+            <a:r>
+              <a:rPr lang="en-US" dirty="0" err="1"/>
+              <a:t>mất</a:t>
+            </a:r>
+            <a:r>
+              <a:rPr lang="en-US" dirty="0"/>
+              <a:t> </a:t>
+            </a:r>
+            <a:r>
+              <a:rPr lang="en-US" dirty="0" err="1"/>
+              <a:t>kết</a:t>
+            </a:r>
+            <a:r>
+              <a:rPr lang="en-US" dirty="0"/>
+              <a:t> </a:t>
+            </a:r>
+            <a:r>
+              <a:rPr lang="en-US" dirty="0" err="1"/>
+              <a:t>nối</a:t>
+            </a:r>
+            <a:endParaRPr lang="en-US" dirty="0"/>
+          </a:p>
+        </p:txBody>
+      </p:sp>
+      <p:pic>
+        <p:nvPicPr>
+          <p:cNvPr id="1026" name="Picture 2" descr="Kết quả hình ảnh cho server"/>
+          <p:cNvPicPr>
+            <a:picLocks noChangeAspect="1" noChangeArrowheads="1"/>
+          </p:cNvPicPr>
+          <p:nvPr/>
+        </p:nvPicPr>
+        <p:blipFill>
+          <a:blip r:embed="rId2">
+            <a:extLst>
+              <a:ext uri="{28A0092B-C50C-407E-A947-70E740481C1C}">
+                <a14:useLocalDpi xmlns:a14="http://schemas.microsoft.com/office/drawing/2010/main" val="0"/>
+              </a:ext>
+            </a:extLst>
+          </a:blip>
+          <a:srcRect/>
+          <a:stretch>
+            <a:fillRect/>
+          </a:stretch>
+        </p:blipFill>
+        <p:spPr bwMode="auto">
+          <a:xfrm>
+            <a:off x="5220980" y="1645983"/>
+            <a:ext cx="706396" cy="1093177"/>
+          </a:xfrm>
+          <a:prstGeom prst="rect">
+            <a:avLst/>
+          </a:prstGeom>
+          <a:noFill/>
+          <a:extLst>
+            <a:ext uri="{909E8E84-426E-40DD-AFC4-6F175D3DCCD1}">
+              <a14:hiddenFill xmlns:a14="http://schemas.microsoft.com/office/drawing/2010/main">
+                <a:solidFill>
+                  <a:srgbClr val="FFFFFF"/>
+                </a:solidFill>
+              </a14:hiddenFill>
+            </a:ext>
+          </a:extLst>
+        </p:spPr>
+      </p:pic>
+      <p:pic>
+        <p:nvPicPr>
+          <p:cNvPr id="1028" name="Picture 4" descr="Kết quả hình ảnh cho server"/>
+          <p:cNvPicPr>
+            <a:picLocks noChangeAspect="1" noChangeArrowheads="1"/>
+          </p:cNvPicPr>
+          <p:nvPr/>
+        </p:nvPicPr>
+        <p:blipFill>
+          <a:blip r:embed="rId3">
+            <a:extLst>
+              <a:ext uri="{28A0092B-C50C-407E-A947-70E740481C1C}">
+                <a14:useLocalDpi xmlns:a14="http://schemas.microsoft.com/office/drawing/2010/main" val="0"/>
+              </a:ext>
+            </a:extLst>
+          </a:blip>
+          <a:srcRect/>
+          <a:stretch>
+            <a:fillRect/>
+          </a:stretch>
+        </p:blipFill>
+        <p:spPr bwMode="auto">
+          <a:xfrm>
+            <a:off x="1712670" y="2964008"/>
+            <a:ext cx="876671" cy="1387181"/>
+          </a:xfrm>
+          <a:prstGeom prst="rect">
+            <a:avLst/>
+          </a:prstGeom>
+          <a:noFill/>
+          <a:extLst>
+            <a:ext uri="{909E8E84-426E-40DD-AFC4-6F175D3DCCD1}">
+              <a14:hiddenFill xmlns:a14="http://schemas.microsoft.com/office/drawing/2010/main">
+                <a:solidFill>
+                  <a:srgbClr val="FFFFFF"/>
+                </a:solidFill>
+              </a14:hiddenFill>
+            </a:ext>
+          </a:extLst>
+        </p:spPr>
+      </p:pic>
+      <p:pic>
+        <p:nvPicPr>
+          <p:cNvPr id="1030" name="Picture 6" descr="Hình ảnh có liên quan"/>
+          <p:cNvPicPr>
+            <a:picLocks noChangeAspect="1" noChangeArrowheads="1"/>
+          </p:cNvPicPr>
+          <p:nvPr/>
+        </p:nvPicPr>
+        <p:blipFill>
+          <a:blip r:embed="rId4">
+            <a:extLst>
+              <a:ext uri="{28A0092B-C50C-407E-A947-70E740481C1C}">
+                <a14:useLocalDpi xmlns:a14="http://schemas.microsoft.com/office/drawing/2010/main" val="0"/>
+              </a:ext>
+            </a:extLst>
+          </a:blip>
+          <a:srcRect/>
+          <a:stretch>
+            <a:fillRect/>
+          </a:stretch>
+        </p:blipFill>
+        <p:spPr bwMode="auto">
+          <a:xfrm>
+            <a:off x="9184988" y="1533689"/>
+            <a:ext cx="1025979" cy="1025979"/>
+          </a:xfrm>
+          <a:prstGeom prst="rect">
+            <a:avLst/>
+          </a:prstGeom>
+          <a:noFill/>
+          <a:extLst>
+            <a:ext uri="{909E8E84-426E-40DD-AFC4-6F175D3DCCD1}">
+              <a14:hiddenFill xmlns:a14="http://schemas.microsoft.com/office/drawing/2010/main">
+                <a:solidFill>
+                  <a:srgbClr val="FFFFFF"/>
+                </a:solidFill>
+              </a14:hiddenFill>
+            </a:ext>
+          </a:extLst>
+        </p:spPr>
+      </p:pic>
+      <p:pic>
+        <p:nvPicPr>
+          <p:cNvPr id="17" name="Picture 6" descr="Hình ảnh có liên quan"/>
+          <p:cNvPicPr>
+            <a:picLocks noChangeAspect="1" noChangeArrowheads="1"/>
+          </p:cNvPicPr>
+          <p:nvPr/>
+        </p:nvPicPr>
+        <p:blipFill>
+          <a:blip r:embed="rId4">
+            <a:extLst>
+              <a:ext uri="{28A0092B-C50C-407E-A947-70E740481C1C}">
+                <a14:useLocalDpi xmlns:a14="http://schemas.microsoft.com/office/drawing/2010/main" val="0"/>
+              </a:ext>
+            </a:extLst>
+          </a:blip>
+          <a:srcRect/>
+          <a:stretch>
+            <a:fillRect/>
+          </a:stretch>
+        </p:blipFill>
+        <p:spPr bwMode="auto">
+          <a:xfrm>
+            <a:off x="9184988" y="2725285"/>
+            <a:ext cx="1025979" cy="1025979"/>
+          </a:xfrm>
+          <a:prstGeom prst="rect">
+            <a:avLst/>
+          </a:prstGeom>
+          <a:noFill/>
+          <a:extLst>
+            <a:ext uri="{909E8E84-426E-40DD-AFC4-6F175D3DCCD1}">
+              <a14:hiddenFill xmlns:a14="http://schemas.microsoft.com/office/drawing/2010/main">
+                <a:solidFill>
+                  <a:srgbClr val="FFFFFF"/>
+                </a:solidFill>
+              </a14:hiddenFill>
+            </a:ext>
+          </a:extLst>
+        </p:spPr>
+      </p:pic>
+      <p:pic>
+        <p:nvPicPr>
+          <p:cNvPr id="18" name="Picture 6" descr="Hình ảnh có liên quan"/>
+          <p:cNvPicPr>
+            <a:picLocks noChangeAspect="1" noChangeArrowheads="1"/>
+          </p:cNvPicPr>
+          <p:nvPr/>
+        </p:nvPicPr>
+        <p:blipFill>
+          <a:blip r:embed="rId4">
+            <a:extLst>
+              <a:ext uri="{28A0092B-C50C-407E-A947-70E740481C1C}">
+                <a14:useLocalDpi xmlns:a14="http://schemas.microsoft.com/office/drawing/2010/main" val="0"/>
+              </a:ext>
+            </a:extLst>
+          </a:blip>
+          <a:srcRect/>
+          <a:stretch>
+            <a:fillRect/>
+          </a:stretch>
+        </p:blipFill>
+        <p:spPr bwMode="auto">
+          <a:xfrm>
+            <a:off x="9184987" y="4007497"/>
+            <a:ext cx="1025979" cy="1025979"/>
+          </a:xfrm>
+          <a:prstGeom prst="rect">
+            <a:avLst/>
+          </a:prstGeom>
+          <a:noFill/>
+          <a:extLst>
+            <a:ext uri="{909E8E84-426E-40DD-AFC4-6F175D3DCCD1}">
+              <a14:hiddenFill xmlns:a14="http://schemas.microsoft.com/office/drawing/2010/main">
+                <a:solidFill>
+                  <a:srgbClr val="FFFFFF"/>
+                </a:solidFill>
+              </a14:hiddenFill>
+            </a:ext>
+          </a:extLst>
+        </p:spPr>
+      </p:pic>
+      <p:pic>
+        <p:nvPicPr>
+          <p:cNvPr id="19" name="Picture 6" descr="Hình ảnh có liên quan"/>
+          <p:cNvPicPr>
+            <a:picLocks noChangeAspect="1" noChangeArrowheads="1"/>
+          </p:cNvPicPr>
+          <p:nvPr/>
+        </p:nvPicPr>
+        <p:blipFill>
+          <a:blip r:embed="rId4">
+            <a:extLst>
+              <a:ext uri="{28A0092B-C50C-407E-A947-70E740481C1C}">
+                <a14:useLocalDpi xmlns:a14="http://schemas.microsoft.com/office/drawing/2010/main" val="0"/>
+              </a:ext>
+            </a:extLst>
+          </a:blip>
+          <a:srcRect/>
+          <a:stretch>
+            <a:fillRect/>
+          </a:stretch>
+        </p:blipFill>
+        <p:spPr bwMode="auto">
+          <a:xfrm>
+            <a:off x="9184986" y="5274500"/>
+            <a:ext cx="1025979" cy="1025979"/>
+          </a:xfrm>
+          <a:prstGeom prst="rect">
+            <a:avLst/>
+          </a:prstGeom>
+          <a:noFill/>
+          <a:extLst>
+            <a:ext uri="{909E8E84-426E-40DD-AFC4-6F175D3DCCD1}">
+              <a14:hiddenFill xmlns:a14="http://schemas.microsoft.com/office/drawing/2010/main">
+                <a:solidFill>
+                  <a:srgbClr val="FFFFFF"/>
+                </a:solidFill>
+              </a14:hiddenFill>
+            </a:ext>
+          </a:extLst>
+        </p:spPr>
+      </p:pic>
+      <p:pic>
+        <p:nvPicPr>
+          <p:cNvPr id="20" name="Picture 2" descr="Kết quả hình ảnh cho server"/>
+          <p:cNvPicPr>
+            <a:picLocks noChangeAspect="1" noChangeArrowheads="1"/>
+          </p:cNvPicPr>
+          <p:nvPr/>
+        </p:nvPicPr>
+        <p:blipFill>
+          <a:blip r:embed="rId2">
+            <a:extLst>
+              <a:ext uri="{28A0092B-C50C-407E-A947-70E740481C1C}">
+                <a14:useLocalDpi xmlns:a14="http://schemas.microsoft.com/office/drawing/2010/main" val="0"/>
+              </a:ext>
+            </a:extLst>
+          </a:blip>
+          <a:srcRect/>
+          <a:stretch>
+            <a:fillRect/>
+          </a:stretch>
+        </p:blipFill>
+        <p:spPr bwMode="auto">
+          <a:xfrm>
+            <a:off x="5219111" y="2865735"/>
+            <a:ext cx="706396" cy="1093177"/>
+          </a:xfrm>
+          <a:prstGeom prst="rect">
+            <a:avLst/>
+          </a:prstGeom>
+          <a:noFill/>
+          <a:extLst>
+            <a:ext uri="{909E8E84-426E-40DD-AFC4-6F175D3DCCD1}">
+              <a14:hiddenFill xmlns:a14="http://schemas.microsoft.com/office/drawing/2010/main">
+                <a:solidFill>
+                  <a:srgbClr val="FFFFFF"/>
+                </a:solidFill>
+              </a14:hiddenFill>
+            </a:ext>
+          </a:extLst>
+        </p:spPr>
+      </p:pic>
+      <p:pic>
+        <p:nvPicPr>
+          <p:cNvPr id="21" name="Picture 2" descr="Kết quả hình ảnh cho server"/>
+          <p:cNvPicPr>
+            <a:picLocks noChangeAspect="1" noChangeArrowheads="1"/>
+          </p:cNvPicPr>
+          <p:nvPr/>
+        </p:nvPicPr>
+        <p:blipFill>
+          <a:blip r:embed="rId2">
+            <a:extLst>
+              <a:ext uri="{28A0092B-C50C-407E-A947-70E740481C1C}">
+                <a14:useLocalDpi xmlns:a14="http://schemas.microsoft.com/office/drawing/2010/main" val="0"/>
+              </a:ext>
+            </a:extLst>
+          </a:blip>
+          <a:srcRect/>
+          <a:stretch>
+            <a:fillRect/>
+          </a:stretch>
+        </p:blipFill>
+        <p:spPr bwMode="auto">
+          <a:xfrm>
+            <a:off x="5220980" y="4021148"/>
+            <a:ext cx="706396" cy="1093177"/>
+          </a:xfrm>
+          <a:prstGeom prst="rect">
+            <a:avLst/>
+          </a:prstGeom>
+          <a:noFill/>
+          <a:extLst>
+            <a:ext uri="{909E8E84-426E-40DD-AFC4-6F175D3DCCD1}">
+              <a14:hiddenFill xmlns:a14="http://schemas.microsoft.com/office/drawing/2010/main">
+                <a:solidFill>
+                  <a:srgbClr val="FFFFFF"/>
+                </a:solidFill>
+              </a14:hiddenFill>
+            </a:ext>
+          </a:extLst>
+        </p:spPr>
+      </p:pic>
+      <p:pic>
+        <p:nvPicPr>
+          <p:cNvPr id="22" name="Picture 2" descr="Kết quả hình ảnh cho server"/>
+          <p:cNvPicPr>
+            <a:picLocks noChangeAspect="1" noChangeArrowheads="1"/>
+          </p:cNvPicPr>
+          <p:nvPr/>
+        </p:nvPicPr>
+        <p:blipFill>
+          <a:blip r:embed="rId2">
+            <a:extLst>
+              <a:ext uri="{28A0092B-C50C-407E-A947-70E740481C1C}">
+                <a14:useLocalDpi xmlns:a14="http://schemas.microsoft.com/office/drawing/2010/main" val="0"/>
+              </a:ext>
+            </a:extLst>
+          </a:blip>
+          <a:srcRect/>
+          <a:stretch>
+            <a:fillRect/>
+          </a:stretch>
+        </p:blipFill>
+        <p:spPr bwMode="auto">
+          <a:xfrm>
+            <a:off x="5220980" y="5240900"/>
+            <a:ext cx="706396" cy="1093177"/>
+          </a:xfrm>
+          <a:prstGeom prst="rect">
+            <a:avLst/>
+          </a:prstGeom>
+          <a:noFill/>
+          <a:extLst>
+            <a:ext uri="{909E8E84-426E-40DD-AFC4-6F175D3DCCD1}">
+              <a14:hiddenFill xmlns:a14="http://schemas.microsoft.com/office/drawing/2010/main">
+                <a:solidFill>
+                  <a:srgbClr val="FFFFFF"/>
+                </a:solidFill>
+              </a14:hiddenFill>
+            </a:ext>
+          </a:extLst>
+        </p:spPr>
+      </p:pic>
+      <p:sp>
+        <p:nvSpPr>
+          <p:cNvPr id="16" name="TextBox 15"/>
+          <p:cNvSpPr txBox="1"/>
+          <p:nvPr/>
+        </p:nvSpPr>
+        <p:spPr>
+          <a:xfrm>
+            <a:off x="4126325" y="2038020"/>
+            <a:ext cx="1054443" cy="369332"/>
+          </a:xfrm>
+          <a:prstGeom prst="rect">
+            <a:avLst/>
+          </a:prstGeom>
+          <a:noFill/>
+        </p:spPr>
+        <p:txBody>
+          <a:bodyPr wrap="square" rtlCol="0">
+            <a:spAutoFit/>
+          </a:bodyPr>
+          <a:lstStyle/>
+          <a:p>
+            <a:r>
+              <a:rPr lang="en-US" dirty="0"/>
+              <a:t>Server A</a:t>
+            </a:r>
+          </a:p>
+        </p:txBody>
+      </p:sp>
+      <p:sp>
+        <p:nvSpPr>
+          <p:cNvPr id="26" name="TextBox 25"/>
+          <p:cNvSpPr txBox="1"/>
+          <p:nvPr/>
+        </p:nvSpPr>
+        <p:spPr>
+          <a:xfrm>
+            <a:off x="4123579" y="3254257"/>
+            <a:ext cx="1054443" cy="369332"/>
+          </a:xfrm>
+          <a:prstGeom prst="rect">
+            <a:avLst/>
+          </a:prstGeom>
+          <a:noFill/>
+        </p:spPr>
+        <p:txBody>
+          <a:bodyPr wrap="square" rtlCol="0">
+            <a:spAutoFit/>
+          </a:bodyPr>
+          <a:lstStyle/>
+          <a:p>
+            <a:r>
+              <a:rPr lang="en-US" dirty="0"/>
+              <a:t>Server B</a:t>
+            </a:r>
+          </a:p>
+        </p:txBody>
+      </p:sp>
+      <p:sp>
+        <p:nvSpPr>
+          <p:cNvPr id="27" name="TextBox 26"/>
+          <p:cNvSpPr txBox="1"/>
+          <p:nvPr/>
+        </p:nvSpPr>
+        <p:spPr>
+          <a:xfrm>
+            <a:off x="4166537" y="4383070"/>
+            <a:ext cx="1054443" cy="369332"/>
+          </a:xfrm>
+          <a:prstGeom prst="rect">
+            <a:avLst/>
+          </a:prstGeom>
+          <a:noFill/>
+        </p:spPr>
+        <p:txBody>
+          <a:bodyPr wrap="square" rtlCol="0">
+            <a:spAutoFit/>
+          </a:bodyPr>
+          <a:lstStyle/>
+          <a:p>
+            <a:r>
+              <a:rPr lang="en-US" dirty="0"/>
+              <a:t>Server C</a:t>
+            </a:r>
+          </a:p>
+        </p:txBody>
+      </p:sp>
+      <p:sp>
+        <p:nvSpPr>
+          <p:cNvPr id="28" name="TextBox 27"/>
+          <p:cNvSpPr txBox="1"/>
+          <p:nvPr/>
+        </p:nvSpPr>
+        <p:spPr>
+          <a:xfrm>
+            <a:off x="4126324" y="5489900"/>
+            <a:ext cx="1054443" cy="369332"/>
+          </a:xfrm>
+          <a:prstGeom prst="rect">
+            <a:avLst/>
+          </a:prstGeom>
+          <a:noFill/>
+        </p:spPr>
+        <p:txBody>
+          <a:bodyPr wrap="square" rtlCol="0">
+            <a:spAutoFit/>
+          </a:bodyPr>
+          <a:lstStyle/>
+          <a:p>
+            <a:r>
+              <a:rPr lang="en-US" dirty="0"/>
+              <a:t>Server D</a:t>
+            </a:r>
+          </a:p>
+        </p:txBody>
+      </p:sp>
+      <p:sp>
+        <p:nvSpPr>
+          <p:cNvPr id="29" name="TextBox 28"/>
+          <p:cNvSpPr txBox="1"/>
+          <p:nvPr/>
+        </p:nvSpPr>
+        <p:spPr>
+          <a:xfrm>
+            <a:off x="1712670" y="2317677"/>
+            <a:ext cx="1054443" cy="646331"/>
+          </a:xfrm>
+          <a:prstGeom prst="rect">
+            <a:avLst/>
+          </a:prstGeom>
+          <a:noFill/>
+        </p:spPr>
+        <p:txBody>
+          <a:bodyPr wrap="square" rtlCol="0">
+            <a:spAutoFit/>
+          </a:bodyPr>
+          <a:lstStyle/>
+          <a:p>
+            <a:r>
+              <a:rPr lang="en-US" dirty="0"/>
+              <a:t>Root server</a:t>
+            </a:r>
+          </a:p>
+        </p:txBody>
+      </p:sp>
+      <p:cxnSp>
+        <p:nvCxnSpPr>
+          <p:cNvPr id="5" name="Straight Arrow Connector 4"/>
+          <p:cNvCxnSpPr>
+            <a:cxnSpLocks/>
+            <a:stCxn id="16" idx="3"/>
+          </p:cNvCxnSpPr>
+          <p:nvPr/>
+        </p:nvCxnSpPr>
+        <p:spPr>
+          <a:xfrm flipH="1">
+            <a:off x="2629553" y="2222686"/>
+            <a:ext cx="2551215" cy="920541"/>
+          </a:xfrm>
+          <a:prstGeom prst="straightConnector1">
+            <a:avLst/>
+          </a:prstGeom>
+          <a:ln>
+            <a:tailEnd type="triangle"/>
+          </a:ln>
+        </p:spPr>
+        <p:style>
+          <a:lnRef idx="1">
+            <a:schemeClr val="accent1"/>
+          </a:lnRef>
+          <a:fillRef idx="0">
+            <a:schemeClr val="accent1"/>
+          </a:fillRef>
+          <a:effectRef idx="0">
+            <a:schemeClr val="accent1"/>
+          </a:effectRef>
+          <a:fontRef idx="minor">
+            <a:schemeClr val="tx1"/>
+          </a:fontRef>
+        </p:style>
+      </p:cxnSp>
+      <p:cxnSp>
+        <p:nvCxnSpPr>
+          <p:cNvPr id="8" name="Straight Arrow Connector 7"/>
+          <p:cNvCxnSpPr>
+            <a:stCxn id="26" idx="3"/>
+            <a:endCxn id="1028" idx="3"/>
+          </p:cNvCxnSpPr>
+          <p:nvPr/>
+        </p:nvCxnSpPr>
+        <p:spPr>
+          <a:xfrm flipH="1">
+            <a:off x="2589341" y="3438923"/>
+            <a:ext cx="2588681" cy="218676"/>
+          </a:xfrm>
+          <a:prstGeom prst="straightConnector1">
+            <a:avLst/>
+          </a:prstGeom>
+          <a:ln>
+            <a:tailEnd type="triangle"/>
+          </a:ln>
+        </p:spPr>
+        <p:style>
+          <a:lnRef idx="1">
+            <a:schemeClr val="accent1"/>
+          </a:lnRef>
+          <a:fillRef idx="0">
+            <a:schemeClr val="accent1"/>
+          </a:fillRef>
+          <a:effectRef idx="0">
+            <a:schemeClr val="accent1"/>
+          </a:effectRef>
+          <a:fontRef idx="minor">
+            <a:schemeClr val="tx1"/>
+          </a:fontRef>
+        </p:style>
+      </p:cxnSp>
+      <p:cxnSp>
+        <p:nvCxnSpPr>
+          <p:cNvPr id="10" name="Straight Arrow Connector 9"/>
+          <p:cNvCxnSpPr>
+            <a:stCxn id="21" idx="1"/>
+          </p:cNvCxnSpPr>
+          <p:nvPr/>
+        </p:nvCxnSpPr>
+        <p:spPr>
+          <a:xfrm flipH="1" flipV="1">
+            <a:off x="2629553" y="3854824"/>
+            <a:ext cx="2591427" cy="712913"/>
+          </a:xfrm>
+          <a:prstGeom prst="straightConnector1">
+            <a:avLst/>
+          </a:prstGeom>
+          <a:ln>
+            <a:tailEnd type="triangle"/>
+          </a:ln>
+        </p:spPr>
+        <p:style>
+          <a:lnRef idx="1">
+            <a:schemeClr val="accent1"/>
+          </a:lnRef>
+          <a:fillRef idx="0">
+            <a:schemeClr val="accent1"/>
+          </a:fillRef>
+          <a:effectRef idx="0">
+            <a:schemeClr val="accent1"/>
+          </a:effectRef>
+          <a:fontRef idx="minor">
+            <a:schemeClr val="tx1"/>
+          </a:fontRef>
+        </p:style>
+      </p:cxnSp>
+      <p:cxnSp>
+        <p:nvCxnSpPr>
+          <p:cNvPr id="12" name="Straight Arrow Connector 11"/>
+          <p:cNvCxnSpPr>
+            <a:stCxn id="22" idx="1"/>
+          </p:cNvCxnSpPr>
+          <p:nvPr/>
+        </p:nvCxnSpPr>
+        <p:spPr>
+          <a:xfrm flipH="1" flipV="1">
+            <a:off x="2608512" y="4018810"/>
+            <a:ext cx="2612468" cy="1768679"/>
+          </a:xfrm>
+          <a:prstGeom prst="straightConnector1">
+            <a:avLst/>
+          </a:prstGeom>
+          <a:ln>
+            <a:tailEnd type="triangle"/>
+          </a:ln>
+        </p:spPr>
+        <p:style>
+          <a:lnRef idx="1">
+            <a:schemeClr val="accent1"/>
+          </a:lnRef>
+          <a:fillRef idx="0">
+            <a:schemeClr val="accent1"/>
+          </a:fillRef>
+          <a:effectRef idx="0">
+            <a:schemeClr val="accent1"/>
+          </a:effectRef>
+          <a:fontRef idx="minor">
+            <a:schemeClr val="tx1"/>
+          </a:fontRef>
+        </p:style>
+      </p:cxnSp>
+      <p:cxnSp>
+        <p:nvCxnSpPr>
+          <p:cNvPr id="32" name="Straight Arrow Connector 31"/>
+          <p:cNvCxnSpPr/>
+          <p:nvPr/>
+        </p:nvCxnSpPr>
+        <p:spPr>
+          <a:xfrm flipH="1" flipV="1">
+            <a:off x="5925507" y="1882588"/>
+            <a:ext cx="3259481" cy="164091"/>
+          </a:xfrm>
+          <a:prstGeom prst="straightConnector1">
+            <a:avLst/>
+          </a:prstGeom>
+          <a:ln>
+            <a:tailEnd type="triangle"/>
+          </a:ln>
+        </p:spPr>
+        <p:style>
+          <a:lnRef idx="1">
+            <a:schemeClr val="accent1"/>
+          </a:lnRef>
+          <a:fillRef idx="0">
+            <a:schemeClr val="accent1"/>
+          </a:fillRef>
+          <a:effectRef idx="0">
+            <a:schemeClr val="accent1"/>
+          </a:effectRef>
+          <a:fontRef idx="minor">
+            <a:schemeClr val="tx1"/>
+          </a:fontRef>
+        </p:style>
+      </p:cxnSp>
+      <p:sp>
+        <p:nvSpPr>
+          <p:cNvPr id="33" name="Rectangle: Rounded Corners 32"/>
+          <p:cNvSpPr/>
+          <p:nvPr/>
+        </p:nvSpPr>
+        <p:spPr>
+          <a:xfrm>
+            <a:off x="6332013" y="1309667"/>
+            <a:ext cx="1506070" cy="923365"/>
+          </a:xfrm>
+          <a:prstGeom prst="roundRect">
+            <a:avLst/>
+          </a:prstGeom>
+        </p:spPr>
+        <p:style>
+          <a:lnRef idx="2">
+            <a:schemeClr val="accent1">
+              <a:shade val="50000"/>
+            </a:schemeClr>
+          </a:lnRef>
+          <a:fillRef idx="1">
+            <a:schemeClr val="accent1"/>
+          </a:fillRef>
+          <a:effectRef idx="0">
+            <a:schemeClr val="accent1"/>
+          </a:effectRef>
+          <a:fontRef idx="minor">
+            <a:schemeClr val="lt1"/>
+          </a:fontRef>
+        </p:style>
+        <p:txBody>
+          <a:bodyPr rtlCol="0" anchor="ctr"/>
+          <a:lstStyle/>
+          <a:p>
+            <a:pPr algn="ctr"/>
+            <a:r>
+              <a:rPr lang="en-US" dirty="0" err="1"/>
+              <a:t>Kết</a:t>
+            </a:r>
+            <a:r>
+              <a:rPr lang="en-US" dirty="0"/>
+              <a:t> </a:t>
+            </a:r>
+            <a:r>
+              <a:rPr lang="en-US" dirty="0" err="1"/>
+              <a:t>nối</a:t>
+            </a:r>
+            <a:r>
+              <a:rPr lang="en-US" dirty="0"/>
+              <a:t> </a:t>
+            </a:r>
+            <a:r>
+              <a:rPr lang="en-US" dirty="0" err="1"/>
+              <a:t>với</a:t>
+            </a:r>
+            <a:r>
+              <a:rPr lang="en-US" dirty="0"/>
+              <a:t> A</a:t>
+            </a:r>
+          </a:p>
+        </p:txBody>
+      </p:sp>
+      <p:sp>
+        <p:nvSpPr>
+          <p:cNvPr id="3" name="Multiplication Sign 2"/>
+          <p:cNvSpPr/>
+          <p:nvPr/>
+        </p:nvSpPr>
+        <p:spPr>
+          <a:xfrm>
+            <a:off x="4858871" y="1645983"/>
+            <a:ext cx="1299882" cy="1093177"/>
+          </a:xfrm>
+          <a:prstGeom prst="mathMultiply">
+            <a:avLst/>
+          </a:prstGeom>
+        </p:spPr>
+        <p:style>
+          <a:lnRef idx="3">
+            <a:schemeClr val="lt1"/>
+          </a:lnRef>
+          <a:fillRef idx="1">
+            <a:schemeClr val="accent6"/>
+          </a:fillRef>
+          <a:effectRef idx="1">
+            <a:schemeClr val="accent6"/>
+          </a:effectRef>
+          <a:fontRef idx="minor">
+            <a:schemeClr val="lt1"/>
+          </a:fontRef>
+        </p:style>
+        <p:txBody>
+          <a:bodyPr rtlCol="0" anchor="ctr"/>
+          <a:lstStyle/>
+          <a:p>
+            <a:pPr algn="ctr"/>
+            <a:endParaRPr lang="en-US">
+              <a:solidFill>
+                <a:srgbClr val="FF0000"/>
+              </a:solidFill>
+            </a:endParaRPr>
+          </a:p>
+        </p:txBody>
+      </p:sp>
+      <p:cxnSp>
+        <p:nvCxnSpPr>
+          <p:cNvPr id="6" name="Straight Arrow Connector 5"/>
+          <p:cNvCxnSpPr>
+            <a:stCxn id="1030" idx="1"/>
+            <a:endCxn id="1028" idx="3"/>
+          </p:cNvCxnSpPr>
+          <p:nvPr/>
+        </p:nvCxnSpPr>
+        <p:spPr>
+          <a:xfrm flipH="1">
+            <a:off x="2589341" y="2046679"/>
+            <a:ext cx="6595647" cy="1610920"/>
+          </a:xfrm>
+          <a:prstGeom prst="straightConnector1">
+            <a:avLst/>
+          </a:prstGeom>
+          <a:ln>
+            <a:tailEnd type="triangle"/>
+          </a:ln>
+        </p:spPr>
+        <p:style>
+          <a:lnRef idx="1">
+            <a:schemeClr val="accent1"/>
+          </a:lnRef>
+          <a:fillRef idx="0">
+            <a:schemeClr val="accent1"/>
+          </a:fillRef>
+          <a:effectRef idx="0">
+            <a:schemeClr val="accent1"/>
+          </a:effectRef>
+          <a:fontRef idx="minor">
+            <a:schemeClr val="tx1"/>
+          </a:fontRef>
+        </p:style>
+      </p:cxnSp>
+      <p:sp>
+        <p:nvSpPr>
+          <p:cNvPr id="36" name="Flowchart: Alternate Process 35"/>
+          <p:cNvSpPr/>
+          <p:nvPr/>
+        </p:nvSpPr>
+        <p:spPr>
+          <a:xfrm>
+            <a:off x="6630034" y="1972752"/>
+            <a:ext cx="1433384" cy="925988"/>
+          </a:xfrm>
+          <a:prstGeom prst="flowChartAlternateProcess">
+            <a:avLst/>
+          </a:prstGeom>
+        </p:spPr>
+        <p:style>
+          <a:lnRef idx="2">
+            <a:schemeClr val="accent1">
+              <a:shade val="50000"/>
+            </a:schemeClr>
+          </a:lnRef>
+          <a:fillRef idx="1">
+            <a:schemeClr val="accent1"/>
+          </a:fillRef>
+          <a:effectRef idx="0">
+            <a:schemeClr val="accent1"/>
+          </a:effectRef>
+          <a:fontRef idx="minor">
+            <a:schemeClr val="lt1"/>
+          </a:fontRef>
+        </p:style>
+        <p:txBody>
+          <a:bodyPr rtlCol="0" anchor="ctr"/>
+          <a:lstStyle/>
+          <a:p>
+            <a:pPr algn="ctr"/>
+            <a:r>
+              <a:rPr lang="en-US" dirty="0" err="1"/>
+              <a:t>Yêu</a:t>
+            </a:r>
+            <a:r>
+              <a:rPr lang="en-US" dirty="0"/>
+              <a:t> </a:t>
+            </a:r>
+            <a:r>
+              <a:rPr lang="en-US" dirty="0" err="1"/>
+              <a:t>cầu</a:t>
+            </a:r>
+            <a:r>
+              <a:rPr lang="en-US" dirty="0"/>
+              <a:t> </a:t>
+            </a:r>
+            <a:r>
+              <a:rPr lang="en-US" dirty="0" err="1"/>
+              <a:t>kết</a:t>
+            </a:r>
+            <a:r>
+              <a:rPr lang="en-US" dirty="0"/>
+              <a:t> </a:t>
+            </a:r>
+            <a:r>
+              <a:rPr lang="en-US" dirty="0" err="1"/>
+              <a:t>nối</a:t>
+            </a:r>
+            <a:endParaRPr lang="en-US" dirty="0"/>
+          </a:p>
+        </p:txBody>
+      </p:sp>
+      <p:cxnSp>
+        <p:nvCxnSpPr>
+          <p:cNvPr id="37" name="Straight Arrow Connector 36"/>
+          <p:cNvCxnSpPr/>
+          <p:nvPr/>
+        </p:nvCxnSpPr>
+        <p:spPr>
+          <a:xfrm flipV="1">
+            <a:off x="2589341" y="1882588"/>
+            <a:ext cx="6662235" cy="1556335"/>
+          </a:xfrm>
+          <a:prstGeom prst="straightConnector1">
+            <a:avLst/>
+          </a:prstGeom>
+          <a:ln>
+            <a:tailEnd type="triangle"/>
+          </a:ln>
+        </p:spPr>
+        <p:style>
+          <a:lnRef idx="1">
+            <a:schemeClr val="accent1"/>
+          </a:lnRef>
+          <a:fillRef idx="0">
+            <a:schemeClr val="accent1"/>
+          </a:fillRef>
+          <a:effectRef idx="0">
+            <a:schemeClr val="accent1"/>
+          </a:effectRef>
+          <a:fontRef idx="minor">
+            <a:schemeClr val="tx1"/>
+          </a:fontRef>
+        </p:style>
+      </p:cxnSp>
+      <p:sp>
+        <p:nvSpPr>
+          <p:cNvPr id="38" name="Rectangle: Rounded Corners 37"/>
+          <p:cNvSpPr/>
+          <p:nvPr/>
+        </p:nvSpPr>
+        <p:spPr>
+          <a:xfrm>
+            <a:off x="7199870" y="1129553"/>
+            <a:ext cx="1702083" cy="908467"/>
+          </a:xfrm>
+          <a:prstGeom prst="roundRect">
+            <a:avLst/>
+          </a:prstGeom>
+        </p:spPr>
+        <p:style>
+          <a:lnRef idx="2">
+            <a:schemeClr val="accent1">
+              <a:shade val="50000"/>
+            </a:schemeClr>
+          </a:lnRef>
+          <a:fillRef idx="1">
+            <a:schemeClr val="accent1"/>
+          </a:fillRef>
+          <a:effectRef idx="0">
+            <a:schemeClr val="accent1"/>
+          </a:effectRef>
+          <a:fontRef idx="minor">
+            <a:schemeClr val="lt1"/>
+          </a:fontRef>
+        </p:style>
+        <p:txBody>
+          <a:bodyPr rtlCol="0" anchor="ctr"/>
+          <a:lstStyle/>
+          <a:p>
+            <a:pPr algn="ctr"/>
+            <a:r>
+              <a:rPr lang="en-US" dirty="0" err="1"/>
+              <a:t>Trả</a:t>
+            </a:r>
+            <a:r>
+              <a:rPr lang="en-US" dirty="0"/>
+              <a:t> </a:t>
+            </a:r>
+            <a:r>
+              <a:rPr lang="en-US" dirty="0" err="1"/>
+              <a:t>về</a:t>
+            </a:r>
+            <a:r>
+              <a:rPr lang="en-US" dirty="0"/>
+              <a:t> </a:t>
+            </a:r>
+            <a:r>
+              <a:rPr lang="en-US" dirty="0" err="1"/>
+              <a:t>địa</a:t>
+            </a:r>
+            <a:r>
+              <a:rPr lang="en-US" dirty="0"/>
+              <a:t> </a:t>
+            </a:r>
+            <a:r>
+              <a:rPr lang="en-US" dirty="0" err="1"/>
+              <a:t>chỉ</a:t>
+            </a:r>
+            <a:r>
+              <a:rPr lang="en-US" dirty="0"/>
+              <a:t> server B</a:t>
+            </a:r>
+          </a:p>
+        </p:txBody>
+      </p:sp>
+      <p:cxnSp>
+        <p:nvCxnSpPr>
+          <p:cNvPr id="39" name="Straight Arrow Connector 38"/>
+          <p:cNvCxnSpPr>
+            <a:cxnSpLocks/>
+            <a:stCxn id="1030" idx="1"/>
+          </p:cNvCxnSpPr>
+          <p:nvPr/>
+        </p:nvCxnSpPr>
+        <p:spPr>
+          <a:xfrm flipH="1">
+            <a:off x="5895218" y="2046679"/>
+            <a:ext cx="3289770" cy="1424568"/>
+          </a:xfrm>
+          <a:prstGeom prst="straightConnector1">
+            <a:avLst/>
+          </a:prstGeom>
+          <a:ln>
+            <a:tailEnd type="triangle"/>
+          </a:ln>
+        </p:spPr>
+        <p:style>
+          <a:lnRef idx="1">
+            <a:schemeClr val="accent1"/>
+          </a:lnRef>
+          <a:fillRef idx="0">
+            <a:schemeClr val="accent1"/>
+          </a:fillRef>
+          <a:effectRef idx="0">
+            <a:schemeClr val="accent1"/>
+          </a:effectRef>
+          <a:fontRef idx="minor">
+            <a:schemeClr val="tx1"/>
+          </a:fontRef>
+        </p:style>
+      </p:cxnSp>
+      <p:sp>
+        <p:nvSpPr>
+          <p:cNvPr id="40" name="Rectangle: Rounded Corners 39"/>
+          <p:cNvSpPr/>
+          <p:nvPr/>
+        </p:nvSpPr>
+        <p:spPr>
+          <a:xfrm>
+            <a:off x="6301722" y="2898325"/>
+            <a:ext cx="1506070" cy="923365"/>
+          </a:xfrm>
+          <a:prstGeom prst="roundRect">
+            <a:avLst/>
+          </a:prstGeom>
+        </p:spPr>
+        <p:style>
+          <a:lnRef idx="2">
+            <a:schemeClr val="accent1">
+              <a:shade val="50000"/>
+            </a:schemeClr>
+          </a:lnRef>
+          <a:fillRef idx="1">
+            <a:schemeClr val="accent1"/>
+          </a:fillRef>
+          <a:effectRef idx="0">
+            <a:schemeClr val="accent1"/>
+          </a:effectRef>
+          <a:fontRef idx="minor">
+            <a:schemeClr val="lt1"/>
+          </a:fontRef>
+        </p:style>
+        <p:txBody>
+          <a:bodyPr rtlCol="0" anchor="ctr"/>
+          <a:lstStyle/>
+          <a:p>
+            <a:pPr algn="ctr"/>
+            <a:r>
+              <a:rPr lang="en-US" dirty="0" err="1"/>
+              <a:t>Kết</a:t>
+            </a:r>
+            <a:r>
+              <a:rPr lang="en-US" dirty="0"/>
+              <a:t> </a:t>
+            </a:r>
+            <a:r>
+              <a:rPr lang="en-US" dirty="0" err="1"/>
+              <a:t>nối</a:t>
+            </a:r>
+            <a:r>
+              <a:rPr lang="en-US" dirty="0"/>
+              <a:t> </a:t>
+            </a:r>
+            <a:r>
+              <a:rPr lang="en-US" dirty="0" err="1"/>
+              <a:t>với</a:t>
+            </a:r>
+            <a:r>
+              <a:rPr lang="en-US" dirty="0"/>
+              <a:t> B</a:t>
+            </a:r>
+          </a:p>
+        </p:txBody>
+      </p:sp>
+    </p:spTree>
+    <p:extLst>
+      <p:ext uri="{BB962C8B-B14F-4D97-AF65-F5344CB8AC3E}">
+        <p14:creationId xmlns:p14="http://schemas.microsoft.com/office/powerpoint/2010/main" val="869792017"/>
+      </p:ext>
+    </p:extLst>
+  </p:cSld>
+  <p:clrMapOvr>
+    <a:masterClrMapping/>
+  </p:clrMapOvr>
+  <p:timing>
+    <p:tnLst>
+      <p:par>
+        <p:cTn id="1" dur="indefinite" restart="never" nodeType="tmRoot">
+          <p:childTnLst>
+            <p:seq concurrent="1" nextAc="seek">
+              <p:cTn id="2" dur="indefinite" nodeType="mainSeq">
+                <p:childTnLst>
+                  <p:par>
+                    <p:cTn id="3" fill="hold">
+                      <p:stCondLst>
+                        <p:cond delay="indefinite"/>
+                      </p:stCondLst>
+                      <p:childTnLst>
+                        <p:par>
+                          <p:cTn id="4" fill="hold">
+                            <p:stCondLst>
+                              <p:cond delay="0"/>
+                            </p:stCondLst>
+                            <p:childTnLst>
+                              <p:par>
+                                <p:cTn id="5" presetID="10" presetClass="entr" presetSubtype="0" fill="hold" grpId="0" nodeType="clickEffect">
+                                  <p:stCondLst>
+                                    <p:cond delay="0"/>
+                                  </p:stCondLst>
+                                  <p:childTnLst>
+                                    <p:set>
+                                      <p:cBhvr>
+                                        <p:cTn id="6" dur="1" fill="hold">
+                                          <p:stCondLst>
+                                            <p:cond delay="0"/>
+                                          </p:stCondLst>
+                                        </p:cTn>
+                                        <p:tgtEl>
+                                          <p:spTgt spid="3"/>
+                                        </p:tgtEl>
+                                        <p:attrNameLst>
+                                          <p:attrName>style.visibility</p:attrName>
+                                        </p:attrNameLst>
+                                      </p:cBhvr>
+                                      <p:to>
+                                        <p:strVal val="visible"/>
+                                      </p:to>
+                                    </p:set>
+                                    <p:animEffect transition="in" filter="fade">
+                                      <p:cBhvr>
+                                        <p:cTn id="7" dur="500"/>
+                                        <p:tgtEl>
+                                          <p:spTgt spid="3"/>
+                                        </p:tgtEl>
+                                      </p:cBhvr>
+                                    </p:animEffect>
+                                  </p:childTnLst>
+                                </p:cTn>
+                              </p:par>
+                              <p:par>
+                                <p:cTn id="8" presetID="10" presetClass="exit" presetSubtype="0" fill="hold" nodeType="withEffect">
+                                  <p:stCondLst>
+                                    <p:cond delay="0"/>
+                                  </p:stCondLst>
+                                  <p:childTnLst>
+                                    <p:animEffect transition="out" filter="fade">
+                                      <p:cBhvr>
+                                        <p:cTn id="9" dur="500"/>
+                                        <p:tgtEl>
+                                          <p:spTgt spid="5"/>
+                                        </p:tgtEl>
+                                      </p:cBhvr>
+                                    </p:animEffect>
+                                    <p:set>
+                                      <p:cBhvr>
+                                        <p:cTn id="10" dur="1" fill="hold">
+                                          <p:stCondLst>
+                                            <p:cond delay="499"/>
+                                          </p:stCondLst>
+                                        </p:cTn>
+                                        <p:tgtEl>
+                                          <p:spTgt spid="5"/>
+                                        </p:tgtEl>
+                                        <p:attrNameLst>
+                                          <p:attrName>style.visibility</p:attrName>
+                                        </p:attrNameLst>
+                                      </p:cBhvr>
+                                      <p:to>
+                                        <p:strVal val="hidden"/>
+                                      </p:to>
+                                    </p:set>
+                                  </p:childTnLst>
+                                </p:cTn>
+                              </p:par>
+                            </p:childTnLst>
+                          </p:cTn>
+                        </p:par>
+                        <p:par>
+                          <p:cTn id="11" fill="hold">
+                            <p:stCondLst>
+                              <p:cond delay="500"/>
+                            </p:stCondLst>
+                            <p:childTnLst>
+                              <p:par>
+                                <p:cTn id="12" presetID="22" presetClass="exit" presetSubtype="4" fill="hold" grpId="0" nodeType="afterEffect">
+                                  <p:stCondLst>
+                                    <p:cond delay="0"/>
+                                  </p:stCondLst>
+                                  <p:childTnLst>
+                                    <p:animEffect transition="out" filter="wipe(down)">
+                                      <p:cBhvr>
+                                        <p:cTn id="13" dur="500"/>
+                                        <p:tgtEl>
+                                          <p:spTgt spid="33"/>
+                                        </p:tgtEl>
+                                      </p:cBhvr>
+                                    </p:animEffect>
+                                    <p:set>
+                                      <p:cBhvr>
+                                        <p:cTn id="14" dur="1" fill="hold">
+                                          <p:stCondLst>
+                                            <p:cond delay="499"/>
+                                          </p:stCondLst>
+                                        </p:cTn>
+                                        <p:tgtEl>
+                                          <p:spTgt spid="33"/>
+                                        </p:tgtEl>
+                                        <p:attrNameLst>
+                                          <p:attrName>style.visibility</p:attrName>
+                                        </p:attrNameLst>
+                                      </p:cBhvr>
+                                      <p:to>
+                                        <p:strVal val="hidden"/>
+                                      </p:to>
+                                    </p:set>
+                                  </p:childTnLst>
+                                </p:cTn>
+                              </p:par>
+                              <p:par>
+                                <p:cTn id="15" presetID="22" presetClass="exit" presetSubtype="4" fill="hold" nodeType="withEffect">
+                                  <p:stCondLst>
+                                    <p:cond delay="0"/>
+                                  </p:stCondLst>
+                                  <p:childTnLst>
+                                    <p:animEffect transition="out" filter="wipe(down)">
+                                      <p:cBhvr>
+                                        <p:cTn id="16" dur="500"/>
+                                        <p:tgtEl>
+                                          <p:spTgt spid="32"/>
+                                        </p:tgtEl>
+                                      </p:cBhvr>
+                                    </p:animEffect>
+                                    <p:set>
+                                      <p:cBhvr>
+                                        <p:cTn id="17" dur="1" fill="hold">
+                                          <p:stCondLst>
+                                            <p:cond delay="499"/>
+                                          </p:stCondLst>
+                                        </p:cTn>
+                                        <p:tgtEl>
+                                          <p:spTgt spid="32"/>
+                                        </p:tgtEl>
+                                        <p:attrNameLst>
+                                          <p:attrName>style.visibility</p:attrName>
+                                        </p:attrNameLst>
+                                      </p:cBhvr>
+                                      <p:to>
+                                        <p:strVal val="hidden"/>
+                                      </p:to>
+                                    </p:set>
+                                  </p:childTnLst>
+                                </p:cTn>
+                              </p:par>
+                            </p:childTnLst>
+                          </p:cTn>
+                        </p:par>
+                      </p:childTnLst>
+                    </p:cTn>
+                  </p:par>
+                  <p:par>
+                    <p:cTn id="18" fill="hold">
+                      <p:stCondLst>
+                        <p:cond delay="indefinite"/>
+                      </p:stCondLst>
+                      <p:childTnLst>
+                        <p:par>
+                          <p:cTn id="19" fill="hold">
+                            <p:stCondLst>
+                              <p:cond delay="0"/>
+                            </p:stCondLst>
+                            <p:childTnLst>
+                              <p:par>
+                                <p:cTn id="20" presetID="10" presetClass="entr" presetSubtype="0" fill="hold" grpId="0" nodeType="clickEffect">
+                                  <p:stCondLst>
+                                    <p:cond delay="0"/>
+                                  </p:stCondLst>
+                                  <p:childTnLst>
+                                    <p:set>
+                                      <p:cBhvr>
+                                        <p:cTn id="21" dur="1" fill="hold">
+                                          <p:stCondLst>
+                                            <p:cond delay="0"/>
+                                          </p:stCondLst>
+                                        </p:cTn>
+                                        <p:tgtEl>
+                                          <p:spTgt spid="36"/>
+                                        </p:tgtEl>
+                                        <p:attrNameLst>
+                                          <p:attrName>style.visibility</p:attrName>
+                                        </p:attrNameLst>
+                                      </p:cBhvr>
+                                      <p:to>
+                                        <p:strVal val="visible"/>
+                                      </p:to>
+                                    </p:set>
+                                    <p:animEffect transition="in" filter="fade">
+                                      <p:cBhvr>
+                                        <p:cTn id="22" dur="500"/>
+                                        <p:tgtEl>
+                                          <p:spTgt spid="36"/>
+                                        </p:tgtEl>
+                                      </p:cBhvr>
+                                    </p:animEffect>
+                                  </p:childTnLst>
+                                </p:cTn>
+                              </p:par>
+                              <p:par>
+                                <p:cTn id="23" presetID="10" presetClass="entr" presetSubtype="0" fill="hold" nodeType="withEffect">
+                                  <p:stCondLst>
+                                    <p:cond delay="0"/>
+                                  </p:stCondLst>
+                                  <p:childTnLst>
+                                    <p:set>
+                                      <p:cBhvr>
+                                        <p:cTn id="24" dur="1" fill="hold">
+                                          <p:stCondLst>
+                                            <p:cond delay="0"/>
+                                          </p:stCondLst>
+                                        </p:cTn>
+                                        <p:tgtEl>
+                                          <p:spTgt spid="6"/>
+                                        </p:tgtEl>
+                                        <p:attrNameLst>
+                                          <p:attrName>style.visibility</p:attrName>
+                                        </p:attrNameLst>
+                                      </p:cBhvr>
+                                      <p:to>
+                                        <p:strVal val="visible"/>
+                                      </p:to>
+                                    </p:set>
+                                    <p:animEffect transition="in" filter="fade">
+                                      <p:cBhvr>
+                                        <p:cTn id="25" dur="500"/>
+                                        <p:tgtEl>
+                                          <p:spTgt spid="6"/>
+                                        </p:tgtEl>
+                                      </p:cBhvr>
+                                    </p:animEffect>
+                                  </p:childTnLst>
+                                </p:cTn>
+                              </p:par>
+                            </p:childTnLst>
+                          </p:cTn>
+                        </p:par>
+                        <p:par>
+                          <p:cTn id="26" fill="hold">
+                            <p:stCondLst>
+                              <p:cond delay="500"/>
+                            </p:stCondLst>
+                            <p:childTnLst>
+                              <p:par>
+                                <p:cTn id="27" presetID="10" presetClass="entr" presetSubtype="0" fill="hold" grpId="1" nodeType="afterEffect">
+                                  <p:stCondLst>
+                                    <p:cond delay="0"/>
+                                  </p:stCondLst>
+                                  <p:childTnLst>
+                                    <p:set>
+                                      <p:cBhvr>
+                                        <p:cTn id="28" dur="1" fill="hold">
+                                          <p:stCondLst>
+                                            <p:cond delay="0"/>
+                                          </p:stCondLst>
+                                        </p:cTn>
+                                        <p:tgtEl>
+                                          <p:spTgt spid="38"/>
+                                        </p:tgtEl>
+                                        <p:attrNameLst>
+                                          <p:attrName>style.visibility</p:attrName>
+                                        </p:attrNameLst>
+                                      </p:cBhvr>
+                                      <p:to>
+                                        <p:strVal val="visible"/>
+                                      </p:to>
+                                    </p:set>
+                                    <p:animEffect transition="in" filter="fade">
+                                      <p:cBhvr>
+                                        <p:cTn id="29" dur="500"/>
+                                        <p:tgtEl>
+                                          <p:spTgt spid="38"/>
+                                        </p:tgtEl>
+                                      </p:cBhvr>
+                                    </p:animEffect>
+                                  </p:childTnLst>
+                                </p:cTn>
+                              </p:par>
+                            </p:childTnLst>
+                          </p:cTn>
+                        </p:par>
+                        <p:par>
+                          <p:cTn id="30" fill="hold">
+                            <p:stCondLst>
+                              <p:cond delay="1000"/>
+                            </p:stCondLst>
+                            <p:childTnLst>
+                              <p:par>
+                                <p:cTn id="31" presetID="10" presetClass="entr" presetSubtype="0" fill="hold" nodeType="afterEffect">
+                                  <p:stCondLst>
+                                    <p:cond delay="0"/>
+                                  </p:stCondLst>
+                                  <p:childTnLst>
+                                    <p:set>
+                                      <p:cBhvr>
+                                        <p:cTn id="32" dur="1" fill="hold">
+                                          <p:stCondLst>
+                                            <p:cond delay="0"/>
+                                          </p:stCondLst>
+                                        </p:cTn>
+                                        <p:tgtEl>
+                                          <p:spTgt spid="37"/>
+                                        </p:tgtEl>
+                                        <p:attrNameLst>
+                                          <p:attrName>style.visibility</p:attrName>
+                                        </p:attrNameLst>
+                                      </p:cBhvr>
+                                      <p:to>
+                                        <p:strVal val="visible"/>
+                                      </p:to>
+                                    </p:set>
+                                    <p:animEffect transition="in" filter="fade">
+                                      <p:cBhvr>
+                                        <p:cTn id="33" dur="500"/>
+                                        <p:tgtEl>
+                                          <p:spTgt spid="37"/>
+                                        </p:tgtEl>
+                                      </p:cBhvr>
+                                    </p:animEffect>
+                                  </p:childTnLst>
+                                </p:cTn>
+                              </p:par>
+                            </p:childTnLst>
+                          </p:cTn>
+                        </p:par>
+                        <p:par>
+                          <p:cTn id="34" fill="hold">
+                            <p:stCondLst>
+                              <p:cond delay="1500"/>
+                            </p:stCondLst>
+                            <p:childTnLst>
+                              <p:par>
+                                <p:cTn id="35" presetID="10" presetClass="exit" presetSubtype="0" fill="hold" grpId="1" nodeType="afterEffect">
+                                  <p:stCondLst>
+                                    <p:cond delay="0"/>
+                                  </p:stCondLst>
+                                  <p:childTnLst>
+                                    <p:animEffect transition="out" filter="fade">
+                                      <p:cBhvr>
+                                        <p:cTn id="36" dur="500"/>
+                                        <p:tgtEl>
+                                          <p:spTgt spid="36"/>
+                                        </p:tgtEl>
+                                      </p:cBhvr>
+                                    </p:animEffect>
+                                    <p:set>
+                                      <p:cBhvr>
+                                        <p:cTn id="37" dur="1" fill="hold">
+                                          <p:stCondLst>
+                                            <p:cond delay="499"/>
+                                          </p:stCondLst>
+                                        </p:cTn>
+                                        <p:tgtEl>
+                                          <p:spTgt spid="36"/>
+                                        </p:tgtEl>
+                                        <p:attrNameLst>
+                                          <p:attrName>style.visibility</p:attrName>
+                                        </p:attrNameLst>
+                                      </p:cBhvr>
+                                      <p:to>
+                                        <p:strVal val="hidden"/>
+                                      </p:to>
+                                    </p:set>
+                                  </p:childTnLst>
+                                </p:cTn>
+                              </p:par>
+                            </p:childTnLst>
+                          </p:cTn>
+                        </p:par>
+                        <p:par>
+                          <p:cTn id="38" fill="hold">
+                            <p:stCondLst>
+                              <p:cond delay="2000"/>
+                            </p:stCondLst>
+                            <p:childTnLst>
+                              <p:par>
+                                <p:cTn id="39" presetID="10" presetClass="exit" presetSubtype="0" fill="hold" nodeType="afterEffect">
+                                  <p:stCondLst>
+                                    <p:cond delay="0"/>
+                                  </p:stCondLst>
+                                  <p:childTnLst>
+                                    <p:animEffect transition="out" filter="fade">
+                                      <p:cBhvr>
+                                        <p:cTn id="40" dur="500"/>
+                                        <p:tgtEl>
+                                          <p:spTgt spid="6"/>
+                                        </p:tgtEl>
+                                      </p:cBhvr>
+                                    </p:animEffect>
+                                    <p:set>
+                                      <p:cBhvr>
+                                        <p:cTn id="41" dur="1" fill="hold">
+                                          <p:stCondLst>
+                                            <p:cond delay="499"/>
+                                          </p:stCondLst>
+                                        </p:cTn>
+                                        <p:tgtEl>
+                                          <p:spTgt spid="6"/>
+                                        </p:tgtEl>
+                                        <p:attrNameLst>
+                                          <p:attrName>style.visibility</p:attrName>
+                                        </p:attrNameLst>
+                                      </p:cBhvr>
+                                      <p:to>
+                                        <p:strVal val="hidden"/>
+                                      </p:to>
+                                    </p:set>
+                                  </p:childTnLst>
+                                </p:cTn>
+                              </p:par>
+                            </p:childTnLst>
+                          </p:cTn>
+                        </p:par>
+                        <p:par>
+                          <p:cTn id="42" fill="hold">
+                            <p:stCondLst>
+                              <p:cond delay="2500"/>
+                            </p:stCondLst>
+                            <p:childTnLst>
+                              <p:par>
+                                <p:cTn id="43" presetID="10" presetClass="exit" presetSubtype="0" fill="hold" grpId="0" nodeType="afterEffect">
+                                  <p:stCondLst>
+                                    <p:cond delay="0"/>
+                                  </p:stCondLst>
+                                  <p:childTnLst>
+                                    <p:animEffect transition="out" filter="fade">
+                                      <p:cBhvr>
+                                        <p:cTn id="44" dur="500"/>
+                                        <p:tgtEl>
+                                          <p:spTgt spid="38"/>
+                                        </p:tgtEl>
+                                      </p:cBhvr>
+                                    </p:animEffect>
+                                    <p:set>
+                                      <p:cBhvr>
+                                        <p:cTn id="45" dur="1" fill="hold">
+                                          <p:stCondLst>
+                                            <p:cond delay="499"/>
+                                          </p:stCondLst>
+                                        </p:cTn>
+                                        <p:tgtEl>
+                                          <p:spTgt spid="38"/>
+                                        </p:tgtEl>
+                                        <p:attrNameLst>
+                                          <p:attrName>style.visibility</p:attrName>
+                                        </p:attrNameLst>
+                                      </p:cBhvr>
+                                      <p:to>
+                                        <p:strVal val="hidden"/>
+                                      </p:to>
+                                    </p:set>
+                                  </p:childTnLst>
+                                </p:cTn>
+                              </p:par>
+                            </p:childTnLst>
+                          </p:cTn>
+                        </p:par>
+                        <p:par>
+                          <p:cTn id="46" fill="hold">
+                            <p:stCondLst>
+                              <p:cond delay="3000"/>
+                            </p:stCondLst>
+                            <p:childTnLst>
+                              <p:par>
+                                <p:cTn id="47" presetID="10" presetClass="exit" presetSubtype="0" fill="hold" nodeType="afterEffect">
+                                  <p:stCondLst>
+                                    <p:cond delay="0"/>
+                                  </p:stCondLst>
+                                  <p:childTnLst>
+                                    <p:animEffect transition="out" filter="fade">
+                                      <p:cBhvr>
+                                        <p:cTn id="48" dur="500"/>
+                                        <p:tgtEl>
+                                          <p:spTgt spid="37"/>
+                                        </p:tgtEl>
+                                      </p:cBhvr>
+                                    </p:animEffect>
+                                    <p:set>
+                                      <p:cBhvr>
+                                        <p:cTn id="49" dur="1" fill="hold">
+                                          <p:stCondLst>
+                                            <p:cond delay="499"/>
+                                          </p:stCondLst>
+                                        </p:cTn>
+                                        <p:tgtEl>
+                                          <p:spTgt spid="37"/>
+                                        </p:tgtEl>
+                                        <p:attrNameLst>
+                                          <p:attrName>style.visibility</p:attrName>
+                                        </p:attrNameLst>
+                                      </p:cBhvr>
+                                      <p:to>
+                                        <p:strVal val="hidden"/>
+                                      </p:to>
+                                    </p:set>
+                                  </p:childTnLst>
+                                </p:cTn>
+                              </p:par>
+                            </p:childTnLst>
+                          </p:cTn>
+                        </p:par>
+                      </p:childTnLst>
+                    </p:cTn>
+                  </p:par>
+                  <p:par>
+                    <p:cTn id="50" fill="hold">
+                      <p:stCondLst>
+                        <p:cond delay="indefinite"/>
+                      </p:stCondLst>
+                      <p:childTnLst>
+                        <p:par>
+                          <p:cTn id="51" fill="hold">
+                            <p:stCondLst>
+                              <p:cond delay="0"/>
+                            </p:stCondLst>
+                            <p:childTnLst>
+                              <p:par>
+                                <p:cTn id="52" presetID="10" presetClass="entr" presetSubtype="0" fill="hold" grpId="0" nodeType="clickEffect">
+                                  <p:stCondLst>
+                                    <p:cond delay="0"/>
+                                  </p:stCondLst>
+                                  <p:childTnLst>
+                                    <p:set>
+                                      <p:cBhvr>
+                                        <p:cTn id="53" dur="1" fill="hold">
+                                          <p:stCondLst>
+                                            <p:cond delay="0"/>
+                                          </p:stCondLst>
+                                        </p:cTn>
+                                        <p:tgtEl>
+                                          <p:spTgt spid="40"/>
+                                        </p:tgtEl>
+                                        <p:attrNameLst>
+                                          <p:attrName>style.visibility</p:attrName>
+                                        </p:attrNameLst>
+                                      </p:cBhvr>
+                                      <p:to>
+                                        <p:strVal val="visible"/>
+                                      </p:to>
+                                    </p:set>
+                                    <p:animEffect transition="in" filter="fade">
+                                      <p:cBhvr>
+                                        <p:cTn id="54" dur="500"/>
+                                        <p:tgtEl>
+                                          <p:spTgt spid="40"/>
+                                        </p:tgtEl>
+                                      </p:cBhvr>
+                                    </p:animEffect>
+                                  </p:childTnLst>
+                                </p:cTn>
+                              </p:par>
+                              <p:par>
+                                <p:cTn id="55" presetID="10" presetClass="entr" presetSubtype="0" fill="hold" nodeType="withEffect">
+                                  <p:stCondLst>
+                                    <p:cond delay="0"/>
+                                  </p:stCondLst>
+                                  <p:childTnLst>
+                                    <p:set>
+                                      <p:cBhvr>
+                                        <p:cTn id="56" dur="1" fill="hold">
+                                          <p:stCondLst>
+                                            <p:cond delay="0"/>
+                                          </p:stCondLst>
+                                        </p:cTn>
+                                        <p:tgtEl>
+                                          <p:spTgt spid="39"/>
+                                        </p:tgtEl>
+                                        <p:attrNameLst>
+                                          <p:attrName>style.visibility</p:attrName>
+                                        </p:attrNameLst>
+                                      </p:cBhvr>
+                                      <p:to>
+                                        <p:strVal val="visible"/>
+                                      </p:to>
+                                    </p:set>
+                                    <p:animEffect transition="in" filter="fade">
+                                      <p:cBhvr>
+                                        <p:cTn id="57" dur="500"/>
+                                        <p:tgtEl>
+                                          <p:spTgt spid="39"/>
+                                        </p:tgtEl>
+                                      </p:cBhvr>
+                                    </p:animEffect>
+                                  </p:childTnLst>
+                                </p:cTn>
+                              </p:par>
+                            </p:childTnLst>
+                          </p:cTn>
+                        </p:par>
+                      </p:childTnLst>
+                    </p:cTn>
+                  </p:par>
+                  <p:par>
+                    <p:cTn id="58" fill="hold">
+                      <p:stCondLst>
+                        <p:cond delay="indefinite"/>
+                      </p:stCondLst>
+                      <p:childTnLst>
+                        <p:par>
+                          <p:cTn id="59" fill="hold">
+                            <p:stCondLst>
+                              <p:cond delay="0"/>
+                            </p:stCondLst>
+                            <p:childTnLst>
+                              <p:par>
+                                <p:cTn id="60" presetID="10" presetClass="exit" presetSubtype="0" fill="hold" grpId="1" nodeType="clickEffect">
+                                  <p:stCondLst>
+                                    <p:cond delay="0"/>
+                                  </p:stCondLst>
+                                  <p:childTnLst>
+                                    <p:animEffect transition="out" filter="fade">
+                                      <p:cBhvr>
+                                        <p:cTn id="61" dur="500"/>
+                                        <p:tgtEl>
+                                          <p:spTgt spid="3"/>
+                                        </p:tgtEl>
+                                      </p:cBhvr>
+                                    </p:animEffect>
+                                    <p:set>
+                                      <p:cBhvr>
+                                        <p:cTn id="62" dur="1" fill="hold">
+                                          <p:stCondLst>
+                                            <p:cond delay="499"/>
+                                          </p:stCondLst>
+                                        </p:cTn>
+                                        <p:tgtEl>
+                                          <p:spTgt spid="3"/>
+                                        </p:tgtEl>
+                                        <p:attrNameLst>
+                                          <p:attrName>style.visibility</p:attrName>
+                                        </p:attrNameLst>
+                                      </p:cBhvr>
+                                      <p:to>
+                                        <p:strVal val="hidden"/>
+                                      </p:to>
+                                    </p:set>
+                                  </p:childTnLst>
+                                </p:cTn>
+                              </p:par>
+                            </p:childTnLst>
+                          </p:cTn>
+                        </p:par>
+                      </p:childTnLst>
+                    </p:cTn>
+                  </p:par>
+                  <p:par>
+                    <p:cTn id="63" fill="hold">
+                      <p:stCondLst>
+                        <p:cond delay="indefinite"/>
+                      </p:stCondLst>
+                      <p:childTnLst>
+                        <p:par>
+                          <p:cTn id="64" fill="hold">
+                            <p:stCondLst>
+                              <p:cond delay="0"/>
+                            </p:stCondLst>
+                            <p:childTnLst>
+                              <p:par>
+                                <p:cTn id="65" presetID="21" presetClass="exit" presetSubtype="1" fill="hold" grpId="1" nodeType="clickEffect">
+                                  <p:stCondLst>
+                                    <p:cond delay="0"/>
+                                  </p:stCondLst>
+                                  <p:childTnLst>
+                                    <p:animEffect transition="out" filter="wheel(1)">
+                                      <p:cBhvr>
+                                        <p:cTn id="66" dur="1000"/>
+                                        <p:tgtEl>
+                                          <p:spTgt spid="40"/>
+                                        </p:tgtEl>
+                                      </p:cBhvr>
+                                    </p:animEffect>
+                                    <p:set>
+                                      <p:cBhvr>
+                                        <p:cTn id="67" dur="1" fill="hold">
+                                          <p:stCondLst>
+                                            <p:cond delay="999"/>
+                                          </p:stCondLst>
+                                        </p:cTn>
+                                        <p:tgtEl>
+                                          <p:spTgt spid="40"/>
+                                        </p:tgtEl>
+                                        <p:attrNameLst>
+                                          <p:attrName>style.visibility</p:attrName>
+                                        </p:attrNameLst>
+                                      </p:cBhvr>
+                                      <p:to>
+                                        <p:strVal val="hidden"/>
+                                      </p:to>
+                                    </p:set>
+                                  </p:childTnLst>
+                                </p:cTn>
+                              </p:par>
+                              <p:par>
+                                <p:cTn id="68" presetID="21" presetClass="exit" presetSubtype="1" fill="hold" nodeType="withEffect">
+                                  <p:stCondLst>
+                                    <p:cond delay="0"/>
+                                  </p:stCondLst>
+                                  <p:childTnLst>
+                                    <p:animEffect transition="out" filter="wheel(1)">
+                                      <p:cBhvr>
+                                        <p:cTn id="69" dur="1000"/>
+                                        <p:tgtEl>
+                                          <p:spTgt spid="39"/>
+                                        </p:tgtEl>
+                                      </p:cBhvr>
+                                    </p:animEffect>
+                                    <p:set>
+                                      <p:cBhvr>
+                                        <p:cTn id="70" dur="1" fill="hold">
+                                          <p:stCondLst>
+                                            <p:cond delay="999"/>
+                                          </p:stCondLst>
+                                        </p:cTn>
+                                        <p:tgtEl>
+                                          <p:spTgt spid="39"/>
+                                        </p:tgtEl>
+                                        <p:attrNameLst>
+                                          <p:attrName>style.visibility</p:attrName>
+                                        </p:attrNameLst>
+                                      </p:cBhvr>
+                                      <p:to>
+                                        <p:strVal val="hidden"/>
+                                      </p:to>
+                                    </p:set>
+                                  </p:childTnLst>
+                                </p:cTn>
+                              </p:par>
+                            </p:childTnLst>
+                          </p:cTn>
+                        </p:par>
+                        <p:par>
+                          <p:cTn id="71" fill="hold">
+                            <p:stCondLst>
+                              <p:cond delay="1000"/>
+                            </p:stCondLst>
+                            <p:childTnLst>
+                              <p:par>
+                                <p:cTn id="72" presetID="6" presetClass="entr" presetSubtype="16" fill="hold" grpId="1" nodeType="afterEffect">
+                                  <p:stCondLst>
+                                    <p:cond delay="0"/>
+                                  </p:stCondLst>
+                                  <p:childTnLst>
+                                    <p:set>
+                                      <p:cBhvr>
+                                        <p:cTn id="73" dur="1" fill="hold">
+                                          <p:stCondLst>
+                                            <p:cond delay="0"/>
+                                          </p:stCondLst>
+                                        </p:cTn>
+                                        <p:tgtEl>
+                                          <p:spTgt spid="33"/>
+                                        </p:tgtEl>
+                                        <p:attrNameLst>
+                                          <p:attrName>style.visibility</p:attrName>
+                                        </p:attrNameLst>
+                                      </p:cBhvr>
+                                      <p:to>
+                                        <p:strVal val="visible"/>
+                                      </p:to>
+                                    </p:set>
+                                    <p:animEffect transition="in" filter="circle(in)">
+                                      <p:cBhvr>
+                                        <p:cTn id="74" dur="1000"/>
+                                        <p:tgtEl>
+                                          <p:spTgt spid="33"/>
+                                        </p:tgtEl>
+                                      </p:cBhvr>
+                                    </p:animEffect>
+                                  </p:childTnLst>
+                                </p:cTn>
+                              </p:par>
+                            </p:childTnLst>
+                          </p:cTn>
+                        </p:par>
+                        <p:par>
+                          <p:cTn id="75" fill="hold">
+                            <p:stCondLst>
+                              <p:cond delay="2000"/>
+                            </p:stCondLst>
+                            <p:childTnLst>
+                              <p:par>
+                                <p:cTn id="76" presetID="6" presetClass="entr" presetSubtype="16" fill="hold" nodeType="afterEffect">
+                                  <p:stCondLst>
+                                    <p:cond delay="0"/>
+                                  </p:stCondLst>
+                                  <p:childTnLst>
+                                    <p:set>
+                                      <p:cBhvr>
+                                        <p:cTn id="77" dur="1" fill="hold">
+                                          <p:stCondLst>
+                                            <p:cond delay="0"/>
+                                          </p:stCondLst>
+                                        </p:cTn>
+                                        <p:tgtEl>
+                                          <p:spTgt spid="32"/>
+                                        </p:tgtEl>
+                                        <p:attrNameLst>
+                                          <p:attrName>style.visibility</p:attrName>
+                                        </p:attrNameLst>
+                                      </p:cBhvr>
+                                      <p:to>
+                                        <p:strVal val="visible"/>
+                                      </p:to>
+                                    </p:set>
+                                    <p:animEffect transition="in" filter="circle(in)">
+                                      <p:cBhvr>
+                                        <p:cTn id="78" dur="1000"/>
+                                        <p:tgtEl>
+                                          <p:spTgt spid="32"/>
+                                        </p:tgtEl>
+                                      </p:cBhvr>
+                                    </p:animEffect>
+                                  </p:childTnLst>
+                                </p:cTn>
+                              </p:par>
+                            </p:childTnLst>
+                          </p:cTn>
+                        </p:par>
+                      </p:childTnLst>
+                    </p:cTn>
+                  </p:par>
+                </p:childTnLst>
+              </p:cTn>
+              <p:prevCondLst>
+                <p:cond evt="onPrev" delay="0">
+                  <p:tgtEl>
+                    <p:sldTgt/>
+                  </p:tgtEl>
+                </p:cond>
+              </p:prevCondLst>
+              <p:nextCondLst>
+                <p:cond evt="onNext" delay="0">
+                  <p:tgtEl>
+                    <p:sldTgt/>
+                  </p:tgtEl>
+                </p:cond>
+              </p:nextCondLst>
+            </p:seq>
+          </p:childTnLst>
+        </p:cTn>
+      </p:par>
+    </p:tnLst>
+    <p:bldLst>
+      <p:bldP spid="33" grpId="0" animBg="1"/>
+      <p:bldP spid="33" grpId="1" animBg="1"/>
+      <p:bldP spid="3" grpId="0" animBg="1"/>
+      <p:bldP spid="3" grpId="1" animBg="1"/>
+      <p:bldP spid="36" grpId="0" animBg="1"/>
+      <p:bldP spid="36" grpId="1" animBg="1"/>
+      <p:bldP spid="38" grpId="0" animBg="1"/>
+      <p:bldP spid="38" grpId="1" animBg="1"/>
+      <p:bldP spid="40" grpId="0" animBg="1"/>
+      <p:bldP spid="40" grpId="1" animBg="1"/>
+    </p:bldLst>
+  </p:timing>
+</p:sld>
+</file>
+
+<file path=ppt/slides/slide11.xml><?xml version="1.0" encoding="utf-8"?>
+<p:sld xmlns:a="http://schemas.openxmlformats.org/drawingml/2006/main" xmlns:r="http://schemas.openxmlformats.org/officeDocument/2006/relationships" xmlns:p="http://schemas.openxmlformats.org/presentationml/2006/main">
+  <p:cSld>
+    <p:spTree>
+      <p:nvGrpSpPr>
+        <p:cNvPr id="1" name=""/>
+        <p:cNvGrpSpPr/>
+        <p:nvPr/>
+      </p:nvGrpSpPr>
+      <p:grpSpPr>
+        <a:xfrm>
+          <a:off x="0" y="0"/>
+          <a:ext cx="0" cy="0"/>
+          <a:chOff x="0" y="0"/>
+          <a:chExt cx="0" cy="0"/>
+        </a:xfrm>
+      </p:grpSpPr>
+      <p:sp>
+        <p:nvSpPr>
+          <p:cNvPr id="3" name="Content Placeholder 2"/>
+          <p:cNvSpPr>
+            <a:spLocks noGrp="1"/>
+          </p:cNvSpPr>
+          <p:nvPr>
+            <p:ph idx="1"/>
+          </p:nvPr>
+        </p:nvSpPr>
+        <p:spPr/>
+        <p:txBody>
+          <a:bodyPr>
+            <a:normAutofit/>
+          </a:bodyPr>
+          <a:lstStyle/>
+          <a:p>
+            <a:pPr marL="0" indent="0">
+              <a:buNone/>
+            </a:pPr>
+            <a:r>
+              <a:rPr lang="en-US" sz="3600" dirty="0" err="1"/>
+              <a:t>Vì</a:t>
+            </a:r>
+            <a:r>
+              <a:rPr lang="en-US" sz="3600" dirty="0"/>
+              <a:t> </a:t>
+            </a:r>
+            <a:r>
+              <a:rPr lang="en-US" sz="3600" dirty="0" err="1"/>
+              <a:t>chỉ</a:t>
+            </a:r>
+            <a:r>
+              <a:rPr lang="en-US" sz="3600" dirty="0"/>
+              <a:t> </a:t>
+            </a:r>
+            <a:r>
+              <a:rPr lang="en-US" sz="3600" dirty="0" err="1"/>
+              <a:t>là</a:t>
+            </a:r>
+            <a:r>
+              <a:rPr lang="en-US" sz="3600" dirty="0"/>
+              <a:t> demo </a:t>
+            </a:r>
+            <a:r>
+              <a:rPr lang="en-US" sz="3600" dirty="0" err="1"/>
+              <a:t>nên</a:t>
+            </a:r>
+            <a:r>
+              <a:rPr lang="en-US" sz="3600" dirty="0"/>
+              <a:t> </a:t>
+            </a:r>
+            <a:r>
+              <a:rPr lang="en-US" sz="3600" dirty="0" err="1"/>
+              <a:t>hệ</a:t>
+            </a:r>
+            <a:r>
+              <a:rPr lang="en-US" sz="3600" dirty="0"/>
+              <a:t> </a:t>
+            </a:r>
+            <a:r>
+              <a:rPr lang="en-US" sz="3600" dirty="0" err="1"/>
+              <a:t>thống</a:t>
+            </a:r>
+            <a:r>
+              <a:rPr lang="en-US" sz="3600" dirty="0"/>
+              <a:t> </a:t>
+            </a:r>
+            <a:r>
+              <a:rPr lang="en-US" sz="3600" dirty="0" err="1"/>
+              <a:t>sẽ</a:t>
+            </a:r>
+            <a:r>
+              <a:rPr lang="en-US" sz="3600" dirty="0"/>
+              <a:t> </a:t>
+            </a:r>
+            <a:r>
+              <a:rPr lang="en-US" sz="3600" dirty="0" err="1"/>
+              <a:t>kết</a:t>
+            </a:r>
+            <a:r>
+              <a:rPr lang="en-US" sz="3600" dirty="0"/>
+              <a:t> </a:t>
+            </a:r>
+            <a:r>
+              <a:rPr lang="en-US" sz="3600" dirty="0" err="1"/>
+              <a:t>nối</a:t>
+            </a:r>
+            <a:r>
+              <a:rPr lang="en-US" sz="3600" dirty="0"/>
+              <a:t> 1 server – 1 client </a:t>
+            </a:r>
+          </a:p>
+          <a:p>
+            <a:pPr marL="0" indent="0">
+              <a:buNone/>
+            </a:pPr>
+            <a:r>
+              <a:rPr lang="en-US" sz="3600" dirty="0"/>
+              <a:t>(</a:t>
+            </a:r>
+            <a:r>
+              <a:rPr lang="en-US" sz="3600" dirty="0" err="1"/>
+              <a:t>Có</a:t>
+            </a:r>
+            <a:r>
+              <a:rPr lang="en-US" sz="3600" dirty="0"/>
+              <a:t> </a:t>
+            </a:r>
+            <a:r>
+              <a:rPr lang="en-US" sz="3600" dirty="0" err="1"/>
+              <a:t>thể</a:t>
+            </a:r>
+            <a:r>
+              <a:rPr lang="en-US" sz="3600" dirty="0"/>
+              <a:t> </a:t>
+            </a:r>
+            <a:r>
+              <a:rPr lang="en-US" sz="3600" dirty="0" err="1"/>
+              <a:t>mở</a:t>
+            </a:r>
+            <a:r>
+              <a:rPr lang="en-US" sz="3600" dirty="0"/>
+              <a:t> </a:t>
+            </a:r>
+            <a:r>
+              <a:rPr lang="en-US" sz="3600" dirty="0" err="1"/>
+              <a:t>rộng</a:t>
+            </a:r>
+            <a:r>
+              <a:rPr lang="en-US" sz="3600" dirty="0"/>
+              <a:t> 1 server – </a:t>
+            </a:r>
+            <a:r>
+              <a:rPr lang="en-US" sz="3600" dirty="0" err="1"/>
+              <a:t>nhiều</a:t>
+            </a:r>
+            <a:r>
+              <a:rPr lang="en-US" sz="3600" dirty="0"/>
+              <a:t> clients)</a:t>
+            </a:r>
+          </a:p>
+        </p:txBody>
+      </p:sp>
+    </p:spTree>
+    <p:extLst>
+      <p:ext uri="{BB962C8B-B14F-4D97-AF65-F5344CB8AC3E}">
+        <p14:creationId xmlns:p14="http://schemas.microsoft.com/office/powerpoint/2010/main" val="3808645874"/>
+      </p:ext>
+    </p:extLst>
+  </p:cSld>
+  <p:clrMapOvr>
+    <a:masterClrMapping/>
+  </p:clrMapOvr>
+</p:sld>
+</file>
+
+<file path=ppt/slides/slide12.xml><?xml version="1.0" encoding="utf-8"?>
+<p:sld xmlns:a="http://schemas.openxmlformats.org/drawingml/2006/main" xmlns:r="http://schemas.openxmlformats.org/officeDocument/2006/relationships" xmlns:p="http://schemas.openxmlformats.org/presentationml/2006/main">
+  <p:cSld>
+    <p:spTree>
+      <p:nvGrpSpPr>
+        <p:cNvPr id="1" name=""/>
+        <p:cNvGrpSpPr/>
+        <p:nvPr/>
+      </p:nvGrpSpPr>
+      <p:grpSpPr>
+        <a:xfrm>
+          <a:off x="0" y="0"/>
+          <a:ext cx="0" cy="0"/>
+          <a:chOff x="0" y="0"/>
+          <a:chExt cx="0" cy="0"/>
+        </a:xfrm>
+      </p:grpSpPr>
+      <p:sp>
+        <p:nvSpPr>
+          <p:cNvPr id="2" name="Title 1"/>
+          <p:cNvSpPr>
+            <a:spLocks noGrp="1"/>
+          </p:cNvSpPr>
+          <p:nvPr>
+            <p:ph type="ctrTitle"/>
+          </p:nvPr>
+        </p:nvSpPr>
+        <p:spPr>
+          <a:xfrm>
+            <a:off x="1857462" y="2208796"/>
+            <a:ext cx="8361229" cy="1538897"/>
+          </a:xfrm>
+        </p:spPr>
+        <p:txBody>
+          <a:bodyPr/>
+          <a:lstStyle/>
+          <a:p>
+            <a:r>
+              <a:rPr lang="en-US" sz="5400" dirty="0"/>
+              <a:t>DEMO</a:t>
+            </a:r>
+          </a:p>
+        </p:txBody>
+      </p:sp>
+      <p:sp>
+        <p:nvSpPr>
+          <p:cNvPr id="4" name="Subtitle 2"/>
+          <p:cNvSpPr txBox="1">
+            <a:spLocks/>
+          </p:cNvSpPr>
+          <p:nvPr/>
+        </p:nvSpPr>
+        <p:spPr>
+          <a:xfrm>
+            <a:off x="1061172" y="5434970"/>
+            <a:ext cx="6831673" cy="1086237"/>
+          </a:xfrm>
+          <a:prstGeom prst="rect">
+            <a:avLst/>
+          </a:prstGeom>
+        </p:spPr>
+        <p:txBody>
+          <a:bodyPr vert="horz" lIns="91440" tIns="45720" rIns="91440" bIns="45720" rtlCol="0">
+            <a:normAutofit/>
+          </a:bodyPr>
+          <a:lstStyle>
+            <a:lvl1pPr marL="0" indent="0" algn="ctr" defTabSz="914400" rtl="0" eaLnBrk="1" latinLnBrk="0" hangingPunct="1">
+              <a:lnSpc>
+                <a:spcPct val="112000"/>
+              </a:lnSpc>
+              <a:spcBef>
+                <a:spcPts val="0"/>
+              </a:spcBef>
+              <a:spcAft>
+                <a:spcPts val="0"/>
+              </a:spcAft>
+              <a:buFont typeface="Franklin Gothic Book" panose="020B0503020102020204" pitchFamily="34" charset="0"/>
+              <a:buNone/>
+              <a:defRPr sz="2300" kern="1200" baseline="0">
+                <a:solidFill>
+                  <a:schemeClr val="tx2"/>
+                </a:solidFill>
+                <a:latin typeface="+mn-lt"/>
+                <a:ea typeface="+mn-ea"/>
+                <a:cs typeface="+mn-cs"/>
+              </a:defRPr>
+            </a:lvl1pPr>
+            <a:lvl2pPr marL="457200" indent="0" algn="ctr" defTabSz="914400" rtl="0" eaLnBrk="1" latinLnBrk="0" hangingPunct="1">
+              <a:lnSpc>
+                <a:spcPct val="94000"/>
+              </a:lnSpc>
+              <a:spcBef>
+                <a:spcPts val="500"/>
+              </a:spcBef>
+              <a:spcAft>
+                <a:spcPts val="200"/>
+              </a:spcAft>
+              <a:buFont typeface="Franklin Gothic Book" panose="020B0503020102020204" pitchFamily="34" charset="0"/>
+              <a:buNone/>
+              <a:defRPr sz="2000" i="1" kern="1200" baseline="0">
+                <a:solidFill>
+                  <a:schemeClr val="tx2"/>
+                </a:solidFill>
+                <a:latin typeface="+mn-lt"/>
+                <a:ea typeface="+mn-ea"/>
+                <a:cs typeface="+mn-cs"/>
+              </a:defRPr>
+            </a:lvl2pPr>
+            <a:lvl3pPr marL="914400" indent="0" algn="ctr" defTabSz="914400" rtl="0" eaLnBrk="1" latinLnBrk="0" hangingPunct="1">
+              <a:lnSpc>
+                <a:spcPct val="94000"/>
+              </a:lnSpc>
+              <a:spcBef>
+                <a:spcPts val="500"/>
+              </a:spcBef>
+              <a:spcAft>
+                <a:spcPts val="200"/>
+              </a:spcAft>
+              <a:buFont typeface="Franklin Gothic Book" panose="020B0503020102020204" pitchFamily="34" charset="0"/>
+              <a:buNone/>
+              <a:defRPr sz="1800" kern="1200" baseline="0">
+                <a:solidFill>
+                  <a:schemeClr val="tx2"/>
+                </a:solidFill>
+                <a:latin typeface="+mn-lt"/>
+                <a:ea typeface="+mn-ea"/>
+                <a:cs typeface="+mn-cs"/>
+              </a:defRPr>
+            </a:lvl3pPr>
+            <a:lvl4pPr marL="1371600" indent="0" algn="ctr" defTabSz="914400" rtl="0" eaLnBrk="1" latinLnBrk="0" hangingPunct="1">
+              <a:lnSpc>
+                <a:spcPct val="94000"/>
+              </a:lnSpc>
+              <a:spcBef>
+                <a:spcPts val="500"/>
+              </a:spcBef>
+              <a:spcAft>
+                <a:spcPts val="200"/>
+              </a:spcAft>
+              <a:buFont typeface="Franklin Gothic Book" panose="020B0503020102020204" pitchFamily="34" charset="0"/>
+              <a:buNone/>
+              <a:defRPr sz="1600" i="1" kern="1200" baseline="0">
+                <a:solidFill>
+                  <a:schemeClr val="tx2"/>
+                </a:solidFill>
+                <a:latin typeface="+mn-lt"/>
+                <a:ea typeface="+mn-ea"/>
+                <a:cs typeface="+mn-cs"/>
+              </a:defRPr>
+            </a:lvl4pPr>
+            <a:lvl5pPr marL="1828800" indent="0" algn="ctr" defTabSz="914400" rtl="0" eaLnBrk="1" latinLnBrk="0" hangingPunct="1">
+              <a:lnSpc>
+                <a:spcPct val="94000"/>
+              </a:lnSpc>
+              <a:spcBef>
+                <a:spcPts val="500"/>
+              </a:spcBef>
+              <a:spcAft>
+                <a:spcPts val="200"/>
+              </a:spcAft>
+              <a:buFont typeface="Franklin Gothic Book" panose="020B0503020102020204" pitchFamily="34" charset="0"/>
+              <a:buNone/>
+              <a:defRPr sz="1600" kern="1200" baseline="0">
+                <a:solidFill>
+                  <a:schemeClr val="tx2"/>
+                </a:solidFill>
+                <a:latin typeface="+mn-lt"/>
+                <a:ea typeface="+mn-ea"/>
+                <a:cs typeface="+mn-cs"/>
+              </a:defRPr>
+            </a:lvl5pPr>
+            <a:lvl6pPr marL="2286000" indent="0" algn="ctr" defTabSz="914400" rtl="0" eaLnBrk="1" latinLnBrk="0" hangingPunct="1">
+              <a:lnSpc>
+                <a:spcPct val="94000"/>
+              </a:lnSpc>
+              <a:spcBef>
+                <a:spcPts val="500"/>
+              </a:spcBef>
+              <a:spcAft>
+                <a:spcPts val="200"/>
+              </a:spcAft>
+              <a:buFont typeface="Franklin Gothic Book" panose="020B0503020102020204" pitchFamily="34" charset="0"/>
+              <a:buNone/>
+              <a:defRPr sz="1600" i="1" kern="1200" baseline="0">
+                <a:solidFill>
+                  <a:schemeClr val="tx2"/>
+                </a:solidFill>
+                <a:latin typeface="+mn-lt"/>
+                <a:ea typeface="+mn-ea"/>
+                <a:cs typeface="+mn-cs"/>
+              </a:defRPr>
+            </a:lvl6pPr>
+            <a:lvl7pPr marL="2743200" indent="0" algn="ctr" defTabSz="914400" rtl="0" eaLnBrk="1" latinLnBrk="0" hangingPunct="1">
+              <a:lnSpc>
+                <a:spcPct val="94000"/>
+              </a:lnSpc>
+              <a:spcBef>
+                <a:spcPts val="500"/>
+              </a:spcBef>
+              <a:spcAft>
+                <a:spcPts val="200"/>
+              </a:spcAft>
+              <a:buFont typeface="Franklin Gothic Book" panose="020B0503020102020204" pitchFamily="34" charset="0"/>
+              <a:buNone/>
+              <a:defRPr sz="1600" kern="1200" baseline="0">
+                <a:solidFill>
+                  <a:schemeClr val="tx2"/>
+                </a:solidFill>
+                <a:latin typeface="+mn-lt"/>
+                <a:ea typeface="+mn-ea"/>
+                <a:cs typeface="+mn-cs"/>
+              </a:defRPr>
+            </a:lvl7pPr>
+            <a:lvl8pPr marL="3200400" indent="0" algn="ctr" defTabSz="914400" rtl="0" eaLnBrk="1" latinLnBrk="0" hangingPunct="1">
+              <a:lnSpc>
+                <a:spcPct val="94000"/>
+              </a:lnSpc>
+              <a:spcBef>
+                <a:spcPts val="500"/>
+              </a:spcBef>
+              <a:spcAft>
+                <a:spcPts val="200"/>
+              </a:spcAft>
+              <a:buFont typeface="Franklin Gothic Book" panose="020B0503020102020204" pitchFamily="34" charset="0"/>
+              <a:buNone/>
+              <a:defRPr sz="1600" i="1" kern="1200" baseline="0">
+                <a:solidFill>
+                  <a:schemeClr val="tx2"/>
+                </a:solidFill>
+                <a:latin typeface="+mn-lt"/>
+                <a:ea typeface="+mn-ea"/>
+                <a:cs typeface="+mn-cs"/>
+              </a:defRPr>
+            </a:lvl8pPr>
+            <a:lvl9pPr marL="3657600" indent="0" algn="ctr" defTabSz="914400" rtl="0" eaLnBrk="1" latinLnBrk="0" hangingPunct="1">
+              <a:lnSpc>
+                <a:spcPct val="94000"/>
+              </a:lnSpc>
+              <a:spcBef>
+                <a:spcPts val="500"/>
+              </a:spcBef>
+              <a:spcAft>
+                <a:spcPts val="200"/>
+              </a:spcAft>
+              <a:buFont typeface="Franklin Gothic Book" panose="020B0503020102020204" pitchFamily="34" charset="0"/>
+              <a:buNone/>
+              <a:defRPr sz="1600" kern="1200" baseline="0">
+                <a:solidFill>
+                  <a:schemeClr val="tx2"/>
+                </a:solidFill>
+                <a:latin typeface="+mn-lt"/>
+                <a:ea typeface="+mn-ea"/>
+                <a:cs typeface="+mn-cs"/>
+              </a:defRPr>
+            </a:lvl9pPr>
+          </a:lstStyle>
+          <a:p>
+            <a:endParaRPr lang="en-US" dirty="0"/>
+          </a:p>
+        </p:txBody>
+      </p:sp>
+    </p:spTree>
+    <p:extLst>
+      <p:ext uri="{BB962C8B-B14F-4D97-AF65-F5344CB8AC3E}">
+        <p14:creationId xmlns:p14="http://schemas.microsoft.com/office/powerpoint/2010/main" val="2876791013"/>
       </p:ext>
     </p:extLst>
   </p:cSld>
@@ -4213,7 +6962,12 @@
             <p:ph idx="1"/>
           </p:nvPr>
         </p:nvSpPr>
-        <p:spPr/>
+        <p:spPr>
+          <a:xfrm>
+            <a:off x="1371600" y="2286000"/>
+            <a:ext cx="5462337" cy="3581400"/>
+          </a:xfrm>
+        </p:spPr>
         <p:txBody>
           <a:bodyPr>
             <a:normAutofit/>
@@ -4240,7 +6994,10 @@
               <a:rPr lang="en-US" sz="4000" dirty="0" err="1"/>
               <a:t>Đại</a:t>
             </a:r>
-            <a:endParaRPr lang="en-US" sz="4000" dirty="0"/>
+            <a:r>
+              <a:rPr lang="en-US" sz="4000" dirty="0"/>
+              <a:t> </a:t>
+            </a:r>
           </a:p>
           <a:p>
             <a:r>
@@ -4291,6 +7048,256 @@
             <a:r>
               <a:rPr lang="en-US" sz="4000" dirty="0"/>
               <a:t> Thanh</a:t>
+            </a:r>
+          </a:p>
+        </p:txBody>
+      </p:sp>
+      <p:sp>
+        <p:nvSpPr>
+          <p:cNvPr id="4" name="Content Placeholder 2"/>
+          <p:cNvSpPr txBox="1">
+            <a:spLocks/>
+          </p:cNvSpPr>
+          <p:nvPr/>
+        </p:nvSpPr>
+        <p:spPr>
+          <a:xfrm>
+            <a:off x="7413403" y="2286000"/>
+            <a:ext cx="5462337" cy="3581400"/>
+          </a:xfrm>
+          <a:prstGeom prst="rect">
+            <a:avLst/>
+          </a:prstGeom>
+        </p:spPr>
+        <p:txBody>
+          <a:bodyPr vert="horz" lIns="91440" tIns="45720" rIns="91440" bIns="45720" rtlCol="0">
+            <a:normAutofit/>
+          </a:bodyPr>
+          <a:lstStyle>
+            <a:lvl1pPr marL="384048" indent="-384048" algn="l" defTabSz="914400" rtl="0" eaLnBrk="1" latinLnBrk="0" hangingPunct="1">
+              <a:lnSpc>
+                <a:spcPct val="94000"/>
+              </a:lnSpc>
+              <a:spcBef>
+                <a:spcPts val="1000"/>
+              </a:spcBef>
+              <a:spcAft>
+                <a:spcPts val="200"/>
+              </a:spcAft>
+              <a:buFont typeface="Franklin Gothic Book" panose="020B0503020102020204" pitchFamily="34" charset="0"/>
+              <a:buChar char="■"/>
+              <a:defRPr sz="2000" kern="1200" baseline="0">
+                <a:solidFill>
+                  <a:schemeClr val="tx2"/>
+                </a:solidFill>
+                <a:latin typeface="+mn-lt"/>
+                <a:ea typeface="+mn-ea"/>
+                <a:cs typeface="+mn-cs"/>
+              </a:defRPr>
+            </a:lvl1pPr>
+            <a:lvl2pPr marL="914400" indent="-384048" algn="l" defTabSz="914400" rtl="0" eaLnBrk="1" latinLnBrk="0" hangingPunct="1">
+              <a:lnSpc>
+                <a:spcPct val="94000"/>
+              </a:lnSpc>
+              <a:spcBef>
+                <a:spcPts val="500"/>
+              </a:spcBef>
+              <a:spcAft>
+                <a:spcPts val="200"/>
+              </a:spcAft>
+              <a:buFont typeface="Franklin Gothic Book" panose="020B0503020102020204" pitchFamily="34" charset="0"/>
+              <a:buChar char="–"/>
+              <a:defRPr sz="2000" i="1" kern="1200" baseline="0">
+                <a:solidFill>
+                  <a:schemeClr val="tx2"/>
+                </a:solidFill>
+                <a:latin typeface="+mn-lt"/>
+                <a:ea typeface="+mn-ea"/>
+                <a:cs typeface="+mn-cs"/>
+              </a:defRPr>
+            </a:lvl2pPr>
+            <a:lvl3pPr marL="1371600" indent="-384048" algn="l" defTabSz="914400" rtl="0" eaLnBrk="1" latinLnBrk="0" hangingPunct="1">
+              <a:lnSpc>
+                <a:spcPct val="94000"/>
+              </a:lnSpc>
+              <a:spcBef>
+                <a:spcPts val="500"/>
+              </a:spcBef>
+              <a:spcAft>
+                <a:spcPts val="200"/>
+              </a:spcAft>
+              <a:buFont typeface="Franklin Gothic Book" panose="020B0503020102020204" pitchFamily="34" charset="0"/>
+              <a:buChar char="■"/>
+              <a:defRPr sz="1800" kern="1200" baseline="0">
+                <a:solidFill>
+                  <a:schemeClr val="tx2"/>
+                </a:solidFill>
+                <a:latin typeface="+mn-lt"/>
+                <a:ea typeface="+mn-ea"/>
+                <a:cs typeface="+mn-cs"/>
+              </a:defRPr>
+            </a:lvl3pPr>
+            <a:lvl4pPr marL="1828800" indent="-384048" algn="l" defTabSz="914400" rtl="0" eaLnBrk="1" latinLnBrk="0" hangingPunct="1">
+              <a:lnSpc>
+                <a:spcPct val="94000"/>
+              </a:lnSpc>
+              <a:spcBef>
+                <a:spcPts val="500"/>
+              </a:spcBef>
+              <a:spcAft>
+                <a:spcPts val="200"/>
+              </a:spcAft>
+              <a:buFont typeface="Franklin Gothic Book" panose="020B0503020102020204" pitchFamily="34" charset="0"/>
+              <a:buChar char="–"/>
+              <a:defRPr sz="1800" i="1" kern="1200" baseline="0">
+                <a:solidFill>
+                  <a:schemeClr val="tx2"/>
+                </a:solidFill>
+                <a:latin typeface="+mn-lt"/>
+                <a:ea typeface="+mn-ea"/>
+                <a:cs typeface="+mn-cs"/>
+              </a:defRPr>
+            </a:lvl4pPr>
+            <a:lvl5pPr marL="2286000" indent="-384048" algn="l" defTabSz="914400" rtl="0" eaLnBrk="1" latinLnBrk="0" hangingPunct="1">
+              <a:lnSpc>
+                <a:spcPct val="94000"/>
+              </a:lnSpc>
+              <a:spcBef>
+                <a:spcPts val="500"/>
+              </a:spcBef>
+              <a:spcAft>
+                <a:spcPts val="200"/>
+              </a:spcAft>
+              <a:buFont typeface="Franklin Gothic Book" panose="020B0503020102020204" pitchFamily="34" charset="0"/>
+              <a:buChar char="■"/>
+              <a:defRPr sz="1600" kern="1200" baseline="0">
+                <a:solidFill>
+                  <a:schemeClr val="tx2"/>
+                </a:solidFill>
+                <a:latin typeface="+mn-lt"/>
+                <a:ea typeface="+mn-ea"/>
+                <a:cs typeface="+mn-cs"/>
+              </a:defRPr>
+            </a:lvl5pPr>
+            <a:lvl6pPr marL="2743200" indent="-384048" algn="l" defTabSz="914400" rtl="0" eaLnBrk="1" latinLnBrk="0" hangingPunct="1">
+              <a:lnSpc>
+                <a:spcPct val="94000"/>
+              </a:lnSpc>
+              <a:spcBef>
+                <a:spcPts val="500"/>
+              </a:spcBef>
+              <a:spcAft>
+                <a:spcPts val="200"/>
+              </a:spcAft>
+              <a:buFont typeface="Franklin Gothic Book" panose="020B0503020102020204" pitchFamily="34" charset="0"/>
+              <a:buChar char="–"/>
+              <a:defRPr sz="1600" i="1" kern="1200" baseline="0">
+                <a:solidFill>
+                  <a:schemeClr val="tx2"/>
+                </a:solidFill>
+                <a:latin typeface="+mn-lt"/>
+                <a:ea typeface="+mn-ea"/>
+                <a:cs typeface="+mn-cs"/>
+              </a:defRPr>
+            </a:lvl6pPr>
+            <a:lvl7pPr marL="3200400" indent="-384048" algn="l" defTabSz="914400" rtl="0" eaLnBrk="1" latinLnBrk="0" hangingPunct="1">
+              <a:lnSpc>
+                <a:spcPct val="94000"/>
+              </a:lnSpc>
+              <a:spcBef>
+                <a:spcPts val="500"/>
+              </a:spcBef>
+              <a:spcAft>
+                <a:spcPts val="200"/>
+              </a:spcAft>
+              <a:buFont typeface="Franklin Gothic Book" panose="020B0503020102020204" pitchFamily="34" charset="0"/>
+              <a:buChar char="■"/>
+              <a:defRPr sz="1400" kern="1200" baseline="0">
+                <a:solidFill>
+                  <a:schemeClr val="tx2"/>
+                </a:solidFill>
+                <a:latin typeface="+mn-lt"/>
+                <a:ea typeface="+mn-ea"/>
+                <a:cs typeface="+mn-cs"/>
+              </a:defRPr>
+            </a:lvl7pPr>
+            <a:lvl8pPr marL="3657600" indent="-384048" algn="l" defTabSz="914400" rtl="0" eaLnBrk="1" latinLnBrk="0" hangingPunct="1">
+              <a:lnSpc>
+                <a:spcPct val="94000"/>
+              </a:lnSpc>
+              <a:spcBef>
+                <a:spcPts val="500"/>
+              </a:spcBef>
+              <a:spcAft>
+                <a:spcPts val="200"/>
+              </a:spcAft>
+              <a:buFont typeface="Franklin Gothic Book" panose="020B0503020102020204" pitchFamily="34" charset="0"/>
+              <a:buChar char="–"/>
+              <a:defRPr sz="1400" i="1" kern="1200" baseline="0">
+                <a:solidFill>
+                  <a:schemeClr val="tx2"/>
+                </a:solidFill>
+                <a:latin typeface="+mn-lt"/>
+                <a:ea typeface="+mn-ea"/>
+                <a:cs typeface="+mn-cs"/>
+              </a:defRPr>
+            </a:lvl8pPr>
+            <a:lvl9pPr marL="4114800" indent="-384048" algn="l" defTabSz="914400" rtl="0" eaLnBrk="1" latinLnBrk="0" hangingPunct="1">
+              <a:lnSpc>
+                <a:spcPct val="94000"/>
+              </a:lnSpc>
+              <a:spcBef>
+                <a:spcPts val="500"/>
+              </a:spcBef>
+              <a:spcAft>
+                <a:spcPts val="200"/>
+              </a:spcAft>
+              <a:buFont typeface="Franklin Gothic Book" panose="020B0503020102020204" pitchFamily="34" charset="0"/>
+              <a:buChar char="■"/>
+              <a:defRPr sz="1400" kern="1200" baseline="0">
+                <a:solidFill>
+                  <a:schemeClr val="tx2"/>
+                </a:solidFill>
+                <a:latin typeface="+mn-lt"/>
+                <a:ea typeface="+mn-ea"/>
+                <a:cs typeface="+mn-cs"/>
+              </a:defRPr>
+            </a:lvl9pPr>
+          </a:lstStyle>
+          <a:p>
+            <a:pPr marL="0" indent="0">
+              <a:buNone/>
+            </a:pPr>
+            <a:r>
+              <a:rPr lang="en-US" sz="4000" dirty="0"/>
+              <a:t>15520084</a:t>
+            </a:r>
+          </a:p>
+          <a:p>
+            <a:pPr marL="0" indent="0">
+              <a:buNone/>
+            </a:pPr>
+            <a:r>
+              <a:rPr lang="en-US" sz="4000" dirty="0"/>
+              <a:t>15520960</a:t>
+            </a:r>
+          </a:p>
+          <a:p>
+            <a:pPr marL="0" indent="0">
+              <a:buNone/>
+            </a:pPr>
+            <a:r>
+              <a:rPr lang="en-US" sz="4000" dirty="0"/>
+              <a:t>15520781</a:t>
+            </a:r>
+          </a:p>
+          <a:p>
+            <a:pPr marL="0" indent="0">
+              <a:buNone/>
+            </a:pPr>
+            <a:r>
+              <a:rPr lang="en-US" sz="4000" dirty="0"/>
+              <a:t>15520805</a:t>
             </a:r>
           </a:p>
         </p:txBody>
@@ -4341,24 +7348,20 @@
           <a:lstStyle/>
           <a:p>
             <a:r>
+              <a:rPr lang="en-US" dirty="0" err="1"/>
+              <a:t>Mục</a:t>
+            </a:r>
+            <a:r>
               <a:rPr lang="en-US" dirty="0"/>
               <a:t> </a:t>
             </a:r>
             <a:r>
               <a:rPr lang="en-US" dirty="0" err="1"/>
-              <a:t>Hệ</a:t>
+              <a:t>đích</a:t>
             </a:r>
             <a:r>
               <a:rPr lang="en-US" dirty="0"/>
-              <a:t> </a:t>
-            </a:r>
-            <a:r>
-              <a:rPr lang="en-US" dirty="0" err="1"/>
-              <a:t>thống</a:t>
-            </a:r>
-            <a:r>
-              <a:rPr lang="en-US" dirty="0"/>
-              <a:t> : </a:t>
+              <a:t> :</a:t>
             </a:r>
           </a:p>
         </p:txBody>
@@ -4373,29 +7376,276 @@
             <p:ph idx="1"/>
           </p:nvPr>
         </p:nvSpPr>
-        <p:spPr/>
+        <p:spPr>
+          <a:xfrm>
+            <a:off x="1371600" y="2342148"/>
+            <a:ext cx="9601200" cy="3577390"/>
+          </a:xfrm>
+        </p:spPr>
         <p:txBody>
           <a:bodyPr>
             <a:normAutofit/>
           </a:bodyPr>
           <a:lstStyle/>
           <a:p>
-            <a:r>
-              <a:rPr lang="en-US" sz="4400" dirty="0"/>
-              <a:t>Root</a:t>
-            </a:r>
-          </a:p>
-          <a:p>
-            <a:r>
-              <a:rPr lang="en-US" sz="4400" dirty="0"/>
-              <a:t>Servers</a:t>
-            </a:r>
-          </a:p>
-          <a:p>
-            <a:r>
-              <a:rPr lang="en-US" sz="4400" dirty="0"/>
-              <a:t>Clients</a:t>
-            </a:r>
+            <a:pPr marL="0" indent="0">
+              <a:buNone/>
+            </a:pPr>
+            <a:r>
+              <a:rPr lang="en-US" sz="4000" dirty="0"/>
+              <a:t> - </a:t>
+            </a:r>
+            <a:r>
+              <a:rPr lang="en-US" sz="4000" dirty="0" err="1"/>
+              <a:t>Tăng</a:t>
+            </a:r>
+            <a:r>
+              <a:rPr lang="en-US" sz="4000" dirty="0"/>
+              <a:t> </a:t>
+            </a:r>
+            <a:r>
+              <a:rPr lang="en-US" sz="4000" dirty="0" err="1"/>
+              <a:t>khả</a:t>
+            </a:r>
+            <a:r>
+              <a:rPr lang="en-US" sz="4000" dirty="0"/>
+              <a:t> </a:t>
+            </a:r>
+            <a:r>
+              <a:rPr lang="en-US" sz="4000" dirty="0" err="1"/>
+              <a:t>năng</a:t>
+            </a:r>
+            <a:r>
+              <a:rPr lang="en-US" sz="4000" dirty="0"/>
+              <a:t> </a:t>
+            </a:r>
+            <a:r>
+              <a:rPr lang="en-US" sz="4000" dirty="0" err="1"/>
+              <a:t>đáp</a:t>
+            </a:r>
+            <a:r>
+              <a:rPr lang="en-US" sz="4000" dirty="0"/>
+              <a:t> </a:t>
+            </a:r>
+            <a:r>
+              <a:rPr lang="en-US" sz="4000" dirty="0" err="1"/>
+              <a:t>ứng</a:t>
+            </a:r>
+            <a:r>
+              <a:rPr lang="en-US" sz="4000" dirty="0"/>
+              <a:t>, </a:t>
+            </a:r>
+            <a:r>
+              <a:rPr lang="en-US" sz="4000" dirty="0" err="1"/>
+              <a:t>tránh</a:t>
+            </a:r>
+            <a:r>
+              <a:rPr lang="en-US" sz="4000" dirty="0"/>
+              <a:t> </a:t>
+            </a:r>
+            <a:r>
+              <a:rPr lang="en-US" sz="4000" dirty="0" err="1"/>
+              <a:t>tình</a:t>
+            </a:r>
+            <a:r>
+              <a:rPr lang="en-US" sz="4000" dirty="0"/>
+              <a:t> </a:t>
+            </a:r>
+            <a:r>
+              <a:rPr lang="en-US" sz="4000" dirty="0" err="1"/>
+              <a:t>trạng</a:t>
+            </a:r>
+            <a:r>
+              <a:rPr lang="en-US" sz="4000" dirty="0"/>
+              <a:t> </a:t>
+            </a:r>
+            <a:r>
+              <a:rPr lang="en-US" sz="4000" dirty="0" err="1"/>
+              <a:t>quá</a:t>
+            </a:r>
+            <a:r>
+              <a:rPr lang="en-US" sz="4000" dirty="0"/>
+              <a:t> </a:t>
+            </a:r>
+            <a:r>
+              <a:rPr lang="en-US" sz="4000" dirty="0" err="1"/>
+              <a:t>tải</a:t>
+            </a:r>
+            <a:r>
+              <a:rPr lang="en-US" sz="4000" dirty="0"/>
+              <a:t> </a:t>
+            </a:r>
+            <a:r>
+              <a:rPr lang="en-US" sz="4000" dirty="0" err="1"/>
+              <a:t>trên</a:t>
+            </a:r>
+            <a:r>
+              <a:rPr lang="en-US" sz="4000" dirty="0"/>
+              <a:t> </a:t>
+            </a:r>
+            <a:r>
+              <a:rPr lang="en-US" sz="4000" dirty="0" err="1"/>
+              <a:t>máy</a:t>
+            </a:r>
+            <a:r>
+              <a:rPr lang="en-US" sz="4000" dirty="0"/>
+              <a:t> </a:t>
+            </a:r>
+            <a:r>
+              <a:rPr lang="en-US" sz="4000" dirty="0" err="1"/>
+              <a:t>chủ</a:t>
+            </a:r>
+            <a:r>
+              <a:rPr lang="en-US" sz="4000" dirty="0"/>
+              <a:t>.</a:t>
+            </a:r>
+          </a:p>
+          <a:p>
+            <a:pPr marL="0" indent="0">
+              <a:buNone/>
+            </a:pPr>
+            <a:r>
+              <a:rPr lang="en-US" sz="4000" dirty="0"/>
+              <a:t> - </a:t>
+            </a:r>
+            <a:r>
+              <a:rPr lang="en-US" sz="4000" dirty="0" err="1"/>
+              <a:t>Hệ</a:t>
+            </a:r>
+            <a:r>
+              <a:rPr lang="en-US" sz="4000" dirty="0"/>
+              <a:t> </a:t>
+            </a:r>
+            <a:r>
+              <a:rPr lang="en-US" sz="4000" dirty="0" err="1"/>
+              <a:t>thống</a:t>
+            </a:r>
+            <a:r>
+              <a:rPr lang="en-US" sz="4000" dirty="0"/>
+              <a:t> </a:t>
+            </a:r>
+            <a:r>
+              <a:rPr lang="en-US" sz="4000" dirty="0" err="1"/>
+              <a:t>máy</a:t>
+            </a:r>
+            <a:r>
+              <a:rPr lang="en-US" sz="4000" dirty="0"/>
+              <a:t> </a:t>
+            </a:r>
+            <a:r>
+              <a:rPr lang="en-US" sz="4000" dirty="0" err="1"/>
+              <a:t>chủ</a:t>
+            </a:r>
+            <a:r>
+              <a:rPr lang="en-US" sz="4000" dirty="0"/>
+              <a:t> </a:t>
+            </a:r>
+            <a:r>
+              <a:rPr lang="en-US" sz="4000" dirty="0" err="1"/>
+              <a:t>có</a:t>
+            </a:r>
+            <a:r>
+              <a:rPr lang="en-US" sz="4000" dirty="0"/>
+              <a:t> </a:t>
+            </a:r>
+            <a:r>
+              <a:rPr lang="en-US" sz="4000" dirty="0" err="1"/>
+              <a:t>khả</a:t>
+            </a:r>
+            <a:r>
+              <a:rPr lang="en-US" sz="4000" dirty="0"/>
+              <a:t> </a:t>
+            </a:r>
+            <a:r>
+              <a:rPr lang="en-US" sz="4000" dirty="0" err="1"/>
+              <a:t>năng</a:t>
+            </a:r>
+            <a:r>
+              <a:rPr lang="en-US" sz="4000" dirty="0"/>
+              <a:t> </a:t>
+            </a:r>
+            <a:r>
+              <a:rPr lang="en-US" sz="4000" dirty="0" err="1"/>
+              <a:t>dự</a:t>
+            </a:r>
+            <a:r>
+              <a:rPr lang="en-US" sz="4000" dirty="0"/>
+              <a:t> </a:t>
+            </a:r>
+            <a:r>
+              <a:rPr lang="en-US" sz="4000" dirty="0" err="1"/>
+              <a:t>phòng</a:t>
+            </a:r>
+            <a:r>
+              <a:rPr lang="en-US" sz="4000" dirty="0"/>
+              <a:t>.</a:t>
+            </a:r>
+          </a:p>
+          <a:p>
+            <a:pPr marL="0" indent="0">
+              <a:buNone/>
+            </a:pPr>
+            <a:r>
+              <a:rPr lang="en-US" sz="4000" dirty="0"/>
+              <a:t> - </a:t>
+            </a:r>
+            <a:r>
+              <a:rPr lang="en-US" sz="4000" dirty="0" err="1"/>
+              <a:t>Đảm</a:t>
+            </a:r>
+            <a:r>
+              <a:rPr lang="en-US" sz="4000" dirty="0"/>
+              <a:t> </a:t>
+            </a:r>
+            <a:r>
+              <a:rPr lang="en-US" sz="4000" dirty="0" err="1"/>
+              <a:t>bảo</a:t>
+            </a:r>
+            <a:r>
+              <a:rPr lang="en-US" sz="4000" dirty="0"/>
+              <a:t> </a:t>
+            </a:r>
+            <a:r>
+              <a:rPr lang="en-US" sz="4000" dirty="0" err="1"/>
+              <a:t>kết</a:t>
+            </a:r>
+            <a:r>
+              <a:rPr lang="en-US" sz="4000" dirty="0"/>
+              <a:t> </a:t>
+            </a:r>
+            <a:r>
+              <a:rPr lang="en-US" sz="4000" dirty="0" err="1"/>
+              <a:t>nối</a:t>
+            </a:r>
+            <a:r>
+              <a:rPr lang="en-US" sz="4000" dirty="0"/>
+              <a:t> </a:t>
+            </a:r>
+            <a:r>
+              <a:rPr lang="en-US" sz="4000" dirty="0" err="1"/>
+              <a:t>cho</a:t>
+            </a:r>
+            <a:r>
+              <a:rPr lang="en-US" sz="4000" dirty="0"/>
+              <a:t> ng</a:t>
+            </a:r>
+            <a:r>
+              <a:rPr lang="vi-VN" sz="4000" dirty="0"/>
+              <a:t>ư</a:t>
+            </a:r>
+            <a:r>
+              <a:rPr lang="en-US" sz="4000" dirty="0" err="1"/>
+              <a:t>ời</a:t>
+            </a:r>
+            <a:r>
+              <a:rPr lang="en-US" sz="4000" dirty="0"/>
+              <a:t> </a:t>
+            </a:r>
+            <a:r>
+              <a:rPr lang="en-US" sz="4000" dirty="0" err="1"/>
+              <a:t>dùng</a:t>
+            </a:r>
+            <a:endParaRPr lang="en-US" sz="4000" dirty="0"/>
           </a:p>
         </p:txBody>
       </p:sp>
@@ -4450,23 +7700,7 @@
             </a:r>
             <a:r>
               <a:rPr lang="en-US" dirty="0" err="1"/>
-              <a:t>Tổ</a:t>
-            </a:r>
-            <a:r>
-              <a:rPr lang="en-US" dirty="0"/>
-              <a:t> </a:t>
-            </a:r>
-            <a:r>
-              <a:rPr lang="en-US" dirty="0" err="1"/>
-              <a:t>chức</a:t>
-            </a:r>
-            <a:r>
-              <a:rPr lang="en-US" dirty="0"/>
-              <a:t> </a:t>
-            </a:r>
-            <a:r>
-              <a:rPr lang="en-US" dirty="0" err="1"/>
-              <a:t>hệ</a:t>
+              <a:t>Hệ</a:t>
             </a:r>
             <a:r>
               <a:rPr lang="en-US" dirty="0"/>
@@ -4476,99 +7710,24 @@
               <a:rPr lang="en-US" dirty="0" err="1"/>
               <a:t>thống</a:t>
             </a:r>
-            <a:endParaRPr lang="en-US" dirty="0"/>
+            <a:r>
+              <a:rPr lang="en-US" dirty="0"/>
+              <a:t> bao </a:t>
+            </a:r>
+            <a:r>
+              <a:rPr lang="en-US" dirty="0" err="1"/>
+              <a:t>gồm</a:t>
+            </a:r>
+            <a:r>
+              <a:rPr lang="en-US" dirty="0"/>
+              <a:t>: </a:t>
+            </a:r>
           </a:p>
         </p:txBody>
       </p:sp>
       <p:sp>
         <p:nvSpPr>
-          <p:cNvPr id="4" name="Rectangle 3"/>
-          <p:cNvSpPr/>
-          <p:nvPr/>
-        </p:nvSpPr>
-        <p:spPr>
-          <a:xfrm>
-            <a:off x="5123936" y="3622073"/>
-            <a:ext cx="1449859" cy="1334530"/>
-          </a:xfrm>
-          <a:prstGeom prst="rect">
-            <a:avLst/>
-          </a:prstGeom>
-        </p:spPr>
-        <p:style>
-          <a:lnRef idx="2">
-            <a:schemeClr val="accent1">
-              <a:shade val="50000"/>
-            </a:schemeClr>
-          </a:lnRef>
-          <a:fillRef idx="1">
-            <a:schemeClr val="accent1"/>
-          </a:fillRef>
-          <a:effectRef idx="0">
-            <a:schemeClr val="accent1"/>
-          </a:effectRef>
-          <a:fontRef idx="minor">
-            <a:schemeClr val="lt1"/>
-          </a:fontRef>
-        </p:style>
-        <p:txBody>
-          <a:bodyPr rtlCol="0" anchor="ctr"/>
-          <a:lstStyle/>
-          <a:p>
-            <a:pPr algn="ctr"/>
-            <a:r>
-              <a:rPr lang="en-US" dirty="0"/>
-              <a:t>ROOT</a:t>
-            </a:r>
-          </a:p>
-        </p:txBody>
-      </p:sp>
-      <p:sp>
-        <p:nvSpPr>
-          <p:cNvPr id="5" name="Oval 4"/>
-          <p:cNvSpPr/>
-          <p:nvPr/>
-        </p:nvSpPr>
-        <p:spPr>
-          <a:xfrm>
-            <a:off x="1507524" y="1603288"/>
-            <a:ext cx="1491048" cy="1136822"/>
-          </a:xfrm>
-          <a:prstGeom prst="ellipse">
-            <a:avLst/>
-          </a:prstGeom>
-        </p:spPr>
-        <p:style>
-          <a:lnRef idx="2">
-            <a:schemeClr val="accent1">
-              <a:shade val="50000"/>
-            </a:schemeClr>
-          </a:lnRef>
-          <a:fillRef idx="1">
-            <a:schemeClr val="accent1"/>
-          </a:fillRef>
-          <a:effectRef idx="0">
-            <a:schemeClr val="accent1"/>
-          </a:effectRef>
-          <a:fontRef idx="minor">
-            <a:schemeClr val="lt1"/>
-          </a:fontRef>
-        </p:style>
-        <p:txBody>
-          <a:bodyPr rtlCol="0" anchor="ctr"/>
-          <a:lstStyle/>
-          <a:p>
-            <a:pPr algn="ctr"/>
-            <a:r>
-              <a:rPr lang="en-US" dirty="0"/>
-              <a:t>Server</a:t>
-            </a:r>
-          </a:p>
-        </p:txBody>
-      </p:sp>
-      <p:sp>
-        <p:nvSpPr>
-          <p:cNvPr id="6" name="Content Placeholder 5"/>
+          <p:cNvPr id="3" name="Content Placeholder 2"/>
           <p:cNvSpPr>
             <a:spLocks noGrp="1"/>
           </p:cNvSpPr>
@@ -4576,299 +7735,28 @@
             <p:ph idx="1"/>
           </p:nvPr>
         </p:nvSpPr>
-        <p:spPr>
-          <a:xfrm>
-            <a:off x="1507524" y="2937303"/>
-            <a:ext cx="1491048" cy="1078127"/>
-          </a:xfrm>
-          <a:prstGeom prst="ellipse">
-            <a:avLst/>
-          </a:prstGeom>
-        </p:spPr>
-        <p:style>
-          <a:lnRef idx="2">
-            <a:schemeClr val="accent1">
-              <a:shade val="50000"/>
-            </a:schemeClr>
-          </a:lnRef>
-          <a:fillRef idx="1">
-            <a:schemeClr val="accent1"/>
-          </a:fillRef>
-          <a:effectRef idx="0">
-            <a:schemeClr val="accent1"/>
-          </a:effectRef>
-          <a:fontRef idx="minor">
-            <a:schemeClr val="lt1"/>
-          </a:fontRef>
-        </p:style>
+        <p:spPr/>
         <p:txBody>
-          <a:bodyPr rtlCol="0" anchor="ctr"/>
+          <a:bodyPr>
+            <a:normAutofit/>
+          </a:bodyPr>
           <a:lstStyle/>
           <a:p>
-            <a:pPr marL="0" indent="0" algn="ctr">
-              <a:buNone/>
-            </a:pPr>
-            <a:r>
-              <a:rPr lang="en-US" dirty="0"/>
-              <a:t>Server</a:t>
-            </a:r>
-          </a:p>
-        </p:txBody>
-      </p:sp>
-      <p:sp>
-        <p:nvSpPr>
-          <p:cNvPr id="7" name="Oval 6"/>
-          <p:cNvSpPr/>
-          <p:nvPr/>
-        </p:nvSpPr>
-        <p:spPr>
-          <a:xfrm>
-            <a:off x="1507524" y="4212623"/>
-            <a:ext cx="1491048" cy="1136822"/>
-          </a:xfrm>
-          <a:prstGeom prst="ellipse">
-            <a:avLst/>
-          </a:prstGeom>
-        </p:spPr>
-        <p:style>
-          <a:lnRef idx="2">
-            <a:schemeClr val="accent1">
-              <a:shade val="50000"/>
-            </a:schemeClr>
-          </a:lnRef>
-          <a:fillRef idx="1">
-            <a:schemeClr val="accent1"/>
-          </a:fillRef>
-          <a:effectRef idx="0">
-            <a:schemeClr val="accent1"/>
-          </a:effectRef>
-          <a:fontRef idx="minor">
-            <a:schemeClr val="lt1"/>
-          </a:fontRef>
-        </p:style>
-        <p:txBody>
-          <a:bodyPr rtlCol="0" anchor="ctr"/>
-          <a:lstStyle/>
-          <a:p>
-            <a:pPr algn="ctr"/>
-            <a:r>
-              <a:rPr lang="en-US" dirty="0"/>
-              <a:t>Server</a:t>
-            </a:r>
-          </a:p>
-        </p:txBody>
-      </p:sp>
-      <p:sp>
-        <p:nvSpPr>
-          <p:cNvPr id="8" name="Oval 7"/>
-          <p:cNvSpPr/>
-          <p:nvPr/>
-        </p:nvSpPr>
-        <p:spPr>
-          <a:xfrm>
-            <a:off x="1507524" y="5448299"/>
-            <a:ext cx="1491048" cy="1136822"/>
-          </a:xfrm>
-          <a:prstGeom prst="ellipse">
-            <a:avLst/>
-          </a:prstGeom>
-        </p:spPr>
-        <p:style>
-          <a:lnRef idx="2">
-            <a:schemeClr val="accent1">
-              <a:shade val="50000"/>
-            </a:schemeClr>
-          </a:lnRef>
-          <a:fillRef idx="1">
-            <a:schemeClr val="accent1"/>
-          </a:fillRef>
-          <a:effectRef idx="0">
-            <a:schemeClr val="accent1"/>
-          </a:effectRef>
-          <a:fontRef idx="minor">
-            <a:schemeClr val="lt1"/>
-          </a:fontRef>
-        </p:style>
-        <p:txBody>
-          <a:bodyPr rtlCol="0" anchor="ctr"/>
-          <a:lstStyle/>
-          <a:p>
-            <a:pPr algn="ctr"/>
-            <a:r>
-              <a:rPr lang="en-US" dirty="0"/>
-              <a:t>Server</a:t>
-            </a:r>
-          </a:p>
-        </p:txBody>
-      </p:sp>
-      <p:sp>
-        <p:nvSpPr>
-          <p:cNvPr id="9" name="Rectangle: Rounded Corners 8"/>
-          <p:cNvSpPr/>
-          <p:nvPr/>
-        </p:nvSpPr>
-        <p:spPr>
-          <a:xfrm>
-            <a:off x="8835082" y="2519232"/>
-            <a:ext cx="1301578" cy="568411"/>
-          </a:xfrm>
-          <a:prstGeom prst="roundRect">
-            <a:avLst/>
-          </a:prstGeom>
-        </p:spPr>
-        <p:style>
-          <a:lnRef idx="2">
-            <a:schemeClr val="accent1">
-              <a:shade val="50000"/>
-            </a:schemeClr>
-          </a:lnRef>
-          <a:fillRef idx="1">
-            <a:schemeClr val="accent1"/>
-          </a:fillRef>
-          <a:effectRef idx="0">
-            <a:schemeClr val="accent1"/>
-          </a:effectRef>
-          <a:fontRef idx="minor">
-            <a:schemeClr val="lt1"/>
-          </a:fontRef>
-        </p:style>
-        <p:txBody>
-          <a:bodyPr rtlCol="0" anchor="ctr"/>
-          <a:lstStyle/>
-          <a:p>
-            <a:pPr algn="ctr"/>
-            <a:r>
-              <a:rPr lang="en-US" dirty="0"/>
-              <a:t>Client</a:t>
-            </a:r>
-          </a:p>
-        </p:txBody>
-      </p:sp>
-      <p:sp>
-        <p:nvSpPr>
-          <p:cNvPr id="11" name="Rectangle: Rounded Corners 10"/>
-          <p:cNvSpPr/>
-          <p:nvPr/>
-        </p:nvSpPr>
-        <p:spPr>
-          <a:xfrm>
-            <a:off x="8835082" y="4691447"/>
-            <a:ext cx="1301578" cy="568411"/>
-          </a:xfrm>
-          <a:prstGeom prst="roundRect">
-            <a:avLst/>
-          </a:prstGeom>
-        </p:spPr>
-        <p:style>
-          <a:lnRef idx="2">
-            <a:schemeClr val="accent1">
-              <a:shade val="50000"/>
-            </a:schemeClr>
-          </a:lnRef>
-          <a:fillRef idx="1">
-            <a:schemeClr val="accent1"/>
-          </a:fillRef>
-          <a:effectRef idx="0">
-            <a:schemeClr val="accent1"/>
-          </a:effectRef>
-          <a:fontRef idx="minor">
-            <a:schemeClr val="lt1"/>
-          </a:fontRef>
-        </p:style>
-        <p:txBody>
-          <a:bodyPr rtlCol="0" anchor="ctr"/>
-          <a:lstStyle/>
-          <a:p>
-            <a:pPr algn="ctr"/>
-            <a:r>
-              <a:rPr lang="en-US" dirty="0"/>
-              <a:t>Client</a:t>
-            </a:r>
-          </a:p>
-        </p:txBody>
-      </p:sp>
-      <p:sp>
-        <p:nvSpPr>
-          <p:cNvPr id="12" name="Rectangle: Rounded Corners 11"/>
-          <p:cNvSpPr/>
-          <p:nvPr/>
-        </p:nvSpPr>
-        <p:spPr>
-          <a:xfrm>
-            <a:off x="8835082" y="5672779"/>
-            <a:ext cx="1301578" cy="568411"/>
-          </a:xfrm>
-          <a:prstGeom prst="roundRect">
-            <a:avLst/>
-          </a:prstGeom>
-        </p:spPr>
-        <p:style>
-          <a:lnRef idx="2">
-            <a:schemeClr val="accent1">
-              <a:shade val="50000"/>
-            </a:schemeClr>
-          </a:lnRef>
-          <a:fillRef idx="1">
-            <a:schemeClr val="accent1"/>
-          </a:fillRef>
-          <a:effectRef idx="0">
-            <a:schemeClr val="accent1"/>
-          </a:effectRef>
-          <a:fontRef idx="minor">
-            <a:schemeClr val="lt1"/>
-          </a:fontRef>
-        </p:style>
-        <p:txBody>
-          <a:bodyPr rtlCol="0" anchor="ctr"/>
-          <a:lstStyle/>
-          <a:p>
-            <a:pPr algn="ctr"/>
-            <a:r>
-              <a:rPr lang="en-US" dirty="0"/>
-              <a:t>Client</a:t>
-            </a:r>
-          </a:p>
-        </p:txBody>
-      </p:sp>
-      <p:sp>
-        <p:nvSpPr>
-          <p:cNvPr id="13" name="Rectangle: Rounded Corners 12"/>
-          <p:cNvSpPr/>
-          <p:nvPr/>
-        </p:nvSpPr>
-        <p:spPr>
-          <a:xfrm>
-            <a:off x="8835082" y="3644212"/>
-            <a:ext cx="1301578" cy="568411"/>
-          </a:xfrm>
-          <a:prstGeom prst="roundRect">
-            <a:avLst/>
-          </a:prstGeom>
-        </p:spPr>
-        <p:style>
-          <a:lnRef idx="2">
-            <a:schemeClr val="accent1">
-              <a:shade val="50000"/>
-            </a:schemeClr>
-          </a:lnRef>
-          <a:fillRef idx="1">
-            <a:schemeClr val="accent1"/>
-          </a:fillRef>
-          <a:effectRef idx="0">
-            <a:schemeClr val="accent1"/>
-          </a:effectRef>
-          <a:fontRef idx="minor">
-            <a:schemeClr val="lt1"/>
-          </a:fontRef>
-        </p:style>
-        <p:txBody>
-          <a:bodyPr rtlCol="0" anchor="ctr"/>
-          <a:lstStyle/>
-          <a:p>
-            <a:pPr algn="ctr"/>
-            <a:r>
-              <a:rPr lang="en-US" dirty="0"/>
-              <a:t>Client</a:t>
+            <a:r>
+              <a:rPr lang="en-US" sz="4400" dirty="0"/>
+              <a:t>Root server</a:t>
+            </a:r>
+          </a:p>
+          <a:p>
+            <a:r>
+              <a:rPr lang="en-US" sz="4400" dirty="0"/>
+              <a:t>Servers</a:t>
+            </a:r>
+          </a:p>
+          <a:p>
+            <a:r>
+              <a:rPr lang="en-US" sz="4400" dirty="0"/>
+              <a:t>Clients</a:t>
             </a:r>
           </a:p>
         </p:txBody>
@@ -4876,7 +7764,7 @@
     </p:spTree>
     <p:extLst>
       <p:ext uri="{BB962C8B-B14F-4D97-AF65-F5344CB8AC3E}">
-        <p14:creationId xmlns:p14="http://schemas.microsoft.com/office/powerpoint/2010/main" val="895001217"/>
+        <p14:creationId xmlns:p14="http://schemas.microsoft.com/office/powerpoint/2010/main" val="4259111063"/>
       </p:ext>
     </p:extLst>
   </p:cSld>
@@ -4915,122 +7803,25 @@
         </p:nvSpPr>
         <p:spPr/>
         <p:txBody>
-          <a:bodyPr/>
+          <a:bodyPr>
+            <a:normAutofit/>
+          </a:bodyPr>
           <a:lstStyle/>
           <a:p>
-            <a:r>
-              <a:rPr lang="en-US" dirty="0" err="1"/>
-              <a:t>Cách</a:t>
-            </a:r>
-            <a:r>
-              <a:rPr lang="en-US" dirty="0"/>
-              <a:t> </a:t>
-            </a:r>
-            <a:r>
-              <a:rPr lang="en-US" dirty="0" err="1"/>
-              <a:t>hoạt</a:t>
-            </a:r>
-            <a:r>
-              <a:rPr lang="en-US" dirty="0"/>
-              <a:t> </a:t>
-            </a:r>
-            <a:r>
-              <a:rPr lang="en-US" dirty="0" err="1"/>
-              <a:t>động</a:t>
-            </a:r>
-            <a:endParaRPr lang="en-US" dirty="0"/>
+            <a:pPr marL="571500" indent="-571500">
+              <a:buFont typeface="Wingdings" panose="05000000000000000000" pitchFamily="2" charset="2"/>
+              <a:buChar char="§"/>
+            </a:pPr>
+            <a:r>
+              <a:rPr lang="en-US" sz="6000" dirty="0"/>
+              <a:t>Root server</a:t>
+            </a:r>
           </a:p>
         </p:txBody>
       </p:sp>
       <p:sp>
         <p:nvSpPr>
-          <p:cNvPr id="4" name="Rectangle 3"/>
-          <p:cNvSpPr/>
-          <p:nvPr/>
-        </p:nvSpPr>
-        <p:spPr>
-          <a:xfrm>
-            <a:off x="5123936" y="3622073"/>
-            <a:ext cx="1449859" cy="1334530"/>
-          </a:xfrm>
-          <a:prstGeom prst="rect">
-            <a:avLst/>
-          </a:prstGeom>
-        </p:spPr>
-        <p:style>
-          <a:lnRef idx="2">
-            <a:schemeClr val="accent1">
-              <a:shade val="50000"/>
-            </a:schemeClr>
-          </a:lnRef>
-          <a:fillRef idx="1">
-            <a:schemeClr val="accent1"/>
-          </a:fillRef>
-          <a:effectRef idx="0">
-            <a:schemeClr val="accent1"/>
-          </a:effectRef>
-          <a:fontRef idx="minor">
-            <a:schemeClr val="lt1"/>
-          </a:fontRef>
-        </p:style>
-        <p:txBody>
-          <a:bodyPr rtlCol="0" anchor="ctr"/>
-          <a:lstStyle/>
-          <a:p>
-            <a:pPr algn="ctr"/>
-            <a:r>
-              <a:rPr lang="en-US" dirty="0"/>
-              <a:t>ROOT</a:t>
-            </a:r>
-          </a:p>
-        </p:txBody>
-      </p:sp>
-      <p:sp>
-        <p:nvSpPr>
-          <p:cNvPr id="5" name="Oval 4"/>
-          <p:cNvSpPr/>
-          <p:nvPr/>
-        </p:nvSpPr>
-        <p:spPr>
-          <a:xfrm>
-            <a:off x="1507524" y="1603288"/>
-            <a:ext cx="1491048" cy="1136822"/>
-          </a:xfrm>
-          <a:prstGeom prst="ellipse">
-            <a:avLst/>
-          </a:prstGeom>
-        </p:spPr>
-        <p:style>
-          <a:lnRef idx="2">
-            <a:schemeClr val="accent1">
-              <a:shade val="50000"/>
-            </a:schemeClr>
-          </a:lnRef>
-          <a:fillRef idx="1">
-            <a:schemeClr val="accent1"/>
-          </a:fillRef>
-          <a:effectRef idx="0">
-            <a:schemeClr val="accent1"/>
-          </a:effectRef>
-          <a:fontRef idx="minor">
-            <a:schemeClr val="lt1"/>
-          </a:fontRef>
-        </p:style>
-        <p:txBody>
-          <a:bodyPr rtlCol="0" anchor="ctr"/>
-          <a:lstStyle/>
-          <a:p>
-            <a:pPr algn="ctr"/>
-            <a:r>
-              <a:rPr lang="en-US" dirty="0"/>
-              <a:t>Server</a:t>
-            </a:r>
-          </a:p>
-        </p:txBody>
-      </p:sp>
-      <p:sp>
-        <p:nvSpPr>
-          <p:cNvPr id="6" name="Content Placeholder 5"/>
+          <p:cNvPr id="3" name="Content Placeholder 2"/>
           <p:cNvSpPr>
             <a:spLocks noGrp="1"/>
           </p:cNvSpPr>
@@ -5038,652 +7829,219 @@
             <p:ph idx="1"/>
           </p:nvPr>
         </p:nvSpPr>
-        <p:spPr>
-          <a:xfrm>
-            <a:off x="1507524" y="2937303"/>
-            <a:ext cx="1491048" cy="1078127"/>
-          </a:xfrm>
-          <a:prstGeom prst="ellipse">
-            <a:avLst/>
-          </a:prstGeom>
-        </p:spPr>
-        <p:style>
-          <a:lnRef idx="2">
-            <a:schemeClr val="accent1">
-              <a:shade val="50000"/>
-            </a:schemeClr>
-          </a:lnRef>
-          <a:fillRef idx="1">
-            <a:schemeClr val="accent1"/>
-          </a:fillRef>
-          <a:effectRef idx="0">
-            <a:schemeClr val="accent1"/>
-          </a:effectRef>
-          <a:fontRef idx="minor">
-            <a:schemeClr val="lt1"/>
-          </a:fontRef>
-        </p:style>
+        <p:spPr/>
         <p:txBody>
-          <a:bodyPr rtlCol="0" anchor="ctr"/>
+          <a:bodyPr>
+            <a:normAutofit/>
+          </a:bodyPr>
           <a:lstStyle/>
           <a:p>
-            <a:pPr marL="0" indent="0" algn="ctr">
+            <a:pPr marL="0" indent="0">
               <a:buNone/>
             </a:pPr>
             <a:r>
-              <a:rPr lang="en-US" dirty="0"/>
-              <a:t>Server</a:t>
-            </a:r>
+              <a:rPr lang="en-US" sz="4400" dirty="0"/>
+              <a:t> - </a:t>
+            </a:r>
+            <a:r>
+              <a:rPr lang="en-US" sz="4400" dirty="0" err="1"/>
+              <a:t>Quản</a:t>
+            </a:r>
+            <a:r>
+              <a:rPr lang="en-US" sz="4400" dirty="0"/>
+              <a:t> </a:t>
+            </a:r>
+            <a:r>
+              <a:rPr lang="en-US" sz="4400" dirty="0" err="1"/>
+              <a:t>lí</a:t>
+            </a:r>
+            <a:r>
+              <a:rPr lang="en-US" sz="4400" dirty="0"/>
+              <a:t> </a:t>
+            </a:r>
+            <a:r>
+              <a:rPr lang="en-US" sz="4400" dirty="0" err="1"/>
+              <a:t>các</a:t>
+            </a:r>
+            <a:r>
+              <a:rPr lang="en-US" sz="4400" dirty="0"/>
+              <a:t> servers</a:t>
+            </a:r>
+          </a:p>
+          <a:p>
+            <a:pPr marL="0" indent="0">
+              <a:buNone/>
+            </a:pPr>
+            <a:r>
+              <a:rPr lang="en-US" sz="4400" dirty="0"/>
+              <a:t> - </a:t>
+            </a:r>
+            <a:r>
+              <a:rPr lang="en-US" sz="4400" dirty="0" err="1"/>
+              <a:t>Kiểm</a:t>
+            </a:r>
+            <a:r>
+              <a:rPr lang="en-US" sz="4400" dirty="0"/>
+              <a:t> </a:t>
+            </a:r>
+            <a:r>
+              <a:rPr lang="en-US" sz="4400" dirty="0" err="1"/>
+              <a:t>tra</a:t>
+            </a:r>
+            <a:r>
+              <a:rPr lang="en-US" sz="4400" dirty="0"/>
+              <a:t> </a:t>
+            </a:r>
+            <a:r>
+              <a:rPr lang="en-US" sz="4400" dirty="0" err="1"/>
+              <a:t>xem</a:t>
+            </a:r>
+            <a:r>
+              <a:rPr lang="en-US" sz="4400" dirty="0"/>
+              <a:t> </a:t>
+            </a:r>
+            <a:r>
+              <a:rPr lang="en-US" sz="4400" dirty="0" err="1"/>
+              <a:t>các</a:t>
+            </a:r>
+            <a:r>
+              <a:rPr lang="en-US" sz="4400" dirty="0"/>
+              <a:t> servers </a:t>
+            </a:r>
+            <a:r>
+              <a:rPr lang="en-US" sz="4400" dirty="0" err="1"/>
+              <a:t>còn</a:t>
+            </a:r>
+            <a:r>
+              <a:rPr lang="en-US" sz="4400" dirty="0"/>
+              <a:t> available </a:t>
+            </a:r>
+            <a:r>
+              <a:rPr lang="en-US" sz="4400" dirty="0" err="1"/>
+              <a:t>không</a:t>
+            </a:r>
+            <a:endParaRPr lang="en-US" sz="4400" dirty="0"/>
+          </a:p>
+          <a:p>
+            <a:pPr marL="0" indent="0">
+              <a:buNone/>
+            </a:pPr>
+            <a:r>
+              <a:rPr lang="en-US" sz="4400" dirty="0"/>
+              <a:t> - </a:t>
+            </a:r>
+            <a:r>
+              <a:rPr lang="en-US" sz="4400" dirty="0" err="1"/>
+              <a:t>Khi</a:t>
+            </a:r>
+            <a:r>
+              <a:rPr lang="en-US" sz="4400" dirty="0"/>
+              <a:t> clients </a:t>
+            </a:r>
+            <a:r>
+              <a:rPr lang="en-US" sz="4400" dirty="0" err="1"/>
+              <a:t>yêu</a:t>
+            </a:r>
+            <a:r>
+              <a:rPr lang="en-US" sz="4400" dirty="0"/>
+              <a:t> </a:t>
+            </a:r>
+            <a:r>
+              <a:rPr lang="en-US" sz="4400" dirty="0" err="1"/>
+              <a:t>cầu</a:t>
+            </a:r>
+            <a:r>
+              <a:rPr lang="en-US" sz="4400" dirty="0"/>
+              <a:t> </a:t>
+            </a:r>
+            <a:r>
+              <a:rPr lang="en-US" sz="4400" dirty="0" err="1"/>
+              <a:t>kết</a:t>
+            </a:r>
+            <a:r>
+              <a:rPr lang="en-US" sz="4400" dirty="0"/>
+              <a:t> </a:t>
+            </a:r>
+            <a:r>
+              <a:rPr lang="en-US" sz="4400" dirty="0" err="1"/>
+              <a:t>nối</a:t>
+            </a:r>
+            <a:r>
+              <a:rPr lang="en-US" sz="4400" dirty="0"/>
+              <a:t> </a:t>
+            </a:r>
+            <a:r>
+              <a:rPr lang="en-US" sz="4400" dirty="0" err="1"/>
+              <a:t>thì</a:t>
+            </a:r>
+            <a:r>
+              <a:rPr lang="en-US" sz="4400" dirty="0"/>
+              <a:t> </a:t>
+            </a:r>
+            <a:r>
+              <a:rPr lang="en-US" sz="4400" dirty="0" err="1"/>
+              <a:t>sẽ</a:t>
+            </a:r>
+            <a:r>
+              <a:rPr lang="en-US" sz="4400" dirty="0"/>
+              <a:t> </a:t>
+            </a:r>
+            <a:r>
+              <a:rPr lang="en-US" sz="4400" dirty="0" err="1"/>
+              <a:t>trả</a:t>
+            </a:r>
+            <a:r>
+              <a:rPr lang="en-US" sz="4400" dirty="0"/>
+              <a:t> </a:t>
+            </a:r>
+            <a:r>
+              <a:rPr lang="en-US" sz="4400" dirty="0" err="1"/>
+              <a:t>về</a:t>
+            </a:r>
+            <a:r>
+              <a:rPr lang="en-US" sz="4400" dirty="0"/>
+              <a:t> server </a:t>
+            </a:r>
+            <a:r>
+              <a:rPr lang="en-US" sz="4400" dirty="0" err="1"/>
+              <a:t>đang</a:t>
+            </a:r>
+            <a:r>
+              <a:rPr lang="en-US" sz="4400" dirty="0"/>
+              <a:t> </a:t>
+            </a:r>
+            <a:r>
+              <a:rPr lang="en-US" sz="4400" dirty="0" err="1"/>
+              <a:t>còn</a:t>
+            </a:r>
+            <a:r>
+              <a:rPr lang="en-US" sz="4400" dirty="0"/>
+              <a:t> </a:t>
+            </a:r>
+            <a:r>
+              <a:rPr lang="en-US" sz="4400" dirty="0" err="1"/>
+              <a:t>trống</a:t>
+            </a:r>
+            <a:endParaRPr lang="en-US" sz="4400" dirty="0"/>
+          </a:p>
+          <a:p>
+            <a:pPr marL="0" indent="0">
+              <a:buNone/>
+            </a:pPr>
+            <a:endParaRPr lang="en-US" sz="4400" dirty="0"/>
+          </a:p>
+          <a:p>
+            <a:pPr marL="0" indent="0">
+              <a:buNone/>
+            </a:pPr>
+            <a:endParaRPr lang="en-US" sz="4400" dirty="0"/>
           </a:p>
         </p:txBody>
       </p:sp>
-      <p:sp>
-        <p:nvSpPr>
-          <p:cNvPr id="7" name="Oval 6"/>
-          <p:cNvSpPr/>
-          <p:nvPr/>
-        </p:nvSpPr>
-        <p:spPr>
-          <a:xfrm>
-            <a:off x="1507524" y="4212623"/>
-            <a:ext cx="1491048" cy="1136822"/>
-          </a:xfrm>
-          <a:prstGeom prst="ellipse">
-            <a:avLst/>
-          </a:prstGeom>
-        </p:spPr>
-        <p:style>
-          <a:lnRef idx="2">
-            <a:schemeClr val="accent1">
-              <a:shade val="50000"/>
-            </a:schemeClr>
-          </a:lnRef>
-          <a:fillRef idx="1">
-            <a:schemeClr val="accent1"/>
-          </a:fillRef>
-          <a:effectRef idx="0">
-            <a:schemeClr val="accent1"/>
-          </a:effectRef>
-          <a:fontRef idx="minor">
-            <a:schemeClr val="lt1"/>
-          </a:fontRef>
-        </p:style>
-        <p:txBody>
-          <a:bodyPr rtlCol="0" anchor="ctr"/>
-          <a:lstStyle/>
-          <a:p>
-            <a:pPr algn="ctr"/>
-            <a:r>
-              <a:rPr lang="en-US" dirty="0"/>
-              <a:t>Server</a:t>
-            </a:r>
-          </a:p>
-        </p:txBody>
-      </p:sp>
-      <p:sp>
-        <p:nvSpPr>
-          <p:cNvPr id="8" name="Oval 7"/>
-          <p:cNvSpPr/>
-          <p:nvPr/>
-        </p:nvSpPr>
-        <p:spPr>
-          <a:xfrm>
-            <a:off x="1507524" y="5448299"/>
-            <a:ext cx="1491048" cy="1136822"/>
-          </a:xfrm>
-          <a:prstGeom prst="ellipse">
-            <a:avLst/>
-          </a:prstGeom>
-        </p:spPr>
-        <p:style>
-          <a:lnRef idx="2">
-            <a:schemeClr val="accent1">
-              <a:shade val="50000"/>
-            </a:schemeClr>
-          </a:lnRef>
-          <a:fillRef idx="1">
-            <a:schemeClr val="accent1"/>
-          </a:fillRef>
-          <a:effectRef idx="0">
-            <a:schemeClr val="accent1"/>
-          </a:effectRef>
-          <a:fontRef idx="minor">
-            <a:schemeClr val="lt1"/>
-          </a:fontRef>
-        </p:style>
-        <p:txBody>
-          <a:bodyPr rtlCol="0" anchor="ctr"/>
-          <a:lstStyle/>
-          <a:p>
-            <a:pPr algn="ctr"/>
-            <a:r>
-              <a:rPr lang="en-US" dirty="0"/>
-              <a:t>Server</a:t>
-            </a:r>
-          </a:p>
-        </p:txBody>
-      </p:sp>
-      <p:sp>
-        <p:nvSpPr>
-          <p:cNvPr id="9" name="Rectangle: Rounded Corners 8"/>
-          <p:cNvSpPr/>
-          <p:nvPr/>
-        </p:nvSpPr>
-        <p:spPr>
-          <a:xfrm>
-            <a:off x="8835082" y="2519232"/>
-            <a:ext cx="1301578" cy="568411"/>
-          </a:xfrm>
-          <a:prstGeom prst="roundRect">
-            <a:avLst/>
-          </a:prstGeom>
-        </p:spPr>
-        <p:style>
-          <a:lnRef idx="2">
-            <a:schemeClr val="accent1">
-              <a:shade val="50000"/>
-            </a:schemeClr>
-          </a:lnRef>
-          <a:fillRef idx="1">
-            <a:schemeClr val="accent1"/>
-          </a:fillRef>
-          <a:effectRef idx="0">
-            <a:schemeClr val="accent1"/>
-          </a:effectRef>
-          <a:fontRef idx="minor">
-            <a:schemeClr val="lt1"/>
-          </a:fontRef>
-        </p:style>
-        <p:txBody>
-          <a:bodyPr rtlCol="0" anchor="ctr"/>
-          <a:lstStyle/>
-          <a:p>
-            <a:pPr algn="ctr"/>
-            <a:r>
-              <a:rPr lang="en-US" dirty="0"/>
-              <a:t>Client</a:t>
-            </a:r>
-          </a:p>
-        </p:txBody>
-      </p:sp>
-      <p:sp>
-        <p:nvSpPr>
-          <p:cNvPr id="11" name="Rectangle: Rounded Corners 10"/>
-          <p:cNvSpPr/>
-          <p:nvPr/>
-        </p:nvSpPr>
-        <p:spPr>
-          <a:xfrm>
-            <a:off x="8835082" y="4691447"/>
-            <a:ext cx="1301578" cy="568411"/>
-          </a:xfrm>
-          <a:prstGeom prst="roundRect">
-            <a:avLst/>
-          </a:prstGeom>
-        </p:spPr>
-        <p:style>
-          <a:lnRef idx="2">
-            <a:schemeClr val="accent1">
-              <a:shade val="50000"/>
-            </a:schemeClr>
-          </a:lnRef>
-          <a:fillRef idx="1">
-            <a:schemeClr val="accent1"/>
-          </a:fillRef>
-          <a:effectRef idx="0">
-            <a:schemeClr val="accent1"/>
-          </a:effectRef>
-          <a:fontRef idx="minor">
-            <a:schemeClr val="lt1"/>
-          </a:fontRef>
-        </p:style>
-        <p:txBody>
-          <a:bodyPr rtlCol="0" anchor="ctr"/>
-          <a:lstStyle/>
-          <a:p>
-            <a:pPr algn="ctr"/>
-            <a:r>
-              <a:rPr lang="en-US" dirty="0"/>
-              <a:t>Client</a:t>
-            </a:r>
-          </a:p>
-        </p:txBody>
-      </p:sp>
-      <p:sp>
-        <p:nvSpPr>
-          <p:cNvPr id="12" name="Rectangle: Rounded Corners 11"/>
-          <p:cNvSpPr/>
-          <p:nvPr/>
-        </p:nvSpPr>
-        <p:spPr>
-          <a:xfrm>
-            <a:off x="8835082" y="5672779"/>
-            <a:ext cx="1301578" cy="568411"/>
-          </a:xfrm>
-          <a:prstGeom prst="roundRect">
-            <a:avLst/>
-          </a:prstGeom>
-        </p:spPr>
-        <p:style>
-          <a:lnRef idx="2">
-            <a:schemeClr val="accent1">
-              <a:shade val="50000"/>
-            </a:schemeClr>
-          </a:lnRef>
-          <a:fillRef idx="1">
-            <a:schemeClr val="accent1"/>
-          </a:fillRef>
-          <a:effectRef idx="0">
-            <a:schemeClr val="accent1"/>
-          </a:effectRef>
-          <a:fontRef idx="minor">
-            <a:schemeClr val="lt1"/>
-          </a:fontRef>
-        </p:style>
-        <p:txBody>
-          <a:bodyPr rtlCol="0" anchor="ctr"/>
-          <a:lstStyle/>
-          <a:p>
-            <a:pPr algn="ctr"/>
-            <a:r>
-              <a:rPr lang="en-US" dirty="0"/>
-              <a:t>Client</a:t>
-            </a:r>
-          </a:p>
-        </p:txBody>
-      </p:sp>
-      <p:sp>
-        <p:nvSpPr>
-          <p:cNvPr id="13" name="Rectangle: Rounded Corners 12"/>
-          <p:cNvSpPr/>
-          <p:nvPr/>
-        </p:nvSpPr>
-        <p:spPr>
-          <a:xfrm>
-            <a:off x="8835082" y="3644212"/>
-            <a:ext cx="1301578" cy="568411"/>
-          </a:xfrm>
-          <a:prstGeom prst="roundRect">
-            <a:avLst/>
-          </a:prstGeom>
-        </p:spPr>
-        <p:style>
-          <a:lnRef idx="2">
-            <a:schemeClr val="accent1">
-              <a:shade val="50000"/>
-            </a:schemeClr>
-          </a:lnRef>
-          <a:fillRef idx="1">
-            <a:schemeClr val="accent1"/>
-          </a:fillRef>
-          <a:effectRef idx="0">
-            <a:schemeClr val="accent1"/>
-          </a:effectRef>
-          <a:fontRef idx="minor">
-            <a:schemeClr val="lt1"/>
-          </a:fontRef>
-        </p:style>
-        <p:txBody>
-          <a:bodyPr rtlCol="0" anchor="ctr"/>
-          <a:lstStyle/>
-          <a:p>
-            <a:pPr algn="ctr"/>
-            <a:r>
-              <a:rPr lang="en-US" dirty="0"/>
-              <a:t>Client</a:t>
-            </a:r>
-          </a:p>
-        </p:txBody>
-      </p:sp>
-      <p:cxnSp>
-        <p:nvCxnSpPr>
-          <p:cNvPr id="10" name="Straight Arrow Connector 9"/>
-          <p:cNvCxnSpPr/>
-          <p:nvPr/>
-        </p:nvCxnSpPr>
-        <p:spPr>
-          <a:xfrm>
-            <a:off x="2899719" y="2519232"/>
-            <a:ext cx="2224217" cy="1286649"/>
-          </a:xfrm>
-          <a:prstGeom prst="straightConnector1">
-            <a:avLst/>
-          </a:prstGeom>
-          <a:ln>
-            <a:tailEnd type="triangle"/>
-          </a:ln>
-        </p:spPr>
-        <p:style>
-          <a:lnRef idx="1">
-            <a:schemeClr val="accent1"/>
-          </a:lnRef>
-          <a:fillRef idx="0">
-            <a:schemeClr val="accent1"/>
-          </a:fillRef>
-          <a:effectRef idx="0">
-            <a:schemeClr val="accent1"/>
-          </a:effectRef>
-          <a:fontRef idx="minor">
-            <a:schemeClr val="tx1"/>
-          </a:fontRef>
-        </p:style>
-      </p:cxnSp>
-      <p:cxnSp>
-        <p:nvCxnSpPr>
-          <p:cNvPr id="15" name="Straight Arrow Connector 14"/>
-          <p:cNvCxnSpPr>
-            <a:endCxn id="4" idx="1"/>
-          </p:cNvCxnSpPr>
-          <p:nvPr/>
-        </p:nvCxnSpPr>
-        <p:spPr>
-          <a:xfrm>
-            <a:off x="2899719" y="3644212"/>
-            <a:ext cx="2224217" cy="645126"/>
-          </a:xfrm>
-          <a:prstGeom prst="straightConnector1">
-            <a:avLst/>
-          </a:prstGeom>
-          <a:ln>
-            <a:tailEnd type="triangle"/>
-          </a:ln>
-        </p:spPr>
-        <p:style>
-          <a:lnRef idx="1">
-            <a:schemeClr val="accent1"/>
-          </a:lnRef>
-          <a:fillRef idx="0">
-            <a:schemeClr val="accent1"/>
-          </a:fillRef>
-          <a:effectRef idx="0">
-            <a:schemeClr val="accent1"/>
-          </a:effectRef>
-          <a:fontRef idx="minor">
-            <a:schemeClr val="tx1"/>
-          </a:fontRef>
-        </p:style>
-      </p:cxnSp>
-      <p:cxnSp>
-        <p:nvCxnSpPr>
-          <p:cNvPr id="17" name="Straight Arrow Connector 16"/>
-          <p:cNvCxnSpPr>
-            <a:stCxn id="7" idx="6"/>
-          </p:cNvCxnSpPr>
-          <p:nvPr/>
-        </p:nvCxnSpPr>
-        <p:spPr>
-          <a:xfrm flipV="1">
-            <a:off x="2998572" y="4448432"/>
-            <a:ext cx="2125364" cy="332602"/>
-          </a:xfrm>
-          <a:prstGeom prst="straightConnector1">
-            <a:avLst/>
-          </a:prstGeom>
-          <a:ln>
-            <a:tailEnd type="triangle"/>
-          </a:ln>
-        </p:spPr>
-        <p:style>
-          <a:lnRef idx="1">
-            <a:schemeClr val="accent1"/>
-          </a:lnRef>
-          <a:fillRef idx="0">
-            <a:schemeClr val="accent1"/>
-          </a:fillRef>
-          <a:effectRef idx="0">
-            <a:schemeClr val="accent1"/>
-          </a:effectRef>
-          <a:fontRef idx="minor">
-            <a:schemeClr val="tx1"/>
-          </a:fontRef>
-        </p:style>
-      </p:cxnSp>
-      <p:cxnSp>
-        <p:nvCxnSpPr>
-          <p:cNvPr id="19" name="Straight Arrow Connector 18"/>
-          <p:cNvCxnSpPr/>
-          <p:nvPr/>
-        </p:nvCxnSpPr>
-        <p:spPr>
-          <a:xfrm flipV="1">
-            <a:off x="2998572" y="4691447"/>
-            <a:ext cx="2125364" cy="1182131"/>
-          </a:xfrm>
-          <a:prstGeom prst="straightConnector1">
-            <a:avLst/>
-          </a:prstGeom>
-          <a:ln>
-            <a:tailEnd type="triangle"/>
-          </a:ln>
-        </p:spPr>
-        <p:style>
-          <a:lnRef idx="1">
-            <a:schemeClr val="accent1"/>
-          </a:lnRef>
-          <a:fillRef idx="0">
-            <a:schemeClr val="accent1"/>
-          </a:fillRef>
-          <a:effectRef idx="0">
-            <a:schemeClr val="accent1"/>
-          </a:effectRef>
-          <a:fontRef idx="minor">
-            <a:schemeClr val="tx1"/>
-          </a:fontRef>
-        </p:style>
-      </p:cxnSp>
-      <p:cxnSp>
-        <p:nvCxnSpPr>
-          <p:cNvPr id="21" name="Straight Arrow Connector 20"/>
-          <p:cNvCxnSpPr/>
-          <p:nvPr/>
-        </p:nvCxnSpPr>
-        <p:spPr>
-          <a:xfrm flipH="1">
-            <a:off x="6573795" y="2937303"/>
-            <a:ext cx="2261287" cy="1078127"/>
-          </a:xfrm>
-          <a:prstGeom prst="straightConnector1">
-            <a:avLst/>
-          </a:prstGeom>
-          <a:ln>
-            <a:tailEnd type="triangle"/>
-          </a:ln>
-        </p:spPr>
-        <p:style>
-          <a:lnRef idx="1">
-            <a:schemeClr val="accent1"/>
-          </a:lnRef>
-          <a:fillRef idx="0">
-            <a:schemeClr val="accent1"/>
-          </a:fillRef>
-          <a:effectRef idx="0">
-            <a:schemeClr val="accent1"/>
-          </a:effectRef>
-          <a:fontRef idx="minor">
-            <a:schemeClr val="tx1"/>
-          </a:fontRef>
-        </p:style>
-      </p:cxnSp>
-      <p:cxnSp>
-        <p:nvCxnSpPr>
-          <p:cNvPr id="23" name="Straight Arrow Connector 22"/>
-          <p:cNvCxnSpPr>
-            <a:stCxn id="13" idx="1"/>
-            <a:endCxn id="4" idx="3"/>
-          </p:cNvCxnSpPr>
-          <p:nvPr/>
-        </p:nvCxnSpPr>
-        <p:spPr>
-          <a:xfrm flipH="1">
-            <a:off x="6573795" y="3928418"/>
-            <a:ext cx="2261287" cy="360920"/>
-          </a:xfrm>
-          <a:prstGeom prst="straightConnector1">
-            <a:avLst/>
-          </a:prstGeom>
-          <a:ln>
-            <a:tailEnd type="triangle"/>
-          </a:ln>
-        </p:spPr>
-        <p:style>
-          <a:lnRef idx="1">
-            <a:schemeClr val="accent1"/>
-          </a:lnRef>
-          <a:fillRef idx="0">
-            <a:schemeClr val="accent1"/>
-          </a:fillRef>
-          <a:effectRef idx="0">
-            <a:schemeClr val="accent1"/>
-          </a:effectRef>
-          <a:fontRef idx="minor">
-            <a:schemeClr val="tx1"/>
-          </a:fontRef>
-        </p:style>
-      </p:cxnSp>
-      <p:cxnSp>
-        <p:nvCxnSpPr>
-          <p:cNvPr id="25" name="Straight Arrow Connector 24"/>
-          <p:cNvCxnSpPr>
-            <a:stCxn id="11" idx="1"/>
-          </p:cNvCxnSpPr>
-          <p:nvPr/>
-        </p:nvCxnSpPr>
-        <p:spPr>
-          <a:xfrm flipH="1" flipV="1">
-            <a:off x="6573795" y="4448432"/>
-            <a:ext cx="2261287" cy="527221"/>
-          </a:xfrm>
-          <a:prstGeom prst="straightConnector1">
-            <a:avLst/>
-          </a:prstGeom>
-          <a:ln>
-            <a:tailEnd type="triangle"/>
-          </a:ln>
-        </p:spPr>
-        <p:style>
-          <a:lnRef idx="1">
-            <a:schemeClr val="accent1"/>
-          </a:lnRef>
-          <a:fillRef idx="0">
-            <a:schemeClr val="accent1"/>
-          </a:fillRef>
-          <a:effectRef idx="0">
-            <a:schemeClr val="accent1"/>
-          </a:effectRef>
-          <a:fontRef idx="minor">
-            <a:schemeClr val="tx1"/>
-          </a:fontRef>
-        </p:style>
-      </p:cxnSp>
-      <p:cxnSp>
-        <p:nvCxnSpPr>
-          <p:cNvPr id="27" name="Straight Arrow Connector 26"/>
-          <p:cNvCxnSpPr>
-            <a:stCxn id="12" idx="1"/>
-          </p:cNvCxnSpPr>
-          <p:nvPr/>
-        </p:nvCxnSpPr>
-        <p:spPr>
-          <a:xfrm flipH="1" flipV="1">
-            <a:off x="6573795" y="4691447"/>
-            <a:ext cx="2261287" cy="1265538"/>
-          </a:xfrm>
-          <a:prstGeom prst="straightConnector1">
-            <a:avLst/>
-          </a:prstGeom>
-          <a:ln>
-            <a:tailEnd type="triangle"/>
-          </a:ln>
-        </p:spPr>
-        <p:style>
-          <a:lnRef idx="1">
-            <a:schemeClr val="accent1"/>
-          </a:lnRef>
-          <a:fillRef idx="0">
-            <a:schemeClr val="accent1"/>
-          </a:fillRef>
-          <a:effectRef idx="0">
-            <a:schemeClr val="accent1"/>
-          </a:effectRef>
-          <a:fontRef idx="minor">
-            <a:schemeClr val="tx1"/>
-          </a:fontRef>
-        </p:style>
-      </p:cxnSp>
-      <p:cxnSp>
-        <p:nvCxnSpPr>
-          <p:cNvPr id="30" name="Straight Arrow Connector 29"/>
-          <p:cNvCxnSpPr>
-            <a:stCxn id="9" idx="1"/>
-          </p:cNvCxnSpPr>
-          <p:nvPr/>
-        </p:nvCxnSpPr>
-        <p:spPr>
-          <a:xfrm flipH="1" flipV="1">
-            <a:off x="2998572" y="1935892"/>
-            <a:ext cx="5836510" cy="867546"/>
-          </a:xfrm>
-          <a:prstGeom prst="straightConnector1">
-            <a:avLst/>
-          </a:prstGeom>
-          <a:ln>
-            <a:tailEnd type="triangle"/>
-          </a:ln>
-        </p:spPr>
-        <p:style>
-          <a:lnRef idx="1">
-            <a:schemeClr val="accent1"/>
-          </a:lnRef>
-          <a:fillRef idx="0">
-            <a:schemeClr val="accent1"/>
-          </a:fillRef>
-          <a:effectRef idx="0">
-            <a:schemeClr val="accent1"/>
-          </a:effectRef>
-          <a:fontRef idx="minor">
-            <a:schemeClr val="tx1"/>
-          </a:fontRef>
-        </p:style>
-      </p:cxnSp>
-      <p:cxnSp>
-        <p:nvCxnSpPr>
-          <p:cNvPr id="32" name="Straight Arrow Connector 31"/>
-          <p:cNvCxnSpPr>
-            <a:stCxn id="12" idx="1"/>
-          </p:cNvCxnSpPr>
-          <p:nvPr/>
-        </p:nvCxnSpPr>
-        <p:spPr>
-          <a:xfrm flipH="1">
-            <a:off x="2899719" y="5956985"/>
-            <a:ext cx="5935363" cy="284205"/>
-          </a:xfrm>
-          <a:prstGeom prst="straightConnector1">
-            <a:avLst/>
-          </a:prstGeom>
-          <a:ln>
-            <a:tailEnd type="triangle"/>
-          </a:ln>
-        </p:spPr>
-        <p:style>
-          <a:lnRef idx="1">
-            <a:schemeClr val="accent1"/>
-          </a:lnRef>
-          <a:fillRef idx="0">
-            <a:schemeClr val="accent1"/>
-          </a:fillRef>
-          <a:effectRef idx="0">
-            <a:schemeClr val="accent1"/>
-          </a:effectRef>
-          <a:fontRef idx="minor">
-            <a:schemeClr val="tx1"/>
-          </a:fontRef>
-        </p:style>
-      </p:cxnSp>
     </p:spTree>
     <p:extLst>
       <p:ext uri="{BB962C8B-B14F-4D97-AF65-F5344CB8AC3E}">
-        <p14:creationId xmlns:p14="http://schemas.microsoft.com/office/powerpoint/2010/main" val="4044149720"/>
+        <p14:creationId xmlns:p14="http://schemas.microsoft.com/office/powerpoint/2010/main" val="3661886684"/>
       </p:ext>
     </p:extLst>
   </p:cSld>
@@ -5722,130 +8080,25 @@
         </p:nvSpPr>
         <p:spPr/>
         <p:txBody>
-          <a:bodyPr/>
+          <a:bodyPr>
+            <a:normAutofit/>
+          </a:bodyPr>
           <a:lstStyle/>
           <a:p>
-            <a:r>
-              <a:rPr lang="en-US" dirty="0" err="1"/>
-              <a:t>Khi</a:t>
-            </a:r>
-            <a:r>
-              <a:rPr lang="en-US" dirty="0"/>
-              <a:t> </a:t>
-            </a:r>
-            <a:r>
-              <a:rPr lang="en-US" dirty="0" err="1"/>
-              <a:t>mất</a:t>
-            </a:r>
-            <a:r>
-              <a:rPr lang="en-US" dirty="0"/>
-              <a:t> </a:t>
-            </a:r>
-            <a:r>
-              <a:rPr lang="en-US" dirty="0" err="1"/>
-              <a:t>kết</a:t>
-            </a:r>
-            <a:r>
-              <a:rPr lang="en-US" dirty="0"/>
-              <a:t> </a:t>
-            </a:r>
-            <a:r>
-              <a:rPr lang="en-US" dirty="0" err="1"/>
-              <a:t>nối</a:t>
-            </a:r>
-            <a:endParaRPr lang="en-US" dirty="0"/>
+            <a:pPr marL="571500" indent="-571500">
+              <a:buFont typeface="Wingdings" panose="05000000000000000000" pitchFamily="2" charset="2"/>
+              <a:buChar char="§"/>
+            </a:pPr>
+            <a:r>
+              <a:rPr lang="en-US" sz="6000" dirty="0"/>
+              <a:t>Servers</a:t>
+            </a:r>
           </a:p>
         </p:txBody>
       </p:sp>
       <p:sp>
         <p:nvSpPr>
-          <p:cNvPr id="4" name="Rectangle 3"/>
-          <p:cNvSpPr/>
-          <p:nvPr/>
-        </p:nvSpPr>
-        <p:spPr>
-          <a:xfrm>
-            <a:off x="5123936" y="3622073"/>
-            <a:ext cx="1449859" cy="1334530"/>
-          </a:xfrm>
-          <a:prstGeom prst="rect">
-            <a:avLst/>
-          </a:prstGeom>
-        </p:spPr>
-        <p:style>
-          <a:lnRef idx="2">
-            <a:schemeClr val="accent1">
-              <a:shade val="50000"/>
-            </a:schemeClr>
-          </a:lnRef>
-          <a:fillRef idx="1">
-            <a:schemeClr val="accent1"/>
-          </a:fillRef>
-          <a:effectRef idx="0">
-            <a:schemeClr val="accent1"/>
-          </a:effectRef>
-          <a:fontRef idx="minor">
-            <a:schemeClr val="lt1"/>
-          </a:fontRef>
-        </p:style>
-        <p:txBody>
-          <a:bodyPr rtlCol="0" anchor="ctr"/>
-          <a:lstStyle/>
-          <a:p>
-            <a:pPr algn="ctr"/>
-            <a:r>
-              <a:rPr lang="en-US" dirty="0"/>
-              <a:t>ROOT</a:t>
-            </a:r>
-          </a:p>
-        </p:txBody>
-      </p:sp>
-      <p:sp>
-        <p:nvSpPr>
-          <p:cNvPr id="5" name="Oval 4"/>
-          <p:cNvSpPr/>
-          <p:nvPr/>
-        </p:nvSpPr>
-        <p:spPr>
-          <a:xfrm>
-            <a:off x="1441621" y="2171700"/>
-            <a:ext cx="1491048" cy="1136822"/>
-          </a:xfrm>
-          <a:prstGeom prst="ellipse">
-            <a:avLst/>
-          </a:prstGeom>
-        </p:spPr>
-        <p:style>
-          <a:lnRef idx="2">
-            <a:schemeClr val="accent1">
-              <a:shade val="50000"/>
-            </a:schemeClr>
-          </a:lnRef>
-          <a:fillRef idx="1">
-            <a:schemeClr val="accent1"/>
-          </a:fillRef>
-          <a:effectRef idx="0">
-            <a:schemeClr val="accent1"/>
-          </a:effectRef>
-          <a:fontRef idx="minor">
-            <a:schemeClr val="lt1"/>
-          </a:fontRef>
-        </p:style>
-        <p:txBody>
-          <a:bodyPr rtlCol="0" anchor="ctr"/>
-          <a:lstStyle/>
-          <a:p>
-            <a:pPr algn="ctr"/>
-            <a:r>
-              <a:rPr lang="en-US" dirty="0"/>
-              <a:t>Server A</a:t>
-            </a:r>
-          </a:p>
-        </p:txBody>
-      </p:sp>
-      <p:sp>
-        <p:nvSpPr>
-          <p:cNvPr id="6" name="Content Placeholder 5"/>
+          <p:cNvPr id="3" name="Content Placeholder 2"/>
           <p:cNvSpPr>
             <a:spLocks noGrp="1"/>
           </p:cNvSpPr>
@@ -5853,205 +8106,245 @@
             <p:ph idx="1"/>
           </p:nvPr>
         </p:nvSpPr>
-        <p:spPr>
-          <a:xfrm>
-            <a:off x="1441621" y="5133715"/>
-            <a:ext cx="1491048" cy="1078127"/>
-          </a:xfrm>
-          <a:prstGeom prst="ellipse">
-            <a:avLst/>
-          </a:prstGeom>
-        </p:spPr>
-        <p:style>
-          <a:lnRef idx="2">
-            <a:schemeClr val="accent1">
-              <a:shade val="50000"/>
-            </a:schemeClr>
-          </a:lnRef>
-          <a:fillRef idx="1">
-            <a:schemeClr val="accent1"/>
-          </a:fillRef>
-          <a:effectRef idx="0">
-            <a:schemeClr val="accent1"/>
-          </a:effectRef>
-          <a:fontRef idx="minor">
-            <a:schemeClr val="lt1"/>
-          </a:fontRef>
-        </p:style>
+        <p:spPr/>
         <p:txBody>
-          <a:bodyPr rtlCol="0" anchor="ctr"/>
+          <a:bodyPr>
+            <a:normAutofit/>
+          </a:bodyPr>
           <a:lstStyle/>
           <a:p>
-            <a:pPr marL="0" indent="0" algn="ctr">
+            <a:pPr marL="0" indent="0">
               <a:buNone/>
             </a:pPr>
             <a:r>
-              <a:rPr lang="en-US" dirty="0"/>
-              <a:t>Server B</a:t>
-            </a:r>
+              <a:rPr lang="en-US" sz="4400" dirty="0"/>
+              <a:t> - </a:t>
+            </a:r>
+            <a:r>
+              <a:rPr lang="en-US" sz="4400" dirty="0" err="1"/>
+              <a:t>Các</a:t>
+            </a:r>
+            <a:r>
+              <a:rPr lang="en-US" sz="4400" dirty="0"/>
+              <a:t> servers </a:t>
+            </a:r>
+            <a:r>
+              <a:rPr lang="en-US" sz="4400" dirty="0" err="1"/>
+              <a:t>khi</a:t>
+            </a:r>
+            <a:r>
+              <a:rPr lang="en-US" sz="4400" dirty="0"/>
+              <a:t> </a:t>
+            </a:r>
+            <a:r>
+              <a:rPr lang="en-US" sz="4400" dirty="0" err="1"/>
+              <a:t>mở</a:t>
+            </a:r>
+            <a:r>
+              <a:rPr lang="en-US" sz="4400" dirty="0"/>
+              <a:t> </a:t>
+            </a:r>
+            <a:r>
+              <a:rPr lang="en-US" sz="4400" dirty="0" err="1"/>
+              <a:t>sẽ</a:t>
+            </a:r>
+            <a:r>
+              <a:rPr lang="en-US" sz="4400" dirty="0"/>
+              <a:t> đ</a:t>
+            </a:r>
+            <a:r>
+              <a:rPr lang="vi-VN" sz="4400" dirty="0"/>
+              <a:t>ư</a:t>
+            </a:r>
+            <a:r>
+              <a:rPr lang="en-US" sz="4400" dirty="0" err="1"/>
+              <a:t>ợc</a:t>
+            </a:r>
+            <a:r>
+              <a:rPr lang="en-US" sz="4400" dirty="0"/>
+              <a:t> </a:t>
+            </a:r>
+            <a:r>
+              <a:rPr lang="en-US" sz="4400" dirty="0" err="1"/>
+              <a:t>kết</a:t>
+            </a:r>
+            <a:r>
+              <a:rPr lang="en-US" sz="4400" dirty="0"/>
+              <a:t> </a:t>
+            </a:r>
+            <a:r>
+              <a:rPr lang="en-US" sz="4400" dirty="0" err="1"/>
+              <a:t>nối</a:t>
+            </a:r>
+            <a:r>
+              <a:rPr lang="en-US" sz="4400" dirty="0"/>
+              <a:t> </a:t>
+            </a:r>
+            <a:r>
+              <a:rPr lang="en-US" sz="4400" dirty="0" err="1"/>
+              <a:t>với</a:t>
+            </a:r>
+            <a:r>
+              <a:rPr lang="en-US" sz="4400" dirty="0"/>
+              <a:t> Root server.</a:t>
+            </a:r>
+          </a:p>
+          <a:p>
+            <a:pPr marL="0" indent="0">
+              <a:buNone/>
+            </a:pPr>
+            <a:r>
+              <a:rPr lang="en-US" sz="4400" dirty="0"/>
+              <a:t> - </a:t>
+            </a:r>
+            <a:r>
+              <a:rPr lang="en-US" sz="4400" dirty="0" err="1"/>
+              <a:t>Phải</a:t>
+            </a:r>
+            <a:r>
+              <a:rPr lang="en-US" sz="4400" dirty="0"/>
+              <a:t> </a:t>
+            </a:r>
+            <a:r>
+              <a:rPr lang="en-US" sz="4400" dirty="0" err="1"/>
+              <a:t>gửi</a:t>
+            </a:r>
+            <a:r>
+              <a:rPr lang="en-US" sz="4400" dirty="0"/>
+              <a:t> </a:t>
+            </a:r>
+            <a:r>
+              <a:rPr lang="en-US" sz="4400" dirty="0" err="1"/>
+              <a:t>tín</a:t>
+            </a:r>
+            <a:r>
+              <a:rPr lang="en-US" sz="4400" dirty="0"/>
+              <a:t> </a:t>
+            </a:r>
+            <a:r>
+              <a:rPr lang="en-US" sz="4400" dirty="0" err="1"/>
+              <a:t>hiệu</a:t>
+            </a:r>
+            <a:r>
+              <a:rPr lang="en-US" sz="4400" dirty="0"/>
+              <a:t> </a:t>
+            </a:r>
+            <a:r>
+              <a:rPr lang="en-US" sz="4400" dirty="0" err="1"/>
+              <a:t>đến</a:t>
+            </a:r>
+            <a:r>
+              <a:rPr lang="en-US" sz="4400" dirty="0"/>
+              <a:t> Root server </a:t>
+            </a:r>
+            <a:r>
+              <a:rPr lang="en-US" sz="4400" dirty="0" err="1"/>
+              <a:t>sau</a:t>
+            </a:r>
+            <a:r>
+              <a:rPr lang="en-US" sz="4400" dirty="0"/>
+              <a:t> 1 </a:t>
+            </a:r>
+            <a:r>
+              <a:rPr lang="en-US" sz="4400" dirty="0" err="1"/>
+              <a:t>khoảng</a:t>
+            </a:r>
+            <a:r>
+              <a:rPr lang="en-US" sz="4400" dirty="0"/>
+              <a:t> </a:t>
+            </a:r>
+            <a:r>
+              <a:rPr lang="en-US" sz="4400" dirty="0" err="1"/>
+              <a:t>thời</a:t>
+            </a:r>
+            <a:r>
+              <a:rPr lang="en-US" sz="4400" dirty="0"/>
+              <a:t> </a:t>
+            </a:r>
+            <a:r>
+              <a:rPr lang="en-US" sz="4400" dirty="0" err="1"/>
+              <a:t>gian</a:t>
+            </a:r>
+            <a:endParaRPr lang="en-US" sz="4400" dirty="0"/>
+          </a:p>
+          <a:p>
+            <a:pPr marL="0" indent="0">
+              <a:buNone/>
+            </a:pPr>
+            <a:r>
+              <a:rPr lang="en-US" sz="4400" dirty="0"/>
+              <a:t> - </a:t>
+            </a:r>
+            <a:r>
+              <a:rPr lang="en-US" sz="4400" dirty="0" err="1"/>
+              <a:t>Phục</a:t>
+            </a:r>
+            <a:r>
+              <a:rPr lang="en-US" sz="4400" dirty="0"/>
+              <a:t> </a:t>
+            </a:r>
+            <a:r>
+              <a:rPr lang="en-US" sz="4400" dirty="0" err="1"/>
+              <a:t>vụ</a:t>
+            </a:r>
+            <a:r>
+              <a:rPr lang="en-US" sz="4400" dirty="0"/>
+              <a:t> </a:t>
+            </a:r>
+            <a:r>
+              <a:rPr lang="en-US" sz="4400" dirty="0" err="1"/>
+              <a:t>các</a:t>
+            </a:r>
+            <a:r>
+              <a:rPr lang="en-US" sz="4400" dirty="0"/>
+              <a:t> clients </a:t>
+            </a:r>
+            <a:r>
+              <a:rPr lang="en-US" sz="4400" dirty="0" err="1"/>
+              <a:t>kết</a:t>
+            </a:r>
+            <a:r>
+              <a:rPr lang="en-US" sz="4400" dirty="0"/>
+              <a:t> </a:t>
+            </a:r>
+            <a:r>
+              <a:rPr lang="en-US" sz="4400" dirty="0" err="1"/>
+              <a:t>nối</a:t>
+            </a:r>
+            <a:r>
+              <a:rPr lang="en-US" sz="4400" dirty="0"/>
+              <a:t> </a:t>
+            </a:r>
+            <a:r>
+              <a:rPr lang="en-US" sz="4400" dirty="0" err="1"/>
+              <a:t>đến</a:t>
+            </a:r>
+            <a:endParaRPr lang="en-US" sz="4400" dirty="0"/>
+          </a:p>
+          <a:p>
+            <a:pPr marL="0" indent="0">
+              <a:buNone/>
+            </a:pPr>
+            <a:endParaRPr lang="en-US" sz="4400" dirty="0"/>
+          </a:p>
+          <a:p>
+            <a:pPr marL="0" indent="0">
+              <a:buNone/>
+            </a:pPr>
+            <a:endParaRPr lang="en-US" sz="4400" dirty="0"/>
+          </a:p>
+          <a:p>
+            <a:pPr marL="0" indent="0">
+              <a:buNone/>
+            </a:pPr>
+            <a:endParaRPr lang="en-US" sz="4400" dirty="0"/>
           </a:p>
         </p:txBody>
       </p:sp>
-      <p:sp>
-        <p:nvSpPr>
-          <p:cNvPr id="9" name="Rectangle: Rounded Corners 8"/>
-          <p:cNvSpPr/>
-          <p:nvPr/>
-        </p:nvSpPr>
-        <p:spPr>
-          <a:xfrm>
-            <a:off x="8767120" y="3279429"/>
-            <a:ext cx="1301578" cy="568411"/>
-          </a:xfrm>
-          <a:prstGeom prst="roundRect">
-            <a:avLst/>
-          </a:prstGeom>
-        </p:spPr>
-        <p:style>
-          <a:lnRef idx="2">
-            <a:schemeClr val="accent1">
-              <a:shade val="50000"/>
-            </a:schemeClr>
-          </a:lnRef>
-          <a:fillRef idx="1">
-            <a:schemeClr val="accent1"/>
-          </a:fillRef>
-          <a:effectRef idx="0">
-            <a:schemeClr val="accent1"/>
-          </a:effectRef>
-          <a:fontRef idx="minor">
-            <a:schemeClr val="lt1"/>
-          </a:fontRef>
-        </p:style>
-        <p:txBody>
-          <a:bodyPr rtlCol="0" anchor="ctr"/>
-          <a:lstStyle/>
-          <a:p>
-            <a:pPr algn="ctr"/>
-            <a:r>
-              <a:rPr lang="en-US" dirty="0"/>
-              <a:t>Client</a:t>
-            </a:r>
-          </a:p>
-        </p:txBody>
-      </p:sp>
-      <p:cxnSp>
-        <p:nvCxnSpPr>
-          <p:cNvPr id="30" name="Straight Arrow Connector 29"/>
-          <p:cNvCxnSpPr>
-            <a:cxnSpLocks/>
-          </p:cNvCxnSpPr>
-          <p:nvPr/>
-        </p:nvCxnSpPr>
-        <p:spPr>
-          <a:xfrm flipH="1" flipV="1">
-            <a:off x="2930610" y="2705098"/>
-            <a:ext cx="5836510" cy="867546"/>
-          </a:xfrm>
-          <a:prstGeom prst="straightConnector1">
-            <a:avLst/>
-          </a:prstGeom>
-          <a:ln>
-            <a:tailEnd type="triangle"/>
-          </a:ln>
-        </p:spPr>
-        <p:style>
-          <a:lnRef idx="1">
-            <a:schemeClr val="accent1"/>
-          </a:lnRef>
-          <a:fillRef idx="0">
-            <a:schemeClr val="accent1"/>
-          </a:fillRef>
-          <a:effectRef idx="0">
-            <a:schemeClr val="accent1"/>
-          </a:effectRef>
-          <a:fontRef idx="minor">
-            <a:schemeClr val="tx1"/>
-          </a:fontRef>
-        </p:style>
-      </p:cxnSp>
-      <p:sp>
-        <p:nvSpPr>
-          <p:cNvPr id="3" name="Multiplication Sign 2"/>
-          <p:cNvSpPr/>
-          <p:nvPr/>
-        </p:nvSpPr>
-        <p:spPr>
-          <a:xfrm>
-            <a:off x="1249061" y="2086552"/>
-            <a:ext cx="1876168" cy="1237092"/>
-          </a:xfrm>
-          <a:prstGeom prst="mathMultiply">
-            <a:avLst/>
-          </a:prstGeom>
-          <a:solidFill>
-            <a:srgbClr val="C00000"/>
-          </a:solidFill>
-        </p:spPr>
-        <p:style>
-          <a:lnRef idx="2">
-            <a:schemeClr val="accent1">
-              <a:shade val="50000"/>
-            </a:schemeClr>
-          </a:lnRef>
-          <a:fillRef idx="1">
-            <a:schemeClr val="accent1"/>
-          </a:fillRef>
-          <a:effectRef idx="0">
-            <a:schemeClr val="accent1"/>
-          </a:effectRef>
-          <a:fontRef idx="minor">
-            <a:schemeClr val="lt1"/>
-          </a:fontRef>
-        </p:style>
-        <p:txBody>
-          <a:bodyPr rtlCol="0" anchor="ctr"/>
-          <a:lstStyle/>
-          <a:p>
-            <a:pPr algn="ctr"/>
-            <a:endParaRPr lang="en-US"/>
-          </a:p>
-        </p:txBody>
-      </p:sp>
-      <p:cxnSp>
-        <p:nvCxnSpPr>
-          <p:cNvPr id="16" name="Straight Arrow Connector 15"/>
-          <p:cNvCxnSpPr>
-            <a:endCxn id="4" idx="3"/>
-          </p:cNvCxnSpPr>
-          <p:nvPr/>
-        </p:nvCxnSpPr>
-        <p:spPr>
-          <a:xfrm flipH="1">
-            <a:off x="6573795" y="3682314"/>
-            <a:ext cx="2193325" cy="607024"/>
-          </a:xfrm>
-          <a:prstGeom prst="straightConnector1">
-            <a:avLst/>
-          </a:prstGeom>
-          <a:ln>
-            <a:tailEnd type="triangle"/>
-          </a:ln>
-        </p:spPr>
-        <p:style>
-          <a:lnRef idx="1">
-            <a:schemeClr val="accent1"/>
-          </a:lnRef>
-          <a:fillRef idx="0">
-            <a:schemeClr val="accent1"/>
-          </a:fillRef>
-          <a:effectRef idx="0">
-            <a:schemeClr val="accent1"/>
-          </a:effectRef>
-          <a:fontRef idx="minor">
-            <a:schemeClr val="tx1"/>
-          </a:fontRef>
-        </p:style>
-      </p:cxnSp>
     </p:spTree>
     <p:extLst>
       <p:ext uri="{BB962C8B-B14F-4D97-AF65-F5344CB8AC3E}">
-        <p14:creationId xmlns:p14="http://schemas.microsoft.com/office/powerpoint/2010/main" val="743054860"/>
+        <p14:creationId xmlns:p14="http://schemas.microsoft.com/office/powerpoint/2010/main" val="2528726903"/>
       </p:ext>
     </p:extLst>
   </p:cSld>
@@ -6090,130 +8383,25 @@
         </p:nvSpPr>
         <p:spPr/>
         <p:txBody>
-          <a:bodyPr/>
+          <a:bodyPr>
+            <a:normAutofit/>
+          </a:bodyPr>
           <a:lstStyle/>
           <a:p>
-            <a:r>
-              <a:rPr lang="en-US" dirty="0" err="1"/>
-              <a:t>Khi</a:t>
-            </a:r>
-            <a:r>
-              <a:rPr lang="en-US" dirty="0"/>
-              <a:t> </a:t>
-            </a:r>
-            <a:r>
-              <a:rPr lang="en-US" dirty="0" err="1"/>
-              <a:t>mất</a:t>
-            </a:r>
-            <a:r>
-              <a:rPr lang="en-US" dirty="0"/>
-              <a:t> </a:t>
-            </a:r>
-            <a:r>
-              <a:rPr lang="en-US" dirty="0" err="1"/>
-              <a:t>kết</a:t>
-            </a:r>
-            <a:r>
-              <a:rPr lang="en-US" dirty="0"/>
-              <a:t> </a:t>
-            </a:r>
-            <a:r>
-              <a:rPr lang="en-US" dirty="0" err="1"/>
-              <a:t>nối</a:t>
-            </a:r>
-            <a:endParaRPr lang="en-US" dirty="0"/>
+            <a:pPr marL="571500" indent="-571500">
+              <a:buFont typeface="Wingdings" panose="05000000000000000000" pitchFamily="2" charset="2"/>
+              <a:buChar char="§"/>
+            </a:pPr>
+            <a:r>
+              <a:rPr lang="en-US" sz="6000" dirty="0"/>
+              <a:t>Clients</a:t>
+            </a:r>
           </a:p>
         </p:txBody>
       </p:sp>
       <p:sp>
         <p:nvSpPr>
-          <p:cNvPr id="4" name="Rectangle 3"/>
-          <p:cNvSpPr/>
-          <p:nvPr/>
-        </p:nvSpPr>
-        <p:spPr>
-          <a:xfrm>
-            <a:off x="5123936" y="3622073"/>
-            <a:ext cx="1449859" cy="1334530"/>
-          </a:xfrm>
-          <a:prstGeom prst="rect">
-            <a:avLst/>
-          </a:prstGeom>
-        </p:spPr>
-        <p:style>
-          <a:lnRef idx="2">
-            <a:schemeClr val="accent1">
-              <a:shade val="50000"/>
-            </a:schemeClr>
-          </a:lnRef>
-          <a:fillRef idx="1">
-            <a:schemeClr val="accent1"/>
-          </a:fillRef>
-          <a:effectRef idx="0">
-            <a:schemeClr val="accent1"/>
-          </a:effectRef>
-          <a:fontRef idx="minor">
-            <a:schemeClr val="lt1"/>
-          </a:fontRef>
-        </p:style>
-        <p:txBody>
-          <a:bodyPr rtlCol="0" anchor="ctr"/>
-          <a:lstStyle/>
-          <a:p>
-            <a:pPr algn="ctr"/>
-            <a:r>
-              <a:rPr lang="en-US" dirty="0"/>
-              <a:t>ROOT</a:t>
-            </a:r>
-          </a:p>
-        </p:txBody>
-      </p:sp>
-      <p:sp>
-        <p:nvSpPr>
-          <p:cNvPr id="5" name="Oval 4"/>
-          <p:cNvSpPr/>
-          <p:nvPr/>
-        </p:nvSpPr>
-        <p:spPr>
-          <a:xfrm>
-            <a:off x="1441621" y="2171700"/>
-            <a:ext cx="1491048" cy="1136822"/>
-          </a:xfrm>
-          <a:prstGeom prst="ellipse">
-            <a:avLst/>
-          </a:prstGeom>
-        </p:spPr>
-        <p:style>
-          <a:lnRef idx="2">
-            <a:schemeClr val="accent1">
-              <a:shade val="50000"/>
-            </a:schemeClr>
-          </a:lnRef>
-          <a:fillRef idx="1">
-            <a:schemeClr val="accent1"/>
-          </a:fillRef>
-          <a:effectRef idx="0">
-            <a:schemeClr val="accent1"/>
-          </a:effectRef>
-          <a:fontRef idx="minor">
-            <a:schemeClr val="lt1"/>
-          </a:fontRef>
-        </p:style>
-        <p:txBody>
-          <a:bodyPr rtlCol="0" anchor="ctr"/>
-          <a:lstStyle/>
-          <a:p>
-            <a:pPr algn="ctr"/>
-            <a:r>
-              <a:rPr lang="en-US" dirty="0"/>
-              <a:t>Server A</a:t>
-            </a:r>
-          </a:p>
-        </p:txBody>
-      </p:sp>
-      <p:sp>
-        <p:nvSpPr>
-          <p:cNvPr id="6" name="Content Placeholder 5"/>
+          <p:cNvPr id="3" name="Content Placeholder 2"/>
           <p:cNvSpPr>
             <a:spLocks noGrp="1"/>
           </p:cNvSpPr>
@@ -6223,203 +8411,336 @@
         </p:nvSpPr>
         <p:spPr>
           <a:xfrm>
-            <a:off x="1441621" y="5133715"/>
-            <a:ext cx="1491048" cy="1078127"/>
-          </a:xfrm>
-          <a:prstGeom prst="ellipse">
-            <a:avLst/>
-          </a:prstGeom>
-        </p:spPr>
-        <p:style>
-          <a:lnRef idx="2">
-            <a:schemeClr val="accent1">
-              <a:shade val="50000"/>
-            </a:schemeClr>
-          </a:lnRef>
-          <a:fillRef idx="1">
-            <a:schemeClr val="accent1"/>
-          </a:fillRef>
-          <a:effectRef idx="0">
-            <a:schemeClr val="accent1"/>
-          </a:effectRef>
-          <a:fontRef idx="minor">
-            <a:schemeClr val="lt1"/>
-          </a:fontRef>
-        </p:style>
+            <a:off x="1371600" y="2285999"/>
+            <a:ext cx="9601200" cy="4195011"/>
+          </a:xfrm>
+        </p:spPr>
         <p:txBody>
-          <a:bodyPr rtlCol="0" anchor="ctr"/>
+          <a:bodyPr>
+            <a:normAutofit lnSpcReduction="10000"/>
+          </a:bodyPr>
           <a:lstStyle/>
           <a:p>
-            <a:pPr marL="0" indent="0" algn="ctr">
+            <a:pPr marL="0" indent="0">
               <a:buNone/>
             </a:pPr>
             <a:r>
-              <a:rPr lang="en-US" dirty="0"/>
-              <a:t>Server B</a:t>
-            </a:r>
+              <a:rPr lang="en-US" sz="4400" dirty="0"/>
+              <a:t> - </a:t>
+            </a:r>
+            <a:r>
+              <a:rPr lang="en-US" sz="4400" dirty="0" err="1"/>
+              <a:t>Yêu</a:t>
+            </a:r>
+            <a:r>
+              <a:rPr lang="en-US" sz="4400" dirty="0"/>
+              <a:t> </a:t>
+            </a:r>
+            <a:r>
+              <a:rPr lang="en-US" sz="4400" dirty="0" err="1"/>
+              <a:t>cầu</a:t>
+            </a:r>
+            <a:r>
+              <a:rPr lang="en-US" sz="4400" dirty="0"/>
+              <a:t> </a:t>
+            </a:r>
+            <a:r>
+              <a:rPr lang="en-US" sz="4400" dirty="0" err="1"/>
+              <a:t>dịch</a:t>
+            </a:r>
+            <a:r>
+              <a:rPr lang="en-US" sz="4400" dirty="0"/>
+              <a:t> </a:t>
+            </a:r>
+            <a:r>
+              <a:rPr lang="en-US" sz="4400" dirty="0" err="1"/>
+              <a:t>vụ</a:t>
+            </a:r>
+            <a:r>
+              <a:rPr lang="en-US" sz="4400" dirty="0"/>
+              <a:t> </a:t>
+            </a:r>
+            <a:r>
+              <a:rPr lang="en-US" sz="4400" dirty="0" err="1"/>
+              <a:t>lên</a:t>
+            </a:r>
+            <a:r>
+              <a:rPr lang="en-US" sz="4400" dirty="0"/>
+              <a:t> Root server, </a:t>
+            </a:r>
+            <a:r>
+              <a:rPr lang="en-US" sz="4400" dirty="0" err="1"/>
+              <a:t>sau</a:t>
+            </a:r>
+            <a:r>
+              <a:rPr lang="en-US" sz="4400" dirty="0"/>
+              <a:t> </a:t>
+            </a:r>
+            <a:r>
+              <a:rPr lang="en-US" sz="4400" dirty="0" err="1"/>
+              <a:t>đó</a:t>
+            </a:r>
+            <a:r>
+              <a:rPr lang="en-US" sz="4400" dirty="0"/>
+              <a:t> </a:t>
+            </a:r>
+            <a:r>
+              <a:rPr lang="en-US" sz="4400" dirty="0" err="1"/>
+              <a:t>kết</a:t>
+            </a:r>
+            <a:r>
+              <a:rPr lang="en-US" sz="4400" dirty="0"/>
+              <a:t> </a:t>
+            </a:r>
+            <a:r>
+              <a:rPr lang="en-US" sz="4400" dirty="0" err="1"/>
+              <a:t>nối</a:t>
+            </a:r>
+            <a:r>
+              <a:rPr lang="en-US" sz="4400" dirty="0"/>
+              <a:t> </a:t>
+            </a:r>
+            <a:r>
+              <a:rPr lang="en-US" sz="4400" dirty="0" err="1"/>
+              <a:t>đến</a:t>
+            </a:r>
+            <a:r>
+              <a:rPr lang="en-US" sz="4400" dirty="0"/>
+              <a:t> server đ</a:t>
+            </a:r>
+            <a:r>
+              <a:rPr lang="vi-VN" sz="4400" dirty="0"/>
+              <a:t>ư</a:t>
+            </a:r>
+            <a:r>
+              <a:rPr lang="en-US" sz="4400" dirty="0" err="1"/>
+              <a:t>ợc</a:t>
+            </a:r>
+            <a:r>
+              <a:rPr lang="en-US" sz="4400" dirty="0"/>
+              <a:t> </a:t>
+            </a:r>
+            <a:r>
+              <a:rPr lang="en-US" sz="4400" dirty="0" err="1"/>
+              <a:t>trả</a:t>
+            </a:r>
+            <a:r>
+              <a:rPr lang="en-US" sz="4400" dirty="0"/>
+              <a:t> </a:t>
+            </a:r>
+            <a:r>
+              <a:rPr lang="en-US" sz="4400" dirty="0" err="1"/>
+              <a:t>về</a:t>
+            </a:r>
+            <a:r>
+              <a:rPr lang="en-US" sz="4400" dirty="0"/>
+              <a:t>.</a:t>
+            </a:r>
+          </a:p>
+          <a:p>
+            <a:pPr marL="0" indent="0">
+              <a:buNone/>
+            </a:pPr>
+            <a:r>
+              <a:rPr lang="en-US" sz="4400" dirty="0"/>
+              <a:t> - </a:t>
+            </a:r>
+            <a:r>
+              <a:rPr lang="en-US" sz="4400" dirty="0" err="1"/>
+              <a:t>Khi</a:t>
+            </a:r>
+            <a:r>
+              <a:rPr lang="en-US" sz="4400" dirty="0"/>
+              <a:t> </a:t>
+            </a:r>
+            <a:r>
+              <a:rPr lang="en-US" sz="4400" dirty="0" err="1"/>
+              <a:t>bị</a:t>
+            </a:r>
+            <a:r>
+              <a:rPr lang="en-US" sz="4400" dirty="0"/>
+              <a:t> disconnect </a:t>
+            </a:r>
+            <a:r>
+              <a:rPr lang="en-US" sz="4400" dirty="0" err="1"/>
+              <a:t>với</a:t>
+            </a:r>
+            <a:r>
+              <a:rPr lang="en-US" sz="4400" dirty="0"/>
+              <a:t> server </a:t>
+            </a:r>
+            <a:r>
+              <a:rPr lang="en-US" sz="4400" dirty="0" err="1"/>
+              <a:t>hiện</a:t>
+            </a:r>
+            <a:r>
+              <a:rPr lang="en-US" sz="4400" dirty="0"/>
+              <a:t> </a:t>
+            </a:r>
+            <a:r>
+              <a:rPr lang="en-US" sz="4400" dirty="0" err="1"/>
+              <a:t>tại</a:t>
+            </a:r>
+            <a:r>
+              <a:rPr lang="en-US" sz="4400" dirty="0"/>
+              <a:t> </a:t>
+            </a:r>
+            <a:r>
+              <a:rPr lang="en-US" sz="4400" dirty="0" err="1"/>
+              <a:t>sẽ</a:t>
+            </a:r>
+            <a:r>
+              <a:rPr lang="en-US" sz="4400" dirty="0"/>
+              <a:t> </a:t>
+            </a:r>
+            <a:r>
+              <a:rPr lang="en-US" sz="4400" dirty="0" err="1"/>
+              <a:t>kết</a:t>
+            </a:r>
+            <a:r>
+              <a:rPr lang="en-US" sz="4400" dirty="0"/>
+              <a:t> </a:t>
+            </a:r>
+            <a:r>
+              <a:rPr lang="en-US" sz="4400" dirty="0" err="1"/>
+              <a:t>nối</a:t>
+            </a:r>
+            <a:r>
+              <a:rPr lang="en-US" sz="4400" dirty="0"/>
+              <a:t> </a:t>
+            </a:r>
+            <a:r>
+              <a:rPr lang="en-US" sz="4400" dirty="0" err="1"/>
+              <a:t>với</a:t>
+            </a:r>
+            <a:r>
+              <a:rPr lang="en-US" sz="4400" dirty="0"/>
+              <a:t> server </a:t>
+            </a:r>
+            <a:r>
+              <a:rPr lang="en-US" sz="4400" dirty="0" err="1"/>
+              <a:t>khác</a:t>
+            </a:r>
+            <a:r>
+              <a:rPr lang="en-US" sz="4400" dirty="0"/>
+              <a:t>.</a:t>
+            </a:r>
+          </a:p>
+          <a:p>
+            <a:pPr marL="0" indent="0">
+              <a:buNone/>
+            </a:pPr>
+            <a:r>
+              <a:rPr lang="en-US" sz="4400" dirty="0"/>
+              <a:t> - Sau </a:t>
+            </a:r>
+            <a:r>
+              <a:rPr lang="en-US" sz="4400" dirty="0" err="1"/>
+              <a:t>một</a:t>
+            </a:r>
+            <a:r>
+              <a:rPr lang="en-US" sz="4400" dirty="0"/>
+              <a:t> </a:t>
+            </a:r>
+            <a:r>
+              <a:rPr lang="en-US" sz="4400" dirty="0" err="1"/>
+              <a:t>khoảng</a:t>
+            </a:r>
+            <a:r>
+              <a:rPr lang="en-US" sz="4400" dirty="0"/>
+              <a:t> </a:t>
+            </a:r>
+            <a:r>
+              <a:rPr lang="en-US" sz="4400" dirty="0" err="1"/>
+              <a:t>thời</a:t>
+            </a:r>
+            <a:r>
+              <a:rPr lang="en-US" sz="4400" dirty="0"/>
+              <a:t> </a:t>
+            </a:r>
+            <a:r>
+              <a:rPr lang="en-US" sz="4400" dirty="0" err="1"/>
+              <a:t>gian</a:t>
+            </a:r>
+            <a:r>
+              <a:rPr lang="en-US" sz="4400" dirty="0"/>
+              <a:t> </a:t>
+            </a:r>
+            <a:r>
+              <a:rPr lang="en-US" sz="4400" dirty="0" err="1"/>
+              <a:t>kết</a:t>
+            </a:r>
+            <a:r>
+              <a:rPr lang="en-US" sz="4400" dirty="0"/>
+              <a:t> </a:t>
+            </a:r>
+            <a:r>
+              <a:rPr lang="en-US" sz="4400" dirty="0" err="1"/>
+              <a:t>nối</a:t>
+            </a:r>
+            <a:r>
+              <a:rPr lang="en-US" sz="4400" dirty="0"/>
+              <a:t> </a:t>
+            </a:r>
+            <a:r>
+              <a:rPr lang="en-US" sz="4400" dirty="0" err="1"/>
+              <a:t>lại</a:t>
+            </a:r>
+            <a:r>
+              <a:rPr lang="en-US" sz="4400" dirty="0"/>
+              <a:t> </a:t>
+            </a:r>
+            <a:r>
+              <a:rPr lang="en-US" sz="4400" dirty="0" err="1"/>
+              <a:t>với</a:t>
+            </a:r>
+            <a:r>
+              <a:rPr lang="en-US" sz="4400" dirty="0"/>
+              <a:t> server ban </a:t>
+            </a:r>
+            <a:r>
+              <a:rPr lang="en-US" sz="4400" dirty="0" err="1"/>
+              <a:t>đầu</a:t>
+            </a:r>
+            <a:r>
+              <a:rPr lang="en-US" sz="4400" dirty="0"/>
+              <a:t> ( </a:t>
+            </a:r>
+            <a:r>
+              <a:rPr lang="en-US" sz="4400" dirty="0" err="1"/>
+              <a:t>Nếu</a:t>
+            </a:r>
+            <a:r>
+              <a:rPr lang="en-US" sz="4400" dirty="0"/>
+              <a:t> </a:t>
+            </a:r>
+            <a:r>
+              <a:rPr lang="en-US" sz="4400" dirty="0" err="1"/>
+              <a:t>đã</a:t>
+            </a:r>
+            <a:r>
+              <a:rPr lang="en-US" sz="4400" dirty="0"/>
+              <a:t> available )</a:t>
+            </a:r>
+          </a:p>
+          <a:p>
+            <a:pPr marL="0" indent="0">
+              <a:buNone/>
+            </a:pPr>
+            <a:endParaRPr lang="en-US" sz="4400" dirty="0"/>
+          </a:p>
+          <a:p>
+            <a:pPr marL="0" indent="0">
+              <a:buNone/>
+            </a:pPr>
+            <a:endParaRPr lang="en-US" sz="4400" dirty="0"/>
           </a:p>
         </p:txBody>
       </p:sp>
-      <p:sp>
-        <p:nvSpPr>
-          <p:cNvPr id="9" name="Rectangle: Rounded Corners 8"/>
-          <p:cNvSpPr/>
-          <p:nvPr/>
-        </p:nvSpPr>
-        <p:spPr>
-          <a:xfrm>
-            <a:off x="8767120" y="3279429"/>
-            <a:ext cx="1301578" cy="568411"/>
-          </a:xfrm>
-          <a:prstGeom prst="roundRect">
-            <a:avLst/>
-          </a:prstGeom>
-        </p:spPr>
-        <p:style>
-          <a:lnRef idx="2">
-            <a:schemeClr val="accent1">
-              <a:shade val="50000"/>
-            </a:schemeClr>
-          </a:lnRef>
-          <a:fillRef idx="1">
-            <a:schemeClr val="accent1"/>
-          </a:fillRef>
-          <a:effectRef idx="0">
-            <a:schemeClr val="accent1"/>
-          </a:effectRef>
-          <a:fontRef idx="minor">
-            <a:schemeClr val="lt1"/>
-          </a:fontRef>
-        </p:style>
-        <p:txBody>
-          <a:bodyPr rtlCol="0" anchor="ctr"/>
-          <a:lstStyle/>
-          <a:p>
-            <a:pPr algn="ctr"/>
-            <a:r>
-              <a:rPr lang="en-US" dirty="0"/>
-              <a:t>Client</a:t>
-            </a:r>
-          </a:p>
-        </p:txBody>
-      </p:sp>
-      <p:cxnSp>
-        <p:nvCxnSpPr>
-          <p:cNvPr id="30" name="Straight Arrow Connector 29"/>
-          <p:cNvCxnSpPr>
-            <a:cxnSpLocks/>
-          </p:cNvCxnSpPr>
-          <p:nvPr/>
-        </p:nvCxnSpPr>
-        <p:spPr>
-          <a:xfrm flipH="1">
-            <a:off x="2930610" y="3847840"/>
-            <a:ext cx="6312244" cy="1824938"/>
-          </a:xfrm>
-          <a:prstGeom prst="straightConnector1">
-            <a:avLst/>
-          </a:prstGeom>
-          <a:ln>
-            <a:tailEnd type="triangle"/>
-          </a:ln>
-        </p:spPr>
-        <p:style>
-          <a:lnRef idx="1">
-            <a:schemeClr val="accent1"/>
-          </a:lnRef>
-          <a:fillRef idx="0">
-            <a:schemeClr val="accent1"/>
-          </a:fillRef>
-          <a:effectRef idx="0">
-            <a:schemeClr val="accent1"/>
-          </a:effectRef>
-          <a:fontRef idx="minor">
-            <a:schemeClr val="tx1"/>
-          </a:fontRef>
-        </p:style>
-      </p:cxnSp>
-      <p:sp>
-        <p:nvSpPr>
-          <p:cNvPr id="3" name="Multiplication Sign 2"/>
-          <p:cNvSpPr/>
-          <p:nvPr/>
-        </p:nvSpPr>
-        <p:spPr>
-          <a:xfrm>
-            <a:off x="1249061" y="2086552"/>
-            <a:ext cx="1876168" cy="1237092"/>
-          </a:xfrm>
-          <a:prstGeom prst="mathMultiply">
-            <a:avLst/>
-          </a:prstGeom>
-          <a:solidFill>
-            <a:srgbClr val="C00000"/>
-          </a:solidFill>
-        </p:spPr>
-        <p:style>
-          <a:lnRef idx="2">
-            <a:schemeClr val="accent1">
-              <a:shade val="50000"/>
-            </a:schemeClr>
-          </a:lnRef>
-          <a:fillRef idx="1">
-            <a:schemeClr val="accent1"/>
-          </a:fillRef>
-          <a:effectRef idx="0">
-            <a:schemeClr val="accent1"/>
-          </a:effectRef>
-          <a:fontRef idx="minor">
-            <a:schemeClr val="lt1"/>
-          </a:fontRef>
-        </p:style>
-        <p:txBody>
-          <a:bodyPr rtlCol="0" anchor="ctr"/>
-          <a:lstStyle/>
-          <a:p>
-            <a:pPr algn="ctr"/>
-            <a:endParaRPr lang="en-US"/>
-          </a:p>
-        </p:txBody>
-      </p:sp>
-      <p:cxnSp>
-        <p:nvCxnSpPr>
-          <p:cNvPr id="16" name="Straight Arrow Connector 15"/>
-          <p:cNvCxnSpPr>
-            <a:endCxn id="4" idx="3"/>
-          </p:cNvCxnSpPr>
-          <p:nvPr/>
-        </p:nvCxnSpPr>
-        <p:spPr>
-          <a:xfrm flipH="1">
-            <a:off x="6573795" y="3682314"/>
-            <a:ext cx="2193325" cy="607024"/>
-          </a:xfrm>
-          <a:prstGeom prst="straightConnector1">
-            <a:avLst/>
-          </a:prstGeom>
-          <a:ln>
-            <a:tailEnd type="triangle"/>
-          </a:ln>
-        </p:spPr>
-        <p:style>
-          <a:lnRef idx="1">
-            <a:schemeClr val="accent1"/>
-          </a:lnRef>
-          <a:fillRef idx="0">
-            <a:schemeClr val="accent1"/>
-          </a:fillRef>
-          <a:effectRef idx="0">
-            <a:schemeClr val="accent1"/>
-          </a:effectRef>
-          <a:fontRef idx="minor">
-            <a:schemeClr val="tx1"/>
-          </a:fontRef>
-        </p:style>
-      </p:cxnSp>
     </p:spTree>
     <p:extLst>
       <p:ext uri="{BB962C8B-B14F-4D97-AF65-F5344CB8AC3E}">
-        <p14:creationId xmlns:p14="http://schemas.microsoft.com/office/powerpoint/2010/main" val="982521612"/>
+        <p14:creationId xmlns:p14="http://schemas.microsoft.com/office/powerpoint/2010/main" val="641453493"/>
       </p:ext>
     </p:extLst>
   </p:cSld>
@@ -6456,122 +8777,441 @@
             <p:ph type="title"/>
           </p:nvPr>
         </p:nvSpPr>
-        <p:spPr/>
-        <p:txBody>
-          <a:bodyPr/>
-          <a:lstStyle/>
-          <a:p>
-            <a:r>
-              <a:rPr lang="en-US" dirty="0" err="1"/>
-              <a:t>Khi</a:t>
-            </a:r>
-            <a:r>
-              <a:rPr lang="en-US" dirty="0"/>
-              <a:t> </a:t>
-            </a:r>
-            <a:r>
-              <a:rPr lang="en-US" dirty="0" err="1"/>
-              <a:t>mất</a:t>
-            </a:r>
-            <a:r>
-              <a:rPr lang="en-US" dirty="0"/>
-              <a:t> </a:t>
-            </a:r>
-            <a:r>
-              <a:rPr lang="en-US" dirty="0" err="1"/>
-              <a:t>kết</a:t>
-            </a:r>
-            <a:r>
-              <a:rPr lang="en-US" dirty="0"/>
-              <a:t> </a:t>
-            </a:r>
-            <a:r>
-              <a:rPr lang="en-US" dirty="0" err="1"/>
-              <a:t>nối</a:t>
-            </a:r>
-            <a:endParaRPr lang="en-US" dirty="0"/>
-          </a:p>
-        </p:txBody>
-      </p:sp>
-      <p:sp>
-        <p:nvSpPr>
-          <p:cNvPr id="4" name="Rectangle 3"/>
-          <p:cNvSpPr/>
-          <p:nvPr/>
-        </p:nvSpPr>
         <p:spPr>
           <a:xfrm>
-            <a:off x="5123936" y="3622073"/>
-            <a:ext cx="1449859" cy="1334530"/>
+            <a:off x="1371600" y="685800"/>
+            <a:ext cx="5828270" cy="656341"/>
+          </a:xfrm>
+        </p:spPr>
+        <p:txBody>
+          <a:bodyPr>
+            <a:normAutofit fontScale="90000"/>
+          </a:bodyPr>
+          <a:lstStyle/>
+          <a:p>
+            <a:r>
+              <a:rPr lang="en-US" dirty="0" err="1"/>
+              <a:t>Mô</a:t>
+            </a:r>
+            <a:r>
+              <a:rPr lang="en-US" dirty="0"/>
+              <a:t> </a:t>
+            </a:r>
+            <a:r>
+              <a:rPr lang="en-US" dirty="0" err="1"/>
+              <a:t>hình</a:t>
+            </a:r>
+            <a:r>
+              <a:rPr lang="en-US" dirty="0"/>
+              <a:t> </a:t>
+            </a:r>
+            <a:r>
+              <a:rPr lang="en-US" dirty="0" err="1"/>
+              <a:t>hệ</a:t>
+            </a:r>
+            <a:r>
+              <a:rPr lang="en-US" dirty="0"/>
+              <a:t> </a:t>
+            </a:r>
+            <a:r>
+              <a:rPr lang="en-US" dirty="0" err="1"/>
+              <a:t>thống</a:t>
+            </a:r>
+            <a:endParaRPr lang="en-US" dirty="0"/>
+          </a:p>
+        </p:txBody>
+      </p:sp>
+      <p:pic>
+        <p:nvPicPr>
+          <p:cNvPr id="1026" name="Picture 2" descr="Kết quả hình ảnh cho server"/>
+          <p:cNvPicPr>
+            <a:picLocks noChangeAspect="1" noChangeArrowheads="1"/>
+          </p:cNvPicPr>
+          <p:nvPr/>
+        </p:nvPicPr>
+        <p:blipFill>
+          <a:blip r:embed="rId2">
+            <a:extLst>
+              <a:ext uri="{28A0092B-C50C-407E-A947-70E740481C1C}">
+                <a14:useLocalDpi xmlns:a14="http://schemas.microsoft.com/office/drawing/2010/main" val="0"/>
+              </a:ext>
+            </a:extLst>
+          </a:blip>
+          <a:srcRect/>
+          <a:stretch>
+            <a:fillRect/>
+          </a:stretch>
+        </p:blipFill>
+        <p:spPr bwMode="auto">
+          <a:xfrm>
+            <a:off x="5220980" y="1645983"/>
+            <a:ext cx="706396" cy="1093177"/>
           </a:xfrm>
           <a:prstGeom prst="rect">
             <a:avLst/>
           </a:prstGeom>
-        </p:spPr>
-        <p:style>
-          <a:lnRef idx="2">
-            <a:schemeClr val="accent1">
-              <a:shade val="50000"/>
-            </a:schemeClr>
-          </a:lnRef>
-          <a:fillRef idx="1">
-            <a:schemeClr val="accent1"/>
-          </a:fillRef>
-          <a:effectRef idx="0">
-            <a:schemeClr val="accent1"/>
-          </a:effectRef>
-          <a:fontRef idx="minor">
-            <a:schemeClr val="lt1"/>
-          </a:fontRef>
-        </p:style>
-        <p:txBody>
-          <a:bodyPr rtlCol="0" anchor="ctr"/>
-          <a:lstStyle/>
-          <a:p>
-            <a:pPr algn="ctr"/>
-            <a:r>
-              <a:rPr lang="en-US" dirty="0"/>
-              <a:t>ROOT</a:t>
-            </a:r>
-          </a:p>
-        </p:txBody>
-      </p:sp>
-      <p:sp>
-        <p:nvSpPr>
-          <p:cNvPr id="5" name="Oval 4"/>
-          <p:cNvSpPr/>
+          <a:noFill/>
+          <a:extLst>
+            <a:ext uri="{909E8E84-426E-40DD-AFC4-6F175D3DCCD1}">
+              <a14:hiddenFill xmlns:a14="http://schemas.microsoft.com/office/drawing/2010/main">
+                <a:solidFill>
+                  <a:srgbClr val="FFFFFF"/>
+                </a:solidFill>
+              </a14:hiddenFill>
+            </a:ext>
+          </a:extLst>
+        </p:spPr>
+      </p:pic>
+      <p:pic>
+        <p:nvPicPr>
+          <p:cNvPr id="1028" name="Picture 4" descr="Kết quả hình ảnh cho server"/>
+          <p:cNvPicPr>
+            <a:picLocks noChangeAspect="1" noChangeArrowheads="1"/>
+          </p:cNvPicPr>
+          <p:nvPr/>
+        </p:nvPicPr>
+        <p:blipFill>
+          <a:blip r:embed="rId3">
+            <a:extLst>
+              <a:ext uri="{28A0092B-C50C-407E-A947-70E740481C1C}">
+                <a14:useLocalDpi xmlns:a14="http://schemas.microsoft.com/office/drawing/2010/main" val="0"/>
+              </a:ext>
+            </a:extLst>
+          </a:blip>
+          <a:srcRect/>
+          <a:stretch>
+            <a:fillRect/>
+          </a:stretch>
+        </p:blipFill>
+        <p:spPr bwMode="auto">
+          <a:xfrm>
+            <a:off x="1712670" y="2964008"/>
+            <a:ext cx="876671" cy="1387181"/>
+          </a:xfrm>
+          <a:prstGeom prst="rect">
+            <a:avLst/>
+          </a:prstGeom>
+          <a:noFill/>
+          <a:extLst>
+            <a:ext uri="{909E8E84-426E-40DD-AFC4-6F175D3DCCD1}">
+              <a14:hiddenFill xmlns:a14="http://schemas.microsoft.com/office/drawing/2010/main">
+                <a:solidFill>
+                  <a:srgbClr val="FFFFFF"/>
+                </a:solidFill>
+              </a14:hiddenFill>
+            </a:ext>
+          </a:extLst>
+        </p:spPr>
+      </p:pic>
+      <p:pic>
+        <p:nvPicPr>
+          <p:cNvPr id="1030" name="Picture 6" descr="Hình ảnh có liên quan"/>
+          <p:cNvPicPr>
+            <a:picLocks noChangeAspect="1" noChangeArrowheads="1"/>
+          </p:cNvPicPr>
+          <p:nvPr/>
+        </p:nvPicPr>
+        <p:blipFill>
+          <a:blip r:embed="rId4">
+            <a:extLst>
+              <a:ext uri="{28A0092B-C50C-407E-A947-70E740481C1C}">
+                <a14:useLocalDpi xmlns:a14="http://schemas.microsoft.com/office/drawing/2010/main" val="0"/>
+              </a:ext>
+            </a:extLst>
+          </a:blip>
+          <a:srcRect/>
+          <a:stretch>
+            <a:fillRect/>
+          </a:stretch>
+        </p:blipFill>
+        <p:spPr bwMode="auto">
+          <a:xfrm>
+            <a:off x="9184988" y="1533689"/>
+            <a:ext cx="1025979" cy="1025979"/>
+          </a:xfrm>
+          <a:prstGeom prst="rect">
+            <a:avLst/>
+          </a:prstGeom>
+          <a:noFill/>
+          <a:extLst>
+            <a:ext uri="{909E8E84-426E-40DD-AFC4-6F175D3DCCD1}">
+              <a14:hiddenFill xmlns:a14="http://schemas.microsoft.com/office/drawing/2010/main">
+                <a:solidFill>
+                  <a:srgbClr val="FFFFFF"/>
+                </a:solidFill>
+              </a14:hiddenFill>
+            </a:ext>
+          </a:extLst>
+        </p:spPr>
+      </p:pic>
+      <p:pic>
+        <p:nvPicPr>
+          <p:cNvPr id="17" name="Picture 6" descr="Hình ảnh có liên quan"/>
+          <p:cNvPicPr>
+            <a:picLocks noChangeAspect="1" noChangeArrowheads="1"/>
+          </p:cNvPicPr>
+          <p:nvPr/>
+        </p:nvPicPr>
+        <p:blipFill>
+          <a:blip r:embed="rId4">
+            <a:extLst>
+              <a:ext uri="{28A0092B-C50C-407E-A947-70E740481C1C}">
+                <a14:useLocalDpi xmlns:a14="http://schemas.microsoft.com/office/drawing/2010/main" val="0"/>
+              </a:ext>
+            </a:extLst>
+          </a:blip>
+          <a:srcRect/>
+          <a:stretch>
+            <a:fillRect/>
+          </a:stretch>
+        </p:blipFill>
+        <p:spPr bwMode="auto">
+          <a:xfrm>
+            <a:off x="9184988" y="2725285"/>
+            <a:ext cx="1025979" cy="1025979"/>
+          </a:xfrm>
+          <a:prstGeom prst="rect">
+            <a:avLst/>
+          </a:prstGeom>
+          <a:noFill/>
+          <a:extLst>
+            <a:ext uri="{909E8E84-426E-40DD-AFC4-6F175D3DCCD1}">
+              <a14:hiddenFill xmlns:a14="http://schemas.microsoft.com/office/drawing/2010/main">
+                <a:solidFill>
+                  <a:srgbClr val="FFFFFF"/>
+                </a:solidFill>
+              </a14:hiddenFill>
+            </a:ext>
+          </a:extLst>
+        </p:spPr>
+      </p:pic>
+      <p:pic>
+        <p:nvPicPr>
+          <p:cNvPr id="18" name="Picture 6" descr="Hình ảnh có liên quan"/>
+          <p:cNvPicPr>
+            <a:picLocks noChangeAspect="1" noChangeArrowheads="1"/>
+          </p:cNvPicPr>
+          <p:nvPr/>
+        </p:nvPicPr>
+        <p:blipFill>
+          <a:blip r:embed="rId4">
+            <a:extLst>
+              <a:ext uri="{28A0092B-C50C-407E-A947-70E740481C1C}">
+                <a14:useLocalDpi xmlns:a14="http://schemas.microsoft.com/office/drawing/2010/main" val="0"/>
+              </a:ext>
+            </a:extLst>
+          </a:blip>
+          <a:srcRect/>
+          <a:stretch>
+            <a:fillRect/>
+          </a:stretch>
+        </p:blipFill>
+        <p:spPr bwMode="auto">
+          <a:xfrm>
+            <a:off x="9184987" y="4007497"/>
+            <a:ext cx="1025979" cy="1025979"/>
+          </a:xfrm>
+          <a:prstGeom prst="rect">
+            <a:avLst/>
+          </a:prstGeom>
+          <a:noFill/>
+          <a:extLst>
+            <a:ext uri="{909E8E84-426E-40DD-AFC4-6F175D3DCCD1}">
+              <a14:hiddenFill xmlns:a14="http://schemas.microsoft.com/office/drawing/2010/main">
+                <a:solidFill>
+                  <a:srgbClr val="FFFFFF"/>
+                </a:solidFill>
+              </a14:hiddenFill>
+            </a:ext>
+          </a:extLst>
+        </p:spPr>
+      </p:pic>
+      <p:pic>
+        <p:nvPicPr>
+          <p:cNvPr id="19" name="Picture 6" descr="Hình ảnh có liên quan"/>
+          <p:cNvPicPr>
+            <a:picLocks noChangeAspect="1" noChangeArrowheads="1"/>
+          </p:cNvPicPr>
+          <p:nvPr/>
+        </p:nvPicPr>
+        <p:blipFill>
+          <a:blip r:embed="rId4">
+            <a:extLst>
+              <a:ext uri="{28A0092B-C50C-407E-A947-70E740481C1C}">
+                <a14:useLocalDpi xmlns:a14="http://schemas.microsoft.com/office/drawing/2010/main" val="0"/>
+              </a:ext>
+            </a:extLst>
+          </a:blip>
+          <a:srcRect/>
+          <a:stretch>
+            <a:fillRect/>
+          </a:stretch>
+        </p:blipFill>
+        <p:spPr bwMode="auto">
+          <a:xfrm>
+            <a:off x="9184986" y="5274500"/>
+            <a:ext cx="1025979" cy="1025979"/>
+          </a:xfrm>
+          <a:prstGeom prst="rect">
+            <a:avLst/>
+          </a:prstGeom>
+          <a:noFill/>
+          <a:extLst>
+            <a:ext uri="{909E8E84-426E-40DD-AFC4-6F175D3DCCD1}">
+              <a14:hiddenFill xmlns:a14="http://schemas.microsoft.com/office/drawing/2010/main">
+                <a:solidFill>
+                  <a:srgbClr val="FFFFFF"/>
+                </a:solidFill>
+              </a14:hiddenFill>
+            </a:ext>
+          </a:extLst>
+        </p:spPr>
+      </p:pic>
+      <p:pic>
+        <p:nvPicPr>
+          <p:cNvPr id="20" name="Picture 2" descr="Kết quả hình ảnh cho server"/>
+          <p:cNvPicPr>
+            <a:picLocks noChangeAspect="1" noChangeArrowheads="1"/>
+          </p:cNvPicPr>
+          <p:nvPr/>
+        </p:nvPicPr>
+        <p:blipFill>
+          <a:blip r:embed="rId2">
+            <a:extLst>
+              <a:ext uri="{28A0092B-C50C-407E-A947-70E740481C1C}">
+                <a14:useLocalDpi xmlns:a14="http://schemas.microsoft.com/office/drawing/2010/main" val="0"/>
+              </a:ext>
+            </a:extLst>
+          </a:blip>
+          <a:srcRect/>
+          <a:stretch>
+            <a:fillRect/>
+          </a:stretch>
+        </p:blipFill>
+        <p:spPr bwMode="auto">
+          <a:xfrm>
+            <a:off x="5180768" y="2808795"/>
+            <a:ext cx="706396" cy="1093177"/>
+          </a:xfrm>
+          <a:prstGeom prst="rect">
+            <a:avLst/>
+          </a:prstGeom>
+          <a:noFill/>
+          <a:extLst>
+            <a:ext uri="{909E8E84-426E-40DD-AFC4-6F175D3DCCD1}">
+              <a14:hiddenFill xmlns:a14="http://schemas.microsoft.com/office/drawing/2010/main">
+                <a:solidFill>
+                  <a:srgbClr val="FFFFFF"/>
+                </a:solidFill>
+              </a14:hiddenFill>
+            </a:ext>
+          </a:extLst>
+        </p:spPr>
+      </p:pic>
+      <p:pic>
+        <p:nvPicPr>
+          <p:cNvPr id="21" name="Picture 2" descr="Kết quả hình ảnh cho server"/>
+          <p:cNvPicPr>
+            <a:picLocks noChangeAspect="1" noChangeArrowheads="1"/>
+          </p:cNvPicPr>
+          <p:nvPr/>
+        </p:nvPicPr>
+        <p:blipFill>
+          <a:blip r:embed="rId2">
+            <a:extLst>
+              <a:ext uri="{28A0092B-C50C-407E-A947-70E740481C1C}">
+                <a14:useLocalDpi xmlns:a14="http://schemas.microsoft.com/office/drawing/2010/main" val="0"/>
+              </a:ext>
+            </a:extLst>
+          </a:blip>
+          <a:srcRect/>
+          <a:stretch>
+            <a:fillRect/>
+          </a:stretch>
+        </p:blipFill>
+        <p:spPr bwMode="auto">
+          <a:xfrm>
+            <a:off x="5220980" y="4021148"/>
+            <a:ext cx="706396" cy="1093177"/>
+          </a:xfrm>
+          <a:prstGeom prst="rect">
+            <a:avLst/>
+          </a:prstGeom>
+          <a:noFill/>
+          <a:extLst>
+            <a:ext uri="{909E8E84-426E-40DD-AFC4-6F175D3DCCD1}">
+              <a14:hiddenFill xmlns:a14="http://schemas.microsoft.com/office/drawing/2010/main">
+                <a:solidFill>
+                  <a:srgbClr val="FFFFFF"/>
+                </a:solidFill>
+              </a14:hiddenFill>
+            </a:ext>
+          </a:extLst>
+        </p:spPr>
+      </p:pic>
+      <p:pic>
+        <p:nvPicPr>
+          <p:cNvPr id="22" name="Picture 2" descr="Kết quả hình ảnh cho server"/>
+          <p:cNvPicPr>
+            <a:picLocks noChangeAspect="1" noChangeArrowheads="1"/>
+          </p:cNvPicPr>
+          <p:nvPr/>
+        </p:nvPicPr>
+        <p:blipFill>
+          <a:blip r:embed="rId2">
+            <a:extLst>
+              <a:ext uri="{28A0092B-C50C-407E-A947-70E740481C1C}">
+                <a14:useLocalDpi xmlns:a14="http://schemas.microsoft.com/office/drawing/2010/main" val="0"/>
+              </a:ext>
+            </a:extLst>
+          </a:blip>
+          <a:srcRect/>
+          <a:stretch>
+            <a:fillRect/>
+          </a:stretch>
+        </p:blipFill>
+        <p:spPr bwMode="auto">
+          <a:xfrm>
+            <a:off x="5295625" y="5127978"/>
+            <a:ext cx="706396" cy="1093177"/>
+          </a:xfrm>
+          <a:prstGeom prst="rect">
+            <a:avLst/>
+          </a:prstGeom>
+          <a:noFill/>
+          <a:extLst>
+            <a:ext uri="{909E8E84-426E-40DD-AFC4-6F175D3DCCD1}">
+              <a14:hiddenFill xmlns:a14="http://schemas.microsoft.com/office/drawing/2010/main">
+                <a:solidFill>
+                  <a:srgbClr val="FFFFFF"/>
+                </a:solidFill>
+              </a14:hiddenFill>
+            </a:ext>
+          </a:extLst>
+        </p:spPr>
+      </p:pic>
+      <p:sp>
+        <p:nvSpPr>
+          <p:cNvPr id="16" name="TextBox 15"/>
+          <p:cNvSpPr txBox="1"/>
           <p:nvPr/>
         </p:nvSpPr>
         <p:spPr>
           <a:xfrm>
-            <a:off x="1441621" y="2171700"/>
-            <a:ext cx="1491048" cy="1136822"/>
-          </a:xfrm>
-          <a:prstGeom prst="ellipse">
+            <a:off x="4126325" y="2038020"/>
+            <a:ext cx="1054443" cy="369332"/>
+          </a:xfrm>
+          <a:prstGeom prst="rect">
             <a:avLst/>
           </a:prstGeom>
-        </p:spPr>
-        <p:style>
-          <a:lnRef idx="2">
-            <a:schemeClr val="accent1">
-              <a:shade val="50000"/>
-            </a:schemeClr>
-          </a:lnRef>
-          <a:fillRef idx="1">
-            <a:schemeClr val="accent1"/>
-          </a:fillRef>
-          <a:effectRef idx="0">
-            <a:schemeClr val="accent1"/>
-          </a:effectRef>
-          <a:fontRef idx="minor">
-            <a:schemeClr val="lt1"/>
-          </a:fontRef>
-        </p:style>
+          <a:noFill/>
+        </p:spPr>
         <p:txBody>
-          <a:bodyPr rtlCol="0" anchor="ctr"/>
+          <a:bodyPr wrap="square" rtlCol="0">
+            <a:spAutoFit/>
+          </a:bodyPr>
           <a:lstStyle/>
           <a:p>
-            <a:pPr algn="ctr"/>
             <a:r>
               <a:rPr lang="en-US" dirty="0"/>
               <a:t>Server A</a:t>
@@ -6581,46 +9221,26 @@
       </p:sp>
       <p:sp>
         <p:nvSpPr>
-          <p:cNvPr id="6" name="Content Placeholder 5"/>
-          <p:cNvSpPr>
-            <a:spLocks noGrp="1"/>
-          </p:cNvSpPr>
-          <p:nvPr>
-            <p:ph idx="1"/>
-          </p:nvPr>
+          <p:cNvPr id="26" name="TextBox 25"/>
+          <p:cNvSpPr txBox="1"/>
+          <p:nvPr/>
         </p:nvSpPr>
         <p:spPr>
           <a:xfrm>
-            <a:off x="1441621" y="5133715"/>
-            <a:ext cx="1491048" cy="1078127"/>
-          </a:xfrm>
-          <a:prstGeom prst="ellipse">
+            <a:off x="4126323" y="3170717"/>
+            <a:ext cx="1054443" cy="369332"/>
+          </a:xfrm>
+          <a:prstGeom prst="rect">
             <a:avLst/>
           </a:prstGeom>
-        </p:spPr>
-        <p:style>
-          <a:lnRef idx="2">
-            <a:schemeClr val="accent1">
-              <a:shade val="50000"/>
-            </a:schemeClr>
-          </a:lnRef>
-          <a:fillRef idx="1">
-            <a:schemeClr val="accent1"/>
-          </a:fillRef>
-          <a:effectRef idx="0">
-            <a:schemeClr val="accent1"/>
-          </a:effectRef>
-          <a:fontRef idx="minor">
-            <a:schemeClr val="lt1"/>
-          </a:fontRef>
-        </p:style>
+          <a:noFill/>
+        </p:spPr>
         <p:txBody>
-          <a:bodyPr rtlCol="0" anchor="ctr"/>
+          <a:bodyPr wrap="square" rtlCol="0">
+            <a:spAutoFit/>
+          </a:bodyPr>
           <a:lstStyle/>
           <a:p>
-            <a:pPr marL="0" indent="0" algn="ctr">
-              <a:buNone/>
-            </a:pPr>
             <a:r>
               <a:rPr lang="en-US" dirty="0"/>
               <a:t>Server B</a:t>
@@ -6630,122 +9250,95 @@
       </p:sp>
       <p:sp>
         <p:nvSpPr>
-          <p:cNvPr id="9" name="Rectangle: Rounded Corners 8"/>
-          <p:cNvSpPr/>
+          <p:cNvPr id="27" name="TextBox 26"/>
+          <p:cNvSpPr txBox="1"/>
           <p:nvPr/>
         </p:nvSpPr>
         <p:spPr>
           <a:xfrm>
-            <a:off x="8767120" y="3279429"/>
-            <a:ext cx="1301578" cy="568411"/>
-          </a:xfrm>
-          <a:prstGeom prst="roundRect">
+            <a:off x="4166537" y="4383070"/>
+            <a:ext cx="1054443" cy="369332"/>
+          </a:xfrm>
+          <a:prstGeom prst="rect">
             <a:avLst/>
           </a:prstGeom>
-        </p:spPr>
-        <p:style>
-          <a:lnRef idx="2">
-            <a:schemeClr val="accent1">
-              <a:shade val="50000"/>
-            </a:schemeClr>
-          </a:lnRef>
-          <a:fillRef idx="1">
-            <a:schemeClr val="accent1"/>
-          </a:fillRef>
-          <a:effectRef idx="0">
-            <a:schemeClr val="accent1"/>
-          </a:effectRef>
-          <a:fontRef idx="minor">
-            <a:schemeClr val="lt1"/>
-          </a:fontRef>
-        </p:style>
+          <a:noFill/>
+        </p:spPr>
         <p:txBody>
-          <a:bodyPr rtlCol="0" anchor="ctr"/>
+          <a:bodyPr wrap="square" rtlCol="0">
+            <a:spAutoFit/>
+          </a:bodyPr>
           <a:lstStyle/>
           <a:p>
-            <a:pPr algn="ctr"/>
             <a:r>
               <a:rPr lang="en-US" dirty="0"/>
-              <a:t>Client</a:t>
+              <a:t>Server C</a:t>
             </a:r>
           </a:p>
         </p:txBody>
       </p:sp>
-      <p:cxnSp>
-        <p:nvCxnSpPr>
-          <p:cNvPr id="30" name="Straight Arrow Connector 29"/>
-          <p:cNvCxnSpPr>
-            <a:cxnSpLocks/>
-            <a:stCxn id="9" idx="1"/>
-          </p:cNvCxnSpPr>
+      <p:sp>
+        <p:nvSpPr>
+          <p:cNvPr id="28" name="TextBox 27"/>
+          <p:cNvSpPr txBox="1"/>
           <p:nvPr/>
-        </p:nvCxnSpPr>
+        </p:nvSpPr>
         <p:spPr>
-          <a:xfrm flipH="1" flipV="1">
-            <a:off x="2932670" y="2740111"/>
-            <a:ext cx="5834450" cy="823524"/>
-          </a:xfrm>
-          <a:prstGeom prst="straightConnector1">
+          <a:xfrm>
+            <a:off x="4126324" y="5489900"/>
+            <a:ext cx="1054443" cy="369332"/>
+          </a:xfrm>
+          <a:prstGeom prst="rect">
             <a:avLst/>
           </a:prstGeom>
-          <a:ln>
-            <a:tailEnd type="triangle"/>
-          </a:ln>
-        </p:spPr>
-        <p:style>
-          <a:lnRef idx="1">
-            <a:schemeClr val="accent1"/>
-          </a:lnRef>
-          <a:fillRef idx="0">
-            <a:schemeClr val="accent1"/>
-          </a:fillRef>
-          <a:effectRef idx="0">
-            <a:schemeClr val="accent1"/>
-          </a:effectRef>
-          <a:fontRef idx="minor">
-            <a:schemeClr val="tx1"/>
-          </a:fontRef>
-        </p:style>
-      </p:cxnSp>
-      <p:cxnSp>
-        <p:nvCxnSpPr>
-          <p:cNvPr id="16" name="Straight Arrow Connector 15"/>
-          <p:cNvCxnSpPr>
-            <a:endCxn id="4" idx="3"/>
-          </p:cNvCxnSpPr>
+          <a:noFill/>
+        </p:spPr>
+        <p:txBody>
+          <a:bodyPr wrap="square" rtlCol="0">
+            <a:spAutoFit/>
+          </a:bodyPr>
+          <a:lstStyle/>
+          <a:p>
+            <a:r>
+              <a:rPr lang="en-US" dirty="0"/>
+              <a:t>Server D</a:t>
+            </a:r>
+          </a:p>
+        </p:txBody>
+      </p:sp>
+      <p:sp>
+        <p:nvSpPr>
+          <p:cNvPr id="29" name="TextBox 28"/>
+          <p:cNvSpPr txBox="1"/>
           <p:nvPr/>
-        </p:nvCxnSpPr>
+        </p:nvSpPr>
         <p:spPr>
-          <a:xfrm flipH="1">
-            <a:off x="6573795" y="3682314"/>
-            <a:ext cx="2193325" cy="607024"/>
-          </a:xfrm>
-          <a:prstGeom prst="straightConnector1">
+          <a:xfrm>
+            <a:off x="1712670" y="2317677"/>
+            <a:ext cx="1054443" cy="646331"/>
+          </a:xfrm>
+          <a:prstGeom prst="rect">
             <a:avLst/>
           </a:prstGeom>
-          <a:ln>
-            <a:tailEnd type="triangle"/>
-          </a:ln>
-        </p:spPr>
-        <p:style>
-          <a:lnRef idx="1">
-            <a:schemeClr val="accent1"/>
-          </a:lnRef>
-          <a:fillRef idx="0">
-            <a:schemeClr val="accent1"/>
-          </a:fillRef>
-          <a:effectRef idx="0">
-            <a:schemeClr val="accent1"/>
-          </a:effectRef>
-          <a:fontRef idx="minor">
-            <a:schemeClr val="tx1"/>
-          </a:fontRef>
-        </p:style>
-      </p:cxnSp>
+          <a:noFill/>
+        </p:spPr>
+        <p:txBody>
+          <a:bodyPr wrap="square" rtlCol="0">
+            <a:spAutoFit/>
+          </a:bodyPr>
+          <a:lstStyle/>
+          <a:p>
+            <a:r>
+              <a:rPr lang="en-US" dirty="0"/>
+              <a:t>Root server</a:t>
+            </a:r>
+          </a:p>
+        </p:txBody>
+      </p:sp>
     </p:spTree>
     <p:extLst>
       <p:ext uri="{BB962C8B-B14F-4D97-AF65-F5344CB8AC3E}">
-        <p14:creationId xmlns:p14="http://schemas.microsoft.com/office/powerpoint/2010/main" val="1574288946"/>
+        <p14:creationId xmlns:p14="http://schemas.microsoft.com/office/powerpoint/2010/main" val="895001217"/>
       </p:ext>
     </p:extLst>
   </p:cSld>
@@ -6779,253 +9372,1503 @@
             <a:spLocks noGrp="1"/>
           </p:cNvSpPr>
           <p:nvPr>
-            <p:ph type="ctrTitle"/>
+            <p:ph type="title"/>
           </p:nvPr>
         </p:nvSpPr>
         <p:spPr>
           <a:xfrm>
-            <a:off x="1857462" y="2208796"/>
-            <a:ext cx="8361229" cy="1538897"/>
+            <a:off x="1371600" y="685800"/>
+            <a:ext cx="5828270" cy="656341"/>
           </a:xfrm>
         </p:spPr>
         <p:txBody>
-          <a:bodyPr/>
+          <a:bodyPr>
+            <a:normAutofit fontScale="90000"/>
+          </a:bodyPr>
           <a:lstStyle/>
           <a:p>
             <a:r>
-              <a:rPr lang="en-US" sz="5400" dirty="0"/>
-              <a:t>DEMO</a:t>
-            </a:r>
+              <a:rPr lang="en-US" dirty="0" err="1"/>
+              <a:t>Cách</a:t>
+            </a:r>
+            <a:r>
+              <a:rPr lang="en-US" dirty="0"/>
+              <a:t> </a:t>
+            </a:r>
+            <a:r>
+              <a:rPr lang="en-US" dirty="0" err="1"/>
+              <a:t>hoạt</a:t>
+            </a:r>
+            <a:r>
+              <a:rPr lang="en-US" dirty="0"/>
+              <a:t> </a:t>
+            </a:r>
+            <a:r>
+              <a:rPr lang="en-US" dirty="0" err="1"/>
+              <a:t>động</a:t>
+            </a:r>
+            <a:endParaRPr lang="en-US" dirty="0"/>
           </a:p>
         </p:txBody>
       </p:sp>
-      <p:sp>
-        <p:nvSpPr>
-          <p:cNvPr id="4" name="Subtitle 2"/>
-          <p:cNvSpPr txBox="1">
-            <a:spLocks/>
-          </p:cNvSpPr>
+      <p:pic>
+        <p:nvPicPr>
+          <p:cNvPr id="1026" name="Picture 2" descr="Kết quả hình ảnh cho server"/>
+          <p:cNvPicPr>
+            <a:picLocks noChangeAspect="1" noChangeArrowheads="1"/>
+          </p:cNvPicPr>
           <p:nvPr/>
-        </p:nvSpPr>
-        <p:spPr>
+        </p:nvPicPr>
+        <p:blipFill>
+          <a:blip r:embed="rId2">
+            <a:extLst>
+              <a:ext uri="{28A0092B-C50C-407E-A947-70E740481C1C}">
+                <a14:useLocalDpi xmlns:a14="http://schemas.microsoft.com/office/drawing/2010/main" val="0"/>
+              </a:ext>
+            </a:extLst>
+          </a:blip>
+          <a:srcRect/>
+          <a:stretch>
+            <a:fillRect/>
+          </a:stretch>
+        </p:blipFill>
+        <p:spPr bwMode="auto">
           <a:xfrm>
-            <a:off x="1061172" y="5434970"/>
-            <a:ext cx="6831673" cy="1086237"/>
+            <a:off x="5220980" y="1645983"/>
+            <a:ext cx="706396" cy="1093177"/>
           </a:xfrm>
           <a:prstGeom prst="rect">
             <a:avLst/>
           </a:prstGeom>
+          <a:noFill/>
+          <a:extLst>
+            <a:ext uri="{909E8E84-426E-40DD-AFC4-6F175D3DCCD1}">
+              <a14:hiddenFill xmlns:a14="http://schemas.microsoft.com/office/drawing/2010/main">
+                <a:solidFill>
+                  <a:srgbClr val="FFFFFF"/>
+                </a:solidFill>
+              </a14:hiddenFill>
+            </a:ext>
+          </a:extLst>
+        </p:spPr>
+      </p:pic>
+      <p:pic>
+        <p:nvPicPr>
+          <p:cNvPr id="1028" name="Picture 4" descr="Kết quả hình ảnh cho server"/>
+          <p:cNvPicPr>
+            <a:picLocks noChangeAspect="1" noChangeArrowheads="1"/>
+          </p:cNvPicPr>
+          <p:nvPr/>
+        </p:nvPicPr>
+        <p:blipFill>
+          <a:blip r:embed="rId3">
+            <a:extLst>
+              <a:ext uri="{28A0092B-C50C-407E-A947-70E740481C1C}">
+                <a14:useLocalDpi xmlns:a14="http://schemas.microsoft.com/office/drawing/2010/main" val="0"/>
+              </a:ext>
+            </a:extLst>
+          </a:blip>
+          <a:srcRect/>
+          <a:stretch>
+            <a:fillRect/>
+          </a:stretch>
+        </p:blipFill>
+        <p:spPr bwMode="auto">
+          <a:xfrm>
+            <a:off x="1712670" y="2964008"/>
+            <a:ext cx="876671" cy="1387181"/>
+          </a:xfrm>
+          <a:prstGeom prst="rect">
+            <a:avLst/>
+          </a:prstGeom>
+          <a:noFill/>
+          <a:extLst>
+            <a:ext uri="{909E8E84-426E-40DD-AFC4-6F175D3DCCD1}">
+              <a14:hiddenFill xmlns:a14="http://schemas.microsoft.com/office/drawing/2010/main">
+                <a:solidFill>
+                  <a:srgbClr val="FFFFFF"/>
+                </a:solidFill>
+              </a14:hiddenFill>
+            </a:ext>
+          </a:extLst>
+        </p:spPr>
+      </p:pic>
+      <p:pic>
+        <p:nvPicPr>
+          <p:cNvPr id="1030" name="Picture 6" descr="Hình ảnh có liên quan"/>
+          <p:cNvPicPr>
+            <a:picLocks noChangeAspect="1" noChangeArrowheads="1"/>
+          </p:cNvPicPr>
+          <p:nvPr/>
+        </p:nvPicPr>
+        <p:blipFill>
+          <a:blip r:embed="rId4">
+            <a:extLst>
+              <a:ext uri="{28A0092B-C50C-407E-A947-70E740481C1C}">
+                <a14:useLocalDpi xmlns:a14="http://schemas.microsoft.com/office/drawing/2010/main" val="0"/>
+              </a:ext>
+            </a:extLst>
+          </a:blip>
+          <a:srcRect/>
+          <a:stretch>
+            <a:fillRect/>
+          </a:stretch>
+        </p:blipFill>
+        <p:spPr bwMode="auto">
+          <a:xfrm>
+            <a:off x="9184988" y="1533689"/>
+            <a:ext cx="1025979" cy="1025979"/>
+          </a:xfrm>
+          <a:prstGeom prst="rect">
+            <a:avLst/>
+          </a:prstGeom>
+          <a:noFill/>
+          <a:extLst>
+            <a:ext uri="{909E8E84-426E-40DD-AFC4-6F175D3DCCD1}">
+              <a14:hiddenFill xmlns:a14="http://schemas.microsoft.com/office/drawing/2010/main">
+                <a:solidFill>
+                  <a:srgbClr val="FFFFFF"/>
+                </a:solidFill>
+              </a14:hiddenFill>
+            </a:ext>
+          </a:extLst>
+        </p:spPr>
+      </p:pic>
+      <p:pic>
+        <p:nvPicPr>
+          <p:cNvPr id="17" name="Picture 6" descr="Hình ảnh có liên quan"/>
+          <p:cNvPicPr>
+            <a:picLocks noChangeAspect="1" noChangeArrowheads="1"/>
+          </p:cNvPicPr>
+          <p:nvPr/>
+        </p:nvPicPr>
+        <p:blipFill>
+          <a:blip r:embed="rId4">
+            <a:extLst>
+              <a:ext uri="{28A0092B-C50C-407E-A947-70E740481C1C}">
+                <a14:useLocalDpi xmlns:a14="http://schemas.microsoft.com/office/drawing/2010/main" val="0"/>
+              </a:ext>
+            </a:extLst>
+          </a:blip>
+          <a:srcRect/>
+          <a:stretch>
+            <a:fillRect/>
+          </a:stretch>
+        </p:blipFill>
+        <p:spPr bwMode="auto">
+          <a:xfrm>
+            <a:off x="9184988" y="2725285"/>
+            <a:ext cx="1025979" cy="1025979"/>
+          </a:xfrm>
+          <a:prstGeom prst="rect">
+            <a:avLst/>
+          </a:prstGeom>
+          <a:noFill/>
+          <a:extLst>
+            <a:ext uri="{909E8E84-426E-40DD-AFC4-6F175D3DCCD1}">
+              <a14:hiddenFill xmlns:a14="http://schemas.microsoft.com/office/drawing/2010/main">
+                <a:solidFill>
+                  <a:srgbClr val="FFFFFF"/>
+                </a:solidFill>
+              </a14:hiddenFill>
+            </a:ext>
+          </a:extLst>
+        </p:spPr>
+      </p:pic>
+      <p:pic>
+        <p:nvPicPr>
+          <p:cNvPr id="18" name="Picture 6" descr="Hình ảnh có liên quan"/>
+          <p:cNvPicPr>
+            <a:picLocks noChangeAspect="1" noChangeArrowheads="1"/>
+          </p:cNvPicPr>
+          <p:nvPr/>
+        </p:nvPicPr>
+        <p:blipFill>
+          <a:blip r:embed="rId4">
+            <a:extLst>
+              <a:ext uri="{28A0092B-C50C-407E-A947-70E740481C1C}">
+                <a14:useLocalDpi xmlns:a14="http://schemas.microsoft.com/office/drawing/2010/main" val="0"/>
+              </a:ext>
+            </a:extLst>
+          </a:blip>
+          <a:srcRect/>
+          <a:stretch>
+            <a:fillRect/>
+          </a:stretch>
+        </p:blipFill>
+        <p:spPr bwMode="auto">
+          <a:xfrm>
+            <a:off x="9184987" y="4007497"/>
+            <a:ext cx="1025979" cy="1025979"/>
+          </a:xfrm>
+          <a:prstGeom prst="rect">
+            <a:avLst/>
+          </a:prstGeom>
+          <a:noFill/>
+          <a:extLst>
+            <a:ext uri="{909E8E84-426E-40DD-AFC4-6F175D3DCCD1}">
+              <a14:hiddenFill xmlns:a14="http://schemas.microsoft.com/office/drawing/2010/main">
+                <a:solidFill>
+                  <a:srgbClr val="FFFFFF"/>
+                </a:solidFill>
+              </a14:hiddenFill>
+            </a:ext>
+          </a:extLst>
+        </p:spPr>
+      </p:pic>
+      <p:pic>
+        <p:nvPicPr>
+          <p:cNvPr id="19" name="Picture 6" descr="Hình ảnh có liên quan"/>
+          <p:cNvPicPr>
+            <a:picLocks noChangeAspect="1" noChangeArrowheads="1"/>
+          </p:cNvPicPr>
+          <p:nvPr/>
+        </p:nvPicPr>
+        <p:blipFill>
+          <a:blip r:embed="rId4">
+            <a:extLst>
+              <a:ext uri="{28A0092B-C50C-407E-A947-70E740481C1C}">
+                <a14:useLocalDpi xmlns:a14="http://schemas.microsoft.com/office/drawing/2010/main" val="0"/>
+              </a:ext>
+            </a:extLst>
+          </a:blip>
+          <a:srcRect/>
+          <a:stretch>
+            <a:fillRect/>
+          </a:stretch>
+        </p:blipFill>
+        <p:spPr bwMode="auto">
+          <a:xfrm>
+            <a:off x="9184986" y="5274500"/>
+            <a:ext cx="1025979" cy="1025979"/>
+          </a:xfrm>
+          <a:prstGeom prst="rect">
+            <a:avLst/>
+          </a:prstGeom>
+          <a:noFill/>
+          <a:extLst>
+            <a:ext uri="{909E8E84-426E-40DD-AFC4-6F175D3DCCD1}">
+              <a14:hiddenFill xmlns:a14="http://schemas.microsoft.com/office/drawing/2010/main">
+                <a:solidFill>
+                  <a:srgbClr val="FFFFFF"/>
+                </a:solidFill>
+              </a14:hiddenFill>
+            </a:ext>
+          </a:extLst>
+        </p:spPr>
+      </p:pic>
+      <p:pic>
+        <p:nvPicPr>
+          <p:cNvPr id="20" name="Picture 2" descr="Kết quả hình ảnh cho server"/>
+          <p:cNvPicPr>
+            <a:picLocks noChangeAspect="1" noChangeArrowheads="1"/>
+          </p:cNvPicPr>
+          <p:nvPr/>
+        </p:nvPicPr>
+        <p:blipFill>
+          <a:blip r:embed="rId2">
+            <a:extLst>
+              <a:ext uri="{28A0092B-C50C-407E-A947-70E740481C1C}">
+                <a14:useLocalDpi xmlns:a14="http://schemas.microsoft.com/office/drawing/2010/main" val="0"/>
+              </a:ext>
+            </a:extLst>
+          </a:blip>
+          <a:srcRect/>
+          <a:stretch>
+            <a:fillRect/>
+          </a:stretch>
+        </p:blipFill>
+        <p:spPr bwMode="auto">
+          <a:xfrm>
+            <a:off x="5219111" y="2865735"/>
+            <a:ext cx="706396" cy="1093177"/>
+          </a:xfrm>
+          <a:prstGeom prst="rect">
+            <a:avLst/>
+          </a:prstGeom>
+          <a:noFill/>
+          <a:extLst>
+            <a:ext uri="{909E8E84-426E-40DD-AFC4-6F175D3DCCD1}">
+              <a14:hiddenFill xmlns:a14="http://schemas.microsoft.com/office/drawing/2010/main">
+                <a:solidFill>
+                  <a:srgbClr val="FFFFFF"/>
+                </a:solidFill>
+              </a14:hiddenFill>
+            </a:ext>
+          </a:extLst>
+        </p:spPr>
+      </p:pic>
+      <p:pic>
+        <p:nvPicPr>
+          <p:cNvPr id="21" name="Picture 2" descr="Kết quả hình ảnh cho server"/>
+          <p:cNvPicPr>
+            <a:picLocks noChangeAspect="1" noChangeArrowheads="1"/>
+          </p:cNvPicPr>
+          <p:nvPr/>
+        </p:nvPicPr>
+        <p:blipFill>
+          <a:blip r:embed="rId2">
+            <a:extLst>
+              <a:ext uri="{28A0092B-C50C-407E-A947-70E740481C1C}">
+                <a14:useLocalDpi xmlns:a14="http://schemas.microsoft.com/office/drawing/2010/main" val="0"/>
+              </a:ext>
+            </a:extLst>
+          </a:blip>
+          <a:srcRect/>
+          <a:stretch>
+            <a:fillRect/>
+          </a:stretch>
+        </p:blipFill>
+        <p:spPr bwMode="auto">
+          <a:xfrm>
+            <a:off x="5220980" y="4021148"/>
+            <a:ext cx="706396" cy="1093177"/>
+          </a:xfrm>
+          <a:prstGeom prst="rect">
+            <a:avLst/>
+          </a:prstGeom>
+          <a:noFill/>
+          <a:extLst>
+            <a:ext uri="{909E8E84-426E-40DD-AFC4-6F175D3DCCD1}">
+              <a14:hiddenFill xmlns:a14="http://schemas.microsoft.com/office/drawing/2010/main">
+                <a:solidFill>
+                  <a:srgbClr val="FFFFFF"/>
+                </a:solidFill>
+              </a14:hiddenFill>
+            </a:ext>
+          </a:extLst>
+        </p:spPr>
+      </p:pic>
+      <p:pic>
+        <p:nvPicPr>
+          <p:cNvPr id="22" name="Picture 2" descr="Kết quả hình ảnh cho server"/>
+          <p:cNvPicPr>
+            <a:picLocks noChangeAspect="1" noChangeArrowheads="1"/>
+          </p:cNvPicPr>
+          <p:nvPr/>
+        </p:nvPicPr>
+        <p:blipFill>
+          <a:blip r:embed="rId2">
+            <a:extLst>
+              <a:ext uri="{28A0092B-C50C-407E-A947-70E740481C1C}">
+                <a14:useLocalDpi xmlns:a14="http://schemas.microsoft.com/office/drawing/2010/main" val="0"/>
+              </a:ext>
+            </a:extLst>
+          </a:blip>
+          <a:srcRect/>
+          <a:stretch>
+            <a:fillRect/>
+          </a:stretch>
+        </p:blipFill>
+        <p:spPr bwMode="auto">
+          <a:xfrm>
+            <a:off x="5220980" y="5240900"/>
+            <a:ext cx="706396" cy="1093177"/>
+          </a:xfrm>
+          <a:prstGeom prst="rect">
+            <a:avLst/>
+          </a:prstGeom>
+          <a:noFill/>
+          <a:extLst>
+            <a:ext uri="{909E8E84-426E-40DD-AFC4-6F175D3DCCD1}">
+              <a14:hiddenFill xmlns:a14="http://schemas.microsoft.com/office/drawing/2010/main">
+                <a:solidFill>
+                  <a:srgbClr val="FFFFFF"/>
+                </a:solidFill>
+              </a14:hiddenFill>
+            </a:ext>
+          </a:extLst>
+        </p:spPr>
+      </p:pic>
+      <p:sp>
+        <p:nvSpPr>
+          <p:cNvPr id="16" name="TextBox 15"/>
+          <p:cNvSpPr txBox="1"/>
+          <p:nvPr/>
+        </p:nvSpPr>
+        <p:spPr>
+          <a:xfrm>
+            <a:off x="4126325" y="2038020"/>
+            <a:ext cx="1054443" cy="369332"/>
+          </a:xfrm>
+          <a:prstGeom prst="rect">
+            <a:avLst/>
+          </a:prstGeom>
+          <a:noFill/>
         </p:spPr>
         <p:txBody>
-          <a:bodyPr vert="horz" lIns="91440" tIns="45720" rIns="91440" bIns="45720" rtlCol="0">
-            <a:normAutofit/>
+          <a:bodyPr wrap="square" rtlCol="0">
+            <a:spAutoFit/>
           </a:bodyPr>
-          <a:lstStyle>
-            <a:lvl1pPr marL="0" indent="0" algn="ctr" defTabSz="914400" rtl="0" eaLnBrk="1" latinLnBrk="0" hangingPunct="1">
-              <a:lnSpc>
-                <a:spcPct val="112000"/>
-              </a:lnSpc>
-              <a:spcBef>
-                <a:spcPts val="0"/>
-              </a:spcBef>
-              <a:spcAft>
-                <a:spcPts val="0"/>
-              </a:spcAft>
-              <a:buFont typeface="Franklin Gothic Book" panose="020B0503020102020204" pitchFamily="34" charset="0"/>
-              <a:buNone/>
-              <a:defRPr sz="2300" kern="1200" baseline="0">
-                <a:solidFill>
-                  <a:schemeClr val="tx2"/>
-                </a:solidFill>
-                <a:latin typeface="+mn-lt"/>
-                <a:ea typeface="+mn-ea"/>
-                <a:cs typeface="+mn-cs"/>
-              </a:defRPr>
-            </a:lvl1pPr>
-            <a:lvl2pPr marL="457200" indent="0" algn="ctr" defTabSz="914400" rtl="0" eaLnBrk="1" latinLnBrk="0" hangingPunct="1">
-              <a:lnSpc>
-                <a:spcPct val="94000"/>
-              </a:lnSpc>
-              <a:spcBef>
-                <a:spcPts val="500"/>
-              </a:spcBef>
-              <a:spcAft>
-                <a:spcPts val="200"/>
-              </a:spcAft>
-              <a:buFont typeface="Franklin Gothic Book" panose="020B0503020102020204" pitchFamily="34" charset="0"/>
-              <a:buNone/>
-              <a:defRPr sz="2000" i="1" kern="1200" baseline="0">
-                <a:solidFill>
-                  <a:schemeClr val="tx2"/>
-                </a:solidFill>
-                <a:latin typeface="+mn-lt"/>
-                <a:ea typeface="+mn-ea"/>
-                <a:cs typeface="+mn-cs"/>
-              </a:defRPr>
-            </a:lvl2pPr>
-            <a:lvl3pPr marL="914400" indent="0" algn="ctr" defTabSz="914400" rtl="0" eaLnBrk="1" latinLnBrk="0" hangingPunct="1">
-              <a:lnSpc>
-                <a:spcPct val="94000"/>
-              </a:lnSpc>
-              <a:spcBef>
-                <a:spcPts val="500"/>
-              </a:spcBef>
-              <a:spcAft>
-                <a:spcPts val="200"/>
-              </a:spcAft>
-              <a:buFont typeface="Franklin Gothic Book" panose="020B0503020102020204" pitchFamily="34" charset="0"/>
-              <a:buNone/>
-              <a:defRPr sz="1800" kern="1200" baseline="0">
-                <a:solidFill>
-                  <a:schemeClr val="tx2"/>
-                </a:solidFill>
-                <a:latin typeface="+mn-lt"/>
-                <a:ea typeface="+mn-ea"/>
-                <a:cs typeface="+mn-cs"/>
-              </a:defRPr>
-            </a:lvl3pPr>
-            <a:lvl4pPr marL="1371600" indent="0" algn="ctr" defTabSz="914400" rtl="0" eaLnBrk="1" latinLnBrk="0" hangingPunct="1">
-              <a:lnSpc>
-                <a:spcPct val="94000"/>
-              </a:lnSpc>
-              <a:spcBef>
-                <a:spcPts val="500"/>
-              </a:spcBef>
-              <a:spcAft>
-                <a:spcPts val="200"/>
-              </a:spcAft>
-              <a:buFont typeface="Franklin Gothic Book" panose="020B0503020102020204" pitchFamily="34" charset="0"/>
-              <a:buNone/>
-              <a:defRPr sz="1600" i="1" kern="1200" baseline="0">
-                <a:solidFill>
-                  <a:schemeClr val="tx2"/>
-                </a:solidFill>
-                <a:latin typeface="+mn-lt"/>
-                <a:ea typeface="+mn-ea"/>
-                <a:cs typeface="+mn-cs"/>
-              </a:defRPr>
-            </a:lvl4pPr>
-            <a:lvl5pPr marL="1828800" indent="0" algn="ctr" defTabSz="914400" rtl="0" eaLnBrk="1" latinLnBrk="0" hangingPunct="1">
-              <a:lnSpc>
-                <a:spcPct val="94000"/>
-              </a:lnSpc>
-              <a:spcBef>
-                <a:spcPts val="500"/>
-              </a:spcBef>
-              <a:spcAft>
-                <a:spcPts val="200"/>
-              </a:spcAft>
-              <a:buFont typeface="Franklin Gothic Book" panose="020B0503020102020204" pitchFamily="34" charset="0"/>
-              <a:buNone/>
-              <a:defRPr sz="1600" kern="1200" baseline="0">
-                <a:solidFill>
-                  <a:schemeClr val="tx2"/>
-                </a:solidFill>
-                <a:latin typeface="+mn-lt"/>
-                <a:ea typeface="+mn-ea"/>
-                <a:cs typeface="+mn-cs"/>
-              </a:defRPr>
-            </a:lvl5pPr>
-            <a:lvl6pPr marL="2286000" indent="0" algn="ctr" defTabSz="914400" rtl="0" eaLnBrk="1" latinLnBrk="0" hangingPunct="1">
-              <a:lnSpc>
-                <a:spcPct val="94000"/>
-              </a:lnSpc>
-              <a:spcBef>
-                <a:spcPts val="500"/>
-              </a:spcBef>
-              <a:spcAft>
-                <a:spcPts val="200"/>
-              </a:spcAft>
-              <a:buFont typeface="Franklin Gothic Book" panose="020B0503020102020204" pitchFamily="34" charset="0"/>
-              <a:buNone/>
-              <a:defRPr sz="1600" i="1" kern="1200" baseline="0">
-                <a:solidFill>
-                  <a:schemeClr val="tx2"/>
-                </a:solidFill>
-                <a:latin typeface="+mn-lt"/>
-                <a:ea typeface="+mn-ea"/>
-                <a:cs typeface="+mn-cs"/>
-              </a:defRPr>
-            </a:lvl6pPr>
-            <a:lvl7pPr marL="2743200" indent="0" algn="ctr" defTabSz="914400" rtl="0" eaLnBrk="1" latinLnBrk="0" hangingPunct="1">
-              <a:lnSpc>
-                <a:spcPct val="94000"/>
-              </a:lnSpc>
-              <a:spcBef>
-                <a:spcPts val="500"/>
-              </a:spcBef>
-              <a:spcAft>
-                <a:spcPts val="200"/>
-              </a:spcAft>
-              <a:buFont typeface="Franklin Gothic Book" panose="020B0503020102020204" pitchFamily="34" charset="0"/>
-              <a:buNone/>
-              <a:defRPr sz="1600" kern="1200" baseline="0">
-                <a:solidFill>
-                  <a:schemeClr val="tx2"/>
-                </a:solidFill>
-                <a:latin typeface="+mn-lt"/>
-                <a:ea typeface="+mn-ea"/>
-                <a:cs typeface="+mn-cs"/>
-              </a:defRPr>
-            </a:lvl7pPr>
-            <a:lvl8pPr marL="3200400" indent="0" algn="ctr" defTabSz="914400" rtl="0" eaLnBrk="1" latinLnBrk="0" hangingPunct="1">
-              <a:lnSpc>
-                <a:spcPct val="94000"/>
-              </a:lnSpc>
-              <a:spcBef>
-                <a:spcPts val="500"/>
-              </a:spcBef>
-              <a:spcAft>
-                <a:spcPts val="200"/>
-              </a:spcAft>
-              <a:buFont typeface="Franklin Gothic Book" panose="020B0503020102020204" pitchFamily="34" charset="0"/>
-              <a:buNone/>
-              <a:defRPr sz="1600" i="1" kern="1200" baseline="0">
-                <a:solidFill>
-                  <a:schemeClr val="tx2"/>
-                </a:solidFill>
-                <a:latin typeface="+mn-lt"/>
-                <a:ea typeface="+mn-ea"/>
-                <a:cs typeface="+mn-cs"/>
-              </a:defRPr>
-            </a:lvl8pPr>
-            <a:lvl9pPr marL="3657600" indent="0" algn="ctr" defTabSz="914400" rtl="0" eaLnBrk="1" latinLnBrk="0" hangingPunct="1">
-              <a:lnSpc>
-                <a:spcPct val="94000"/>
-              </a:lnSpc>
-              <a:spcBef>
-                <a:spcPts val="500"/>
-              </a:spcBef>
-              <a:spcAft>
-                <a:spcPts val="200"/>
-              </a:spcAft>
-              <a:buFont typeface="Franklin Gothic Book" panose="020B0503020102020204" pitchFamily="34" charset="0"/>
-              <a:buNone/>
-              <a:defRPr sz="1600" kern="1200" baseline="0">
-                <a:solidFill>
-                  <a:schemeClr val="tx2"/>
-                </a:solidFill>
-                <a:latin typeface="+mn-lt"/>
-                <a:ea typeface="+mn-ea"/>
-                <a:cs typeface="+mn-cs"/>
-              </a:defRPr>
-            </a:lvl9pPr>
-          </a:lstStyle>
-          <a:p>
+          <a:lstStyle/>
+          <a:p>
+            <a:r>
+              <a:rPr lang="en-US" dirty="0"/>
+              <a:t>Server A</a:t>
+            </a:r>
+          </a:p>
+        </p:txBody>
+      </p:sp>
+      <p:sp>
+        <p:nvSpPr>
+          <p:cNvPr id="26" name="TextBox 25"/>
+          <p:cNvSpPr txBox="1"/>
+          <p:nvPr/>
+        </p:nvSpPr>
+        <p:spPr>
+          <a:xfrm>
+            <a:off x="4123579" y="3254257"/>
+            <a:ext cx="1054443" cy="369332"/>
+          </a:xfrm>
+          <a:prstGeom prst="rect">
+            <a:avLst/>
+          </a:prstGeom>
+          <a:noFill/>
+        </p:spPr>
+        <p:txBody>
+          <a:bodyPr wrap="square" rtlCol="0">
+            <a:spAutoFit/>
+          </a:bodyPr>
+          <a:lstStyle/>
+          <a:p>
+            <a:r>
+              <a:rPr lang="en-US" dirty="0"/>
+              <a:t>Server B</a:t>
+            </a:r>
+          </a:p>
+        </p:txBody>
+      </p:sp>
+      <p:sp>
+        <p:nvSpPr>
+          <p:cNvPr id="27" name="TextBox 26"/>
+          <p:cNvSpPr txBox="1"/>
+          <p:nvPr/>
+        </p:nvSpPr>
+        <p:spPr>
+          <a:xfrm>
+            <a:off x="4166537" y="4383070"/>
+            <a:ext cx="1054443" cy="369332"/>
+          </a:xfrm>
+          <a:prstGeom prst="rect">
+            <a:avLst/>
+          </a:prstGeom>
+          <a:noFill/>
+        </p:spPr>
+        <p:txBody>
+          <a:bodyPr wrap="square" rtlCol="0">
+            <a:spAutoFit/>
+          </a:bodyPr>
+          <a:lstStyle/>
+          <a:p>
+            <a:r>
+              <a:rPr lang="en-US" dirty="0"/>
+              <a:t>Server C</a:t>
+            </a:r>
+          </a:p>
+        </p:txBody>
+      </p:sp>
+      <p:sp>
+        <p:nvSpPr>
+          <p:cNvPr id="28" name="TextBox 27"/>
+          <p:cNvSpPr txBox="1"/>
+          <p:nvPr/>
+        </p:nvSpPr>
+        <p:spPr>
+          <a:xfrm>
+            <a:off x="4126324" y="5489900"/>
+            <a:ext cx="1054443" cy="369332"/>
+          </a:xfrm>
+          <a:prstGeom prst="rect">
+            <a:avLst/>
+          </a:prstGeom>
+          <a:noFill/>
+        </p:spPr>
+        <p:txBody>
+          <a:bodyPr wrap="square" rtlCol="0">
+            <a:spAutoFit/>
+          </a:bodyPr>
+          <a:lstStyle/>
+          <a:p>
+            <a:r>
+              <a:rPr lang="en-US" dirty="0"/>
+              <a:t>Server D</a:t>
+            </a:r>
+          </a:p>
+        </p:txBody>
+      </p:sp>
+      <p:sp>
+        <p:nvSpPr>
+          <p:cNvPr id="29" name="TextBox 28"/>
+          <p:cNvSpPr txBox="1"/>
+          <p:nvPr/>
+        </p:nvSpPr>
+        <p:spPr>
+          <a:xfrm>
+            <a:off x="1712670" y="2317677"/>
+            <a:ext cx="1054443" cy="646331"/>
+          </a:xfrm>
+          <a:prstGeom prst="rect">
+            <a:avLst/>
+          </a:prstGeom>
+          <a:noFill/>
+        </p:spPr>
+        <p:txBody>
+          <a:bodyPr wrap="square" rtlCol="0">
+            <a:spAutoFit/>
+          </a:bodyPr>
+          <a:lstStyle/>
+          <a:p>
+            <a:r>
+              <a:rPr lang="en-US" dirty="0"/>
+              <a:t>Root server</a:t>
+            </a:r>
+          </a:p>
+        </p:txBody>
+      </p:sp>
+      <p:cxnSp>
+        <p:nvCxnSpPr>
+          <p:cNvPr id="24" name="Straight Arrow Connector 23"/>
+          <p:cNvCxnSpPr>
+            <a:cxnSpLocks/>
+            <a:stCxn id="1030" idx="1"/>
+          </p:cNvCxnSpPr>
+          <p:nvPr/>
+        </p:nvCxnSpPr>
+        <p:spPr>
+          <a:xfrm flipH="1">
+            <a:off x="2589342" y="2046679"/>
+            <a:ext cx="6595646" cy="1412437"/>
+          </a:xfrm>
+          <a:prstGeom prst="straightConnector1">
+            <a:avLst/>
+          </a:prstGeom>
+          <a:ln>
+            <a:tailEnd type="triangle"/>
+          </a:ln>
+        </p:spPr>
+        <p:style>
+          <a:lnRef idx="1">
+            <a:schemeClr val="accent1"/>
+          </a:lnRef>
+          <a:fillRef idx="0">
+            <a:schemeClr val="accent1"/>
+          </a:fillRef>
+          <a:effectRef idx="0">
+            <a:schemeClr val="accent1"/>
+          </a:effectRef>
+          <a:fontRef idx="minor">
+            <a:schemeClr val="tx1"/>
+          </a:fontRef>
+        </p:style>
+      </p:cxnSp>
+      <p:sp>
+        <p:nvSpPr>
+          <p:cNvPr id="25" name="Flowchart: Alternate Process 24"/>
+          <p:cNvSpPr/>
+          <p:nvPr/>
+        </p:nvSpPr>
+        <p:spPr>
+          <a:xfrm>
+            <a:off x="6639697" y="2038020"/>
+            <a:ext cx="1433384" cy="925988"/>
+          </a:xfrm>
+          <a:prstGeom prst="flowChartAlternateProcess">
+            <a:avLst/>
+          </a:prstGeom>
+        </p:spPr>
+        <p:style>
+          <a:lnRef idx="2">
+            <a:schemeClr val="accent1">
+              <a:shade val="50000"/>
+            </a:schemeClr>
+          </a:lnRef>
+          <a:fillRef idx="1">
+            <a:schemeClr val="accent1"/>
+          </a:fillRef>
+          <a:effectRef idx="0">
+            <a:schemeClr val="accent1"/>
+          </a:effectRef>
+          <a:fontRef idx="minor">
+            <a:schemeClr val="lt1"/>
+          </a:fontRef>
+        </p:style>
+        <p:txBody>
+          <a:bodyPr rtlCol="0" anchor="ctr"/>
+          <a:lstStyle/>
+          <a:p>
+            <a:pPr algn="ctr"/>
+            <a:r>
+              <a:rPr lang="en-US" dirty="0" err="1"/>
+              <a:t>Yêu</a:t>
+            </a:r>
+            <a:r>
+              <a:rPr lang="en-US" dirty="0"/>
+              <a:t> </a:t>
+            </a:r>
+            <a:r>
+              <a:rPr lang="en-US" dirty="0" err="1"/>
+              <a:t>cầu</a:t>
+            </a:r>
+            <a:r>
+              <a:rPr lang="en-US" dirty="0"/>
+              <a:t> </a:t>
+            </a:r>
+            <a:r>
+              <a:rPr lang="en-US" dirty="0" err="1"/>
+              <a:t>kết</a:t>
+            </a:r>
+            <a:r>
+              <a:rPr lang="en-US" dirty="0"/>
+              <a:t> </a:t>
+            </a:r>
+            <a:r>
+              <a:rPr lang="en-US" dirty="0" err="1"/>
+              <a:t>nối</a:t>
+            </a:r>
             <a:endParaRPr lang="en-US" dirty="0"/>
+          </a:p>
+        </p:txBody>
+      </p:sp>
+      <p:cxnSp>
+        <p:nvCxnSpPr>
+          <p:cNvPr id="5" name="Straight Arrow Connector 4"/>
+          <p:cNvCxnSpPr>
+            <a:cxnSpLocks/>
+            <a:stCxn id="16" idx="3"/>
+          </p:cNvCxnSpPr>
+          <p:nvPr/>
+        </p:nvCxnSpPr>
+        <p:spPr>
+          <a:xfrm flipH="1">
+            <a:off x="2629553" y="2222686"/>
+            <a:ext cx="2551215" cy="920541"/>
+          </a:xfrm>
+          <a:prstGeom prst="straightConnector1">
+            <a:avLst/>
+          </a:prstGeom>
+          <a:ln>
+            <a:tailEnd type="triangle"/>
+          </a:ln>
+        </p:spPr>
+        <p:style>
+          <a:lnRef idx="1">
+            <a:schemeClr val="accent1"/>
+          </a:lnRef>
+          <a:fillRef idx="0">
+            <a:schemeClr val="accent1"/>
+          </a:fillRef>
+          <a:effectRef idx="0">
+            <a:schemeClr val="accent1"/>
+          </a:effectRef>
+          <a:fontRef idx="minor">
+            <a:schemeClr val="tx1"/>
+          </a:fontRef>
+        </p:style>
+      </p:cxnSp>
+      <p:cxnSp>
+        <p:nvCxnSpPr>
+          <p:cNvPr id="8" name="Straight Arrow Connector 7"/>
+          <p:cNvCxnSpPr>
+            <a:stCxn id="26" idx="3"/>
+            <a:endCxn id="1028" idx="3"/>
+          </p:cNvCxnSpPr>
+          <p:nvPr/>
+        </p:nvCxnSpPr>
+        <p:spPr>
+          <a:xfrm flipH="1">
+            <a:off x="2589341" y="3438923"/>
+            <a:ext cx="2588681" cy="218676"/>
+          </a:xfrm>
+          <a:prstGeom prst="straightConnector1">
+            <a:avLst/>
+          </a:prstGeom>
+          <a:ln>
+            <a:tailEnd type="triangle"/>
+          </a:ln>
+        </p:spPr>
+        <p:style>
+          <a:lnRef idx="1">
+            <a:schemeClr val="accent1"/>
+          </a:lnRef>
+          <a:fillRef idx="0">
+            <a:schemeClr val="accent1"/>
+          </a:fillRef>
+          <a:effectRef idx="0">
+            <a:schemeClr val="accent1"/>
+          </a:effectRef>
+          <a:fontRef idx="minor">
+            <a:schemeClr val="tx1"/>
+          </a:fontRef>
+        </p:style>
+      </p:cxnSp>
+      <p:cxnSp>
+        <p:nvCxnSpPr>
+          <p:cNvPr id="10" name="Straight Arrow Connector 9"/>
+          <p:cNvCxnSpPr>
+            <a:stCxn id="21" idx="1"/>
+          </p:cNvCxnSpPr>
+          <p:nvPr/>
+        </p:nvCxnSpPr>
+        <p:spPr>
+          <a:xfrm flipH="1" flipV="1">
+            <a:off x="2629553" y="3854824"/>
+            <a:ext cx="2591427" cy="712913"/>
+          </a:xfrm>
+          <a:prstGeom prst="straightConnector1">
+            <a:avLst/>
+          </a:prstGeom>
+          <a:ln>
+            <a:tailEnd type="triangle"/>
+          </a:ln>
+        </p:spPr>
+        <p:style>
+          <a:lnRef idx="1">
+            <a:schemeClr val="accent1"/>
+          </a:lnRef>
+          <a:fillRef idx="0">
+            <a:schemeClr val="accent1"/>
+          </a:fillRef>
+          <a:effectRef idx="0">
+            <a:schemeClr val="accent1"/>
+          </a:effectRef>
+          <a:fontRef idx="minor">
+            <a:schemeClr val="tx1"/>
+          </a:fontRef>
+        </p:style>
+      </p:cxnSp>
+      <p:cxnSp>
+        <p:nvCxnSpPr>
+          <p:cNvPr id="12" name="Straight Arrow Connector 11"/>
+          <p:cNvCxnSpPr>
+            <a:stCxn id="22" idx="1"/>
+          </p:cNvCxnSpPr>
+          <p:nvPr/>
+        </p:nvCxnSpPr>
+        <p:spPr>
+          <a:xfrm flipH="1" flipV="1">
+            <a:off x="2608512" y="4018810"/>
+            <a:ext cx="2612468" cy="1768679"/>
+          </a:xfrm>
+          <a:prstGeom prst="straightConnector1">
+            <a:avLst/>
+          </a:prstGeom>
+          <a:ln>
+            <a:tailEnd type="triangle"/>
+          </a:ln>
+        </p:spPr>
+        <p:style>
+          <a:lnRef idx="1">
+            <a:schemeClr val="accent1"/>
+          </a:lnRef>
+          <a:fillRef idx="0">
+            <a:schemeClr val="accent1"/>
+          </a:fillRef>
+          <a:effectRef idx="0">
+            <a:schemeClr val="accent1"/>
+          </a:effectRef>
+          <a:fontRef idx="minor">
+            <a:schemeClr val="tx1"/>
+          </a:fontRef>
+        </p:style>
+      </p:cxnSp>
+      <p:cxnSp>
+        <p:nvCxnSpPr>
+          <p:cNvPr id="14" name="Straight Arrow Connector 13"/>
+          <p:cNvCxnSpPr/>
+          <p:nvPr/>
+        </p:nvCxnSpPr>
+        <p:spPr>
+          <a:xfrm flipV="1">
+            <a:off x="2589341" y="1882588"/>
+            <a:ext cx="6662235" cy="1556335"/>
+          </a:xfrm>
+          <a:prstGeom prst="straightConnector1">
+            <a:avLst/>
+          </a:prstGeom>
+          <a:ln>
+            <a:tailEnd type="triangle"/>
+          </a:ln>
+        </p:spPr>
+        <p:style>
+          <a:lnRef idx="1">
+            <a:schemeClr val="accent1"/>
+          </a:lnRef>
+          <a:fillRef idx="0">
+            <a:schemeClr val="accent1"/>
+          </a:fillRef>
+          <a:effectRef idx="0">
+            <a:schemeClr val="accent1"/>
+          </a:effectRef>
+          <a:fontRef idx="minor">
+            <a:schemeClr val="tx1"/>
+          </a:fontRef>
+        </p:style>
+      </p:cxnSp>
+      <p:sp>
+        <p:nvSpPr>
+          <p:cNvPr id="15" name="Rectangle: Rounded Corners 14"/>
+          <p:cNvSpPr/>
+          <p:nvPr/>
+        </p:nvSpPr>
+        <p:spPr>
+          <a:xfrm>
+            <a:off x="7199870" y="1129553"/>
+            <a:ext cx="1702083" cy="908467"/>
+          </a:xfrm>
+          <a:prstGeom prst="roundRect">
+            <a:avLst/>
+          </a:prstGeom>
+        </p:spPr>
+        <p:style>
+          <a:lnRef idx="2">
+            <a:schemeClr val="accent1">
+              <a:shade val="50000"/>
+            </a:schemeClr>
+          </a:lnRef>
+          <a:fillRef idx="1">
+            <a:schemeClr val="accent1"/>
+          </a:fillRef>
+          <a:effectRef idx="0">
+            <a:schemeClr val="accent1"/>
+          </a:effectRef>
+          <a:fontRef idx="minor">
+            <a:schemeClr val="lt1"/>
+          </a:fontRef>
+        </p:style>
+        <p:txBody>
+          <a:bodyPr rtlCol="0" anchor="ctr"/>
+          <a:lstStyle/>
+          <a:p>
+            <a:pPr algn="ctr"/>
+            <a:r>
+              <a:rPr lang="en-US" dirty="0" err="1"/>
+              <a:t>Trả</a:t>
+            </a:r>
+            <a:r>
+              <a:rPr lang="en-US" dirty="0"/>
+              <a:t> </a:t>
+            </a:r>
+            <a:r>
+              <a:rPr lang="en-US" dirty="0" err="1"/>
+              <a:t>về</a:t>
+            </a:r>
+            <a:r>
+              <a:rPr lang="en-US" dirty="0"/>
+              <a:t> </a:t>
+            </a:r>
+            <a:r>
+              <a:rPr lang="en-US" dirty="0" err="1"/>
+              <a:t>địa</a:t>
+            </a:r>
+            <a:r>
+              <a:rPr lang="en-US" dirty="0"/>
+              <a:t> </a:t>
+            </a:r>
+            <a:r>
+              <a:rPr lang="en-US" dirty="0" err="1"/>
+              <a:t>chỉ</a:t>
+            </a:r>
+            <a:r>
+              <a:rPr lang="en-US" dirty="0"/>
+              <a:t> server A</a:t>
+            </a:r>
+          </a:p>
+        </p:txBody>
+      </p:sp>
+      <p:cxnSp>
+        <p:nvCxnSpPr>
+          <p:cNvPr id="30" name="Straight Arrow Connector 29"/>
+          <p:cNvCxnSpPr>
+            <a:stCxn id="1030" idx="1"/>
+          </p:cNvCxnSpPr>
+          <p:nvPr/>
+        </p:nvCxnSpPr>
+        <p:spPr>
+          <a:xfrm flipH="1" flipV="1">
+            <a:off x="5925507" y="1882588"/>
+            <a:ext cx="3259481" cy="164091"/>
+          </a:xfrm>
+          <a:prstGeom prst="straightConnector1">
+            <a:avLst/>
+          </a:prstGeom>
+          <a:ln>
+            <a:tailEnd type="triangle"/>
+          </a:ln>
+        </p:spPr>
+        <p:style>
+          <a:lnRef idx="1">
+            <a:schemeClr val="accent1"/>
+          </a:lnRef>
+          <a:fillRef idx="0">
+            <a:schemeClr val="accent1"/>
+          </a:fillRef>
+          <a:effectRef idx="0">
+            <a:schemeClr val="accent1"/>
+          </a:effectRef>
+          <a:fontRef idx="minor">
+            <a:schemeClr val="tx1"/>
+          </a:fontRef>
+        </p:style>
+      </p:cxnSp>
+      <p:sp>
+        <p:nvSpPr>
+          <p:cNvPr id="31" name="Rectangle: Rounded Corners 30"/>
+          <p:cNvSpPr/>
+          <p:nvPr/>
+        </p:nvSpPr>
+        <p:spPr>
+          <a:xfrm>
+            <a:off x="6332013" y="1309667"/>
+            <a:ext cx="1506070" cy="923365"/>
+          </a:xfrm>
+          <a:prstGeom prst="roundRect">
+            <a:avLst/>
+          </a:prstGeom>
+        </p:spPr>
+        <p:style>
+          <a:lnRef idx="2">
+            <a:schemeClr val="accent1">
+              <a:shade val="50000"/>
+            </a:schemeClr>
+          </a:lnRef>
+          <a:fillRef idx="1">
+            <a:schemeClr val="accent1"/>
+          </a:fillRef>
+          <a:effectRef idx="0">
+            <a:schemeClr val="accent1"/>
+          </a:effectRef>
+          <a:fontRef idx="minor">
+            <a:schemeClr val="lt1"/>
+          </a:fontRef>
+        </p:style>
+        <p:txBody>
+          <a:bodyPr rtlCol="0" anchor="ctr"/>
+          <a:lstStyle/>
+          <a:p>
+            <a:pPr algn="ctr"/>
+            <a:r>
+              <a:rPr lang="en-US" dirty="0" err="1"/>
+              <a:t>Kết</a:t>
+            </a:r>
+            <a:r>
+              <a:rPr lang="en-US" dirty="0"/>
+              <a:t> </a:t>
+            </a:r>
+            <a:r>
+              <a:rPr lang="en-US" dirty="0" err="1"/>
+              <a:t>nối</a:t>
+            </a:r>
+            <a:r>
+              <a:rPr lang="en-US" dirty="0"/>
+              <a:t> </a:t>
+            </a:r>
+            <a:r>
+              <a:rPr lang="en-US" dirty="0" err="1"/>
+              <a:t>với</a:t>
+            </a:r>
+            <a:r>
+              <a:rPr lang="en-US" dirty="0"/>
+              <a:t> A</a:t>
+            </a:r>
           </a:p>
         </p:txBody>
       </p:sp>
     </p:spTree>
     <p:extLst>
       <p:ext uri="{BB962C8B-B14F-4D97-AF65-F5344CB8AC3E}">
-        <p14:creationId xmlns:p14="http://schemas.microsoft.com/office/powerpoint/2010/main" val="2876791013"/>
+        <p14:creationId xmlns:p14="http://schemas.microsoft.com/office/powerpoint/2010/main" val="2379077003"/>
       </p:ext>
     </p:extLst>
   </p:cSld>
   <p:clrMapOvr>
     <a:masterClrMapping/>
   </p:clrMapOvr>
+  <p:timing>
+    <p:tnLst>
+      <p:par>
+        <p:cTn id="1" dur="indefinite" restart="never" nodeType="tmRoot">
+          <p:childTnLst>
+            <p:seq concurrent="1" nextAc="seek">
+              <p:cTn id="2" dur="indefinite" nodeType="mainSeq">
+                <p:childTnLst>
+                  <p:par>
+                    <p:cTn id="3" fill="hold">
+                      <p:stCondLst>
+                        <p:cond delay="indefinite"/>
+                      </p:stCondLst>
+                      <p:childTnLst>
+                        <p:par>
+                          <p:cTn id="4" fill="hold">
+                            <p:stCondLst>
+                              <p:cond delay="0"/>
+                            </p:stCondLst>
+                            <p:childTnLst>
+                              <p:par>
+                                <p:cTn id="5" presetID="10" presetClass="entr" presetSubtype="0" fill="hold" nodeType="clickEffect">
+                                  <p:stCondLst>
+                                    <p:cond delay="0"/>
+                                  </p:stCondLst>
+                                  <p:childTnLst>
+                                    <p:set>
+                                      <p:cBhvr>
+                                        <p:cTn id="6" dur="1" fill="hold">
+                                          <p:stCondLst>
+                                            <p:cond delay="0"/>
+                                          </p:stCondLst>
+                                        </p:cTn>
+                                        <p:tgtEl>
+                                          <p:spTgt spid="24"/>
+                                        </p:tgtEl>
+                                        <p:attrNameLst>
+                                          <p:attrName>style.visibility</p:attrName>
+                                        </p:attrNameLst>
+                                      </p:cBhvr>
+                                      <p:to>
+                                        <p:strVal val="visible"/>
+                                      </p:to>
+                                    </p:set>
+                                    <p:animEffect transition="in" filter="fade">
+                                      <p:cBhvr>
+                                        <p:cTn id="7" dur="500"/>
+                                        <p:tgtEl>
+                                          <p:spTgt spid="24"/>
+                                        </p:tgtEl>
+                                      </p:cBhvr>
+                                    </p:animEffect>
+                                  </p:childTnLst>
+                                </p:cTn>
+                              </p:par>
+                            </p:childTnLst>
+                          </p:cTn>
+                        </p:par>
+                        <p:par>
+                          <p:cTn id="8" fill="hold">
+                            <p:stCondLst>
+                              <p:cond delay="500"/>
+                            </p:stCondLst>
+                            <p:childTnLst>
+                              <p:par>
+                                <p:cTn id="9" presetID="10" presetClass="entr" presetSubtype="0" fill="hold" grpId="0" nodeType="afterEffect">
+                                  <p:stCondLst>
+                                    <p:cond delay="0"/>
+                                  </p:stCondLst>
+                                  <p:childTnLst>
+                                    <p:set>
+                                      <p:cBhvr>
+                                        <p:cTn id="10" dur="1" fill="hold">
+                                          <p:stCondLst>
+                                            <p:cond delay="0"/>
+                                          </p:stCondLst>
+                                        </p:cTn>
+                                        <p:tgtEl>
+                                          <p:spTgt spid="25"/>
+                                        </p:tgtEl>
+                                        <p:attrNameLst>
+                                          <p:attrName>style.visibility</p:attrName>
+                                        </p:attrNameLst>
+                                      </p:cBhvr>
+                                      <p:to>
+                                        <p:strVal val="visible"/>
+                                      </p:to>
+                                    </p:set>
+                                    <p:animEffect transition="in" filter="fade">
+                                      <p:cBhvr>
+                                        <p:cTn id="11" dur="500"/>
+                                        <p:tgtEl>
+                                          <p:spTgt spid="25"/>
+                                        </p:tgtEl>
+                                      </p:cBhvr>
+                                    </p:animEffect>
+                                  </p:childTnLst>
+                                </p:cTn>
+                              </p:par>
+                            </p:childTnLst>
+                          </p:cTn>
+                        </p:par>
+                      </p:childTnLst>
+                    </p:cTn>
+                  </p:par>
+                  <p:par>
+                    <p:cTn id="12" fill="hold">
+                      <p:stCondLst>
+                        <p:cond delay="indefinite"/>
+                      </p:stCondLst>
+                      <p:childTnLst>
+                        <p:par>
+                          <p:cTn id="13" fill="hold">
+                            <p:stCondLst>
+                              <p:cond delay="0"/>
+                            </p:stCondLst>
+                            <p:childTnLst>
+                              <p:par>
+                                <p:cTn id="14" presetID="10" presetClass="exit" presetSubtype="0" fill="hold" nodeType="clickEffect">
+                                  <p:stCondLst>
+                                    <p:cond delay="0"/>
+                                  </p:stCondLst>
+                                  <p:childTnLst>
+                                    <p:animEffect transition="out" filter="fade">
+                                      <p:cBhvr>
+                                        <p:cTn id="15" dur="500"/>
+                                        <p:tgtEl>
+                                          <p:spTgt spid="24"/>
+                                        </p:tgtEl>
+                                      </p:cBhvr>
+                                    </p:animEffect>
+                                    <p:set>
+                                      <p:cBhvr>
+                                        <p:cTn id="16" dur="1" fill="hold">
+                                          <p:stCondLst>
+                                            <p:cond delay="499"/>
+                                          </p:stCondLst>
+                                        </p:cTn>
+                                        <p:tgtEl>
+                                          <p:spTgt spid="24"/>
+                                        </p:tgtEl>
+                                        <p:attrNameLst>
+                                          <p:attrName>style.visibility</p:attrName>
+                                        </p:attrNameLst>
+                                      </p:cBhvr>
+                                      <p:to>
+                                        <p:strVal val="hidden"/>
+                                      </p:to>
+                                    </p:set>
+                                  </p:childTnLst>
+                                </p:cTn>
+                              </p:par>
+                              <p:par>
+                                <p:cTn id="17" presetID="10" presetClass="exit" presetSubtype="0" fill="hold" grpId="1" nodeType="withEffect">
+                                  <p:stCondLst>
+                                    <p:cond delay="0"/>
+                                  </p:stCondLst>
+                                  <p:childTnLst>
+                                    <p:animEffect transition="out" filter="fade">
+                                      <p:cBhvr>
+                                        <p:cTn id="18" dur="500"/>
+                                        <p:tgtEl>
+                                          <p:spTgt spid="25"/>
+                                        </p:tgtEl>
+                                      </p:cBhvr>
+                                    </p:animEffect>
+                                    <p:set>
+                                      <p:cBhvr>
+                                        <p:cTn id="19" dur="1" fill="hold">
+                                          <p:stCondLst>
+                                            <p:cond delay="499"/>
+                                          </p:stCondLst>
+                                        </p:cTn>
+                                        <p:tgtEl>
+                                          <p:spTgt spid="25"/>
+                                        </p:tgtEl>
+                                        <p:attrNameLst>
+                                          <p:attrName>style.visibility</p:attrName>
+                                        </p:attrNameLst>
+                                      </p:cBhvr>
+                                      <p:to>
+                                        <p:strVal val="hidden"/>
+                                      </p:to>
+                                    </p:set>
+                                  </p:childTnLst>
+                                </p:cTn>
+                              </p:par>
+                            </p:childTnLst>
+                          </p:cTn>
+                        </p:par>
+                        <p:par>
+                          <p:cTn id="20" fill="hold">
+                            <p:stCondLst>
+                              <p:cond delay="500"/>
+                            </p:stCondLst>
+                            <p:childTnLst>
+                              <p:par>
+                                <p:cTn id="21" presetID="10" presetClass="entr" presetSubtype="0" fill="hold" nodeType="afterEffect">
+                                  <p:stCondLst>
+                                    <p:cond delay="0"/>
+                                  </p:stCondLst>
+                                  <p:childTnLst>
+                                    <p:set>
+                                      <p:cBhvr>
+                                        <p:cTn id="22" dur="1" fill="hold">
+                                          <p:stCondLst>
+                                            <p:cond delay="0"/>
+                                          </p:stCondLst>
+                                        </p:cTn>
+                                        <p:tgtEl>
+                                          <p:spTgt spid="14"/>
+                                        </p:tgtEl>
+                                        <p:attrNameLst>
+                                          <p:attrName>style.visibility</p:attrName>
+                                        </p:attrNameLst>
+                                      </p:cBhvr>
+                                      <p:to>
+                                        <p:strVal val="visible"/>
+                                      </p:to>
+                                    </p:set>
+                                    <p:animEffect transition="in" filter="fade">
+                                      <p:cBhvr>
+                                        <p:cTn id="23" dur="500"/>
+                                        <p:tgtEl>
+                                          <p:spTgt spid="14"/>
+                                        </p:tgtEl>
+                                      </p:cBhvr>
+                                    </p:animEffect>
+                                  </p:childTnLst>
+                                </p:cTn>
+                              </p:par>
+                            </p:childTnLst>
+                          </p:cTn>
+                        </p:par>
+                        <p:par>
+                          <p:cTn id="24" fill="hold">
+                            <p:stCondLst>
+                              <p:cond delay="1000"/>
+                            </p:stCondLst>
+                            <p:childTnLst>
+                              <p:par>
+                                <p:cTn id="25" presetID="10" presetClass="entr" presetSubtype="0" fill="hold" grpId="0" nodeType="afterEffect">
+                                  <p:stCondLst>
+                                    <p:cond delay="0"/>
+                                  </p:stCondLst>
+                                  <p:childTnLst>
+                                    <p:set>
+                                      <p:cBhvr>
+                                        <p:cTn id="26" dur="1" fill="hold">
+                                          <p:stCondLst>
+                                            <p:cond delay="0"/>
+                                          </p:stCondLst>
+                                        </p:cTn>
+                                        <p:tgtEl>
+                                          <p:spTgt spid="15"/>
+                                        </p:tgtEl>
+                                        <p:attrNameLst>
+                                          <p:attrName>style.visibility</p:attrName>
+                                        </p:attrNameLst>
+                                      </p:cBhvr>
+                                      <p:to>
+                                        <p:strVal val="visible"/>
+                                      </p:to>
+                                    </p:set>
+                                    <p:animEffect transition="in" filter="fade">
+                                      <p:cBhvr>
+                                        <p:cTn id="27" dur="500"/>
+                                        <p:tgtEl>
+                                          <p:spTgt spid="15"/>
+                                        </p:tgtEl>
+                                      </p:cBhvr>
+                                    </p:animEffect>
+                                  </p:childTnLst>
+                                </p:cTn>
+                              </p:par>
+                            </p:childTnLst>
+                          </p:cTn>
+                        </p:par>
+                      </p:childTnLst>
+                    </p:cTn>
+                  </p:par>
+                  <p:par>
+                    <p:cTn id="28" fill="hold">
+                      <p:stCondLst>
+                        <p:cond delay="indefinite"/>
+                      </p:stCondLst>
+                      <p:childTnLst>
+                        <p:par>
+                          <p:cTn id="29" fill="hold">
+                            <p:stCondLst>
+                              <p:cond delay="0"/>
+                            </p:stCondLst>
+                            <p:childTnLst>
+                              <p:par>
+                                <p:cTn id="30" presetID="22" presetClass="exit" presetSubtype="4" fill="hold" nodeType="clickEffect">
+                                  <p:stCondLst>
+                                    <p:cond delay="0"/>
+                                  </p:stCondLst>
+                                  <p:childTnLst>
+                                    <p:animEffect transition="out" filter="wipe(down)">
+                                      <p:cBhvr>
+                                        <p:cTn id="31" dur="500"/>
+                                        <p:tgtEl>
+                                          <p:spTgt spid="14"/>
+                                        </p:tgtEl>
+                                      </p:cBhvr>
+                                    </p:animEffect>
+                                    <p:set>
+                                      <p:cBhvr>
+                                        <p:cTn id="32" dur="1" fill="hold">
+                                          <p:stCondLst>
+                                            <p:cond delay="499"/>
+                                          </p:stCondLst>
+                                        </p:cTn>
+                                        <p:tgtEl>
+                                          <p:spTgt spid="14"/>
+                                        </p:tgtEl>
+                                        <p:attrNameLst>
+                                          <p:attrName>style.visibility</p:attrName>
+                                        </p:attrNameLst>
+                                      </p:cBhvr>
+                                      <p:to>
+                                        <p:strVal val="hidden"/>
+                                      </p:to>
+                                    </p:set>
+                                  </p:childTnLst>
+                                </p:cTn>
+                              </p:par>
+                              <p:par>
+                                <p:cTn id="33" presetID="22" presetClass="exit" presetSubtype="4" fill="hold" grpId="1" nodeType="withEffect">
+                                  <p:stCondLst>
+                                    <p:cond delay="0"/>
+                                  </p:stCondLst>
+                                  <p:childTnLst>
+                                    <p:animEffect transition="out" filter="wipe(down)">
+                                      <p:cBhvr>
+                                        <p:cTn id="34" dur="500"/>
+                                        <p:tgtEl>
+                                          <p:spTgt spid="15"/>
+                                        </p:tgtEl>
+                                      </p:cBhvr>
+                                    </p:animEffect>
+                                    <p:set>
+                                      <p:cBhvr>
+                                        <p:cTn id="35" dur="1" fill="hold">
+                                          <p:stCondLst>
+                                            <p:cond delay="499"/>
+                                          </p:stCondLst>
+                                        </p:cTn>
+                                        <p:tgtEl>
+                                          <p:spTgt spid="15"/>
+                                        </p:tgtEl>
+                                        <p:attrNameLst>
+                                          <p:attrName>style.visibility</p:attrName>
+                                        </p:attrNameLst>
+                                      </p:cBhvr>
+                                      <p:to>
+                                        <p:strVal val="hidden"/>
+                                      </p:to>
+                                    </p:set>
+                                  </p:childTnLst>
+                                </p:cTn>
+                              </p:par>
+                            </p:childTnLst>
+                          </p:cTn>
+                        </p:par>
+                        <p:par>
+                          <p:cTn id="36" fill="hold">
+                            <p:stCondLst>
+                              <p:cond delay="500"/>
+                            </p:stCondLst>
+                            <p:childTnLst>
+                              <p:par>
+                                <p:cTn id="37" presetID="10" presetClass="entr" presetSubtype="0" fill="hold" grpId="0" nodeType="afterEffect">
+                                  <p:stCondLst>
+                                    <p:cond delay="0"/>
+                                  </p:stCondLst>
+                                  <p:childTnLst>
+                                    <p:set>
+                                      <p:cBhvr>
+                                        <p:cTn id="38" dur="1" fill="hold">
+                                          <p:stCondLst>
+                                            <p:cond delay="0"/>
+                                          </p:stCondLst>
+                                        </p:cTn>
+                                        <p:tgtEl>
+                                          <p:spTgt spid="31"/>
+                                        </p:tgtEl>
+                                        <p:attrNameLst>
+                                          <p:attrName>style.visibility</p:attrName>
+                                        </p:attrNameLst>
+                                      </p:cBhvr>
+                                      <p:to>
+                                        <p:strVal val="visible"/>
+                                      </p:to>
+                                    </p:set>
+                                    <p:animEffect transition="in" filter="fade">
+                                      <p:cBhvr>
+                                        <p:cTn id="39" dur="500"/>
+                                        <p:tgtEl>
+                                          <p:spTgt spid="31"/>
+                                        </p:tgtEl>
+                                      </p:cBhvr>
+                                    </p:animEffect>
+                                  </p:childTnLst>
+                                </p:cTn>
+                              </p:par>
+                            </p:childTnLst>
+                          </p:cTn>
+                        </p:par>
+                        <p:par>
+                          <p:cTn id="40" fill="hold">
+                            <p:stCondLst>
+                              <p:cond delay="1000"/>
+                            </p:stCondLst>
+                            <p:childTnLst>
+                              <p:par>
+                                <p:cTn id="41" presetID="10" presetClass="entr" presetSubtype="0" fill="hold" nodeType="afterEffect">
+                                  <p:stCondLst>
+                                    <p:cond delay="0"/>
+                                  </p:stCondLst>
+                                  <p:childTnLst>
+                                    <p:set>
+                                      <p:cBhvr>
+                                        <p:cTn id="42" dur="1" fill="hold">
+                                          <p:stCondLst>
+                                            <p:cond delay="0"/>
+                                          </p:stCondLst>
+                                        </p:cTn>
+                                        <p:tgtEl>
+                                          <p:spTgt spid="30"/>
+                                        </p:tgtEl>
+                                        <p:attrNameLst>
+                                          <p:attrName>style.visibility</p:attrName>
+                                        </p:attrNameLst>
+                                      </p:cBhvr>
+                                      <p:to>
+                                        <p:strVal val="visible"/>
+                                      </p:to>
+                                    </p:set>
+                                    <p:animEffect transition="in" filter="fade">
+                                      <p:cBhvr>
+                                        <p:cTn id="43" dur="500"/>
+                                        <p:tgtEl>
+                                          <p:spTgt spid="30"/>
+                                        </p:tgtEl>
+                                      </p:cBhvr>
+                                    </p:animEffect>
+                                  </p:childTnLst>
+                                </p:cTn>
+                              </p:par>
+                            </p:childTnLst>
+                          </p:cTn>
+                        </p:par>
+                      </p:childTnLst>
+                    </p:cTn>
+                  </p:par>
+                </p:childTnLst>
+              </p:cTn>
+              <p:prevCondLst>
+                <p:cond evt="onPrev" delay="0">
+                  <p:tgtEl>
+                    <p:sldTgt/>
+                  </p:tgtEl>
+                </p:cond>
+              </p:prevCondLst>
+              <p:nextCondLst>
+                <p:cond evt="onNext" delay="0">
+                  <p:tgtEl>
+                    <p:sldTgt/>
+                  </p:tgtEl>
+                </p:cond>
+              </p:nextCondLst>
+            </p:seq>
+          </p:childTnLst>
+        </p:cTn>
+      </p:par>
+    </p:tnLst>
+    <p:bldLst>
+      <p:bldP spid="25" grpId="0" animBg="1"/>
+      <p:bldP spid="25" grpId="1" animBg="1"/>
+      <p:bldP spid="15" grpId="0" animBg="1"/>
+      <p:bldP spid="15" grpId="1" animBg="1"/>
+      <p:bldP spid="31" grpId="0" animBg="1"/>
+    </p:bldLst>
+  </p:timing>
 </p:sld>
 </file>
 
